--- a/_posts/ppt/CenterNet.pptx
+++ b/_posts/ppt/CenterNet.pptx
@@ -15,6 +15,21 @@
     <p:sldId id="263" r:id="rId9"/>
     <p:sldId id="264" r:id="rId10"/>
     <p:sldId id="265" r:id="rId11"/>
+    <p:sldId id="267" r:id="rId12"/>
+    <p:sldId id="268" r:id="rId13"/>
+    <p:sldId id="269" r:id="rId14"/>
+    <p:sldId id="270" r:id="rId15"/>
+    <p:sldId id="271" r:id="rId16"/>
+    <p:sldId id="278" r:id="rId17"/>
+    <p:sldId id="275" r:id="rId18"/>
+    <p:sldId id="272" r:id="rId19"/>
+    <p:sldId id="279" r:id="rId20"/>
+    <p:sldId id="276" r:id="rId21"/>
+    <p:sldId id="277" r:id="rId22"/>
+    <p:sldId id="280" r:id="rId23"/>
+    <p:sldId id="273" r:id="rId24"/>
+    <p:sldId id="281" r:id="rId25"/>
+    <p:sldId id="274" r:id="rId26"/>
   </p:sldIdLst>
   <p:sldSz cx="12192000" cy="6858000"/>
   <p:notesSz cx="6858000" cy="9144000"/>
@@ -113,6 +128,11 @@
       </a:defRPr>
     </a:lvl9pPr>
   </p:defaultTextStyle>
+  <p:extLst>
+    <p:ext uri="{EFAFB233-063F-42B5-8137-9DF3F51BA10A}">
+      <p15:sldGuideLst xmlns:p15="http://schemas.microsoft.com/office/powerpoint/2012/main"/>
+    </p:ext>
+  </p:extLst>
 </p:presentation>
 </file>
 
@@ -263,7 +283,7 @@
           <a:p>
             <a:fld id="{24C3C427-153F-4C47-9F92-CD364F382ACE}" type="datetimeFigureOut">
               <a:rPr lang="ko-KR" altLang="en-US" smtClean="0"/>
-              <a:t>2019-05-25</a:t>
+              <a:t>2019-05-26</a:t>
             </a:fld>
             <a:endParaRPr lang="ko-KR" altLang="en-US"/>
           </a:p>
@@ -461,7 +481,7 @@
           <a:p>
             <a:fld id="{24C3C427-153F-4C47-9F92-CD364F382ACE}" type="datetimeFigureOut">
               <a:rPr lang="ko-KR" altLang="en-US" smtClean="0"/>
-              <a:t>2019-05-25</a:t>
+              <a:t>2019-05-26</a:t>
             </a:fld>
             <a:endParaRPr lang="ko-KR" altLang="en-US"/>
           </a:p>
@@ -669,7 +689,7 @@
           <a:p>
             <a:fld id="{24C3C427-153F-4C47-9F92-CD364F382ACE}" type="datetimeFigureOut">
               <a:rPr lang="ko-KR" altLang="en-US" smtClean="0"/>
-              <a:t>2019-05-25</a:t>
+              <a:t>2019-05-26</a:t>
             </a:fld>
             <a:endParaRPr lang="ko-KR" altLang="en-US"/>
           </a:p>
@@ -867,7 +887,7 @@
           <a:p>
             <a:fld id="{24C3C427-153F-4C47-9F92-CD364F382ACE}" type="datetimeFigureOut">
               <a:rPr lang="ko-KR" altLang="en-US" smtClean="0"/>
-              <a:t>2019-05-25</a:t>
+              <a:t>2019-05-26</a:t>
             </a:fld>
             <a:endParaRPr lang="ko-KR" altLang="en-US"/>
           </a:p>
@@ -1142,7 +1162,7 @@
           <a:p>
             <a:fld id="{24C3C427-153F-4C47-9F92-CD364F382ACE}" type="datetimeFigureOut">
               <a:rPr lang="ko-KR" altLang="en-US" smtClean="0"/>
-              <a:t>2019-05-25</a:t>
+              <a:t>2019-05-26</a:t>
             </a:fld>
             <a:endParaRPr lang="ko-KR" altLang="en-US"/>
           </a:p>
@@ -1407,7 +1427,7 @@
           <a:p>
             <a:fld id="{24C3C427-153F-4C47-9F92-CD364F382ACE}" type="datetimeFigureOut">
               <a:rPr lang="ko-KR" altLang="en-US" smtClean="0"/>
-              <a:t>2019-05-25</a:t>
+              <a:t>2019-05-26</a:t>
             </a:fld>
             <a:endParaRPr lang="ko-KR" altLang="en-US"/>
           </a:p>
@@ -1819,7 +1839,7 @@
           <a:p>
             <a:fld id="{24C3C427-153F-4C47-9F92-CD364F382ACE}" type="datetimeFigureOut">
               <a:rPr lang="ko-KR" altLang="en-US" smtClean="0"/>
-              <a:t>2019-05-25</a:t>
+              <a:t>2019-05-26</a:t>
             </a:fld>
             <a:endParaRPr lang="ko-KR" altLang="en-US"/>
           </a:p>
@@ -1960,7 +1980,7 @@
           <a:p>
             <a:fld id="{24C3C427-153F-4C47-9F92-CD364F382ACE}" type="datetimeFigureOut">
               <a:rPr lang="ko-KR" altLang="en-US" smtClean="0"/>
-              <a:t>2019-05-25</a:t>
+              <a:t>2019-05-26</a:t>
             </a:fld>
             <a:endParaRPr lang="ko-KR" altLang="en-US"/>
           </a:p>
@@ -2073,7 +2093,7 @@
           <a:p>
             <a:fld id="{24C3C427-153F-4C47-9F92-CD364F382ACE}" type="datetimeFigureOut">
               <a:rPr lang="ko-KR" altLang="en-US" smtClean="0"/>
-              <a:t>2019-05-25</a:t>
+              <a:t>2019-05-26</a:t>
             </a:fld>
             <a:endParaRPr lang="ko-KR" altLang="en-US"/>
           </a:p>
@@ -2384,7 +2404,7 @@
           <a:p>
             <a:fld id="{24C3C427-153F-4C47-9F92-CD364F382ACE}" type="datetimeFigureOut">
               <a:rPr lang="ko-KR" altLang="en-US" smtClean="0"/>
-              <a:t>2019-05-25</a:t>
+              <a:t>2019-05-26</a:t>
             </a:fld>
             <a:endParaRPr lang="ko-KR" altLang="en-US"/>
           </a:p>
@@ -2672,7 +2692,7 @@
           <a:p>
             <a:fld id="{24C3C427-153F-4C47-9F92-CD364F382ACE}" type="datetimeFigureOut">
               <a:rPr lang="ko-KR" altLang="en-US" smtClean="0"/>
-              <a:t>2019-05-25</a:t>
+              <a:t>2019-05-26</a:t>
             </a:fld>
             <a:endParaRPr lang="ko-KR" altLang="en-US"/>
           </a:p>
@@ -2913,7 +2933,7 @@
           <a:p>
             <a:fld id="{24C3C427-153F-4C47-9F92-CD364F382ACE}" type="datetimeFigureOut">
               <a:rPr lang="ko-KR" altLang="en-US" smtClean="0"/>
-              <a:t>2019-05-25</a:t>
+              <a:t>2019-05-26</a:t>
             </a:fld>
             <a:endParaRPr lang="ko-KR" altLang="en-US"/>
           </a:p>
@@ -3445,7 +3465,7 @@
         </p:blipFill>
         <p:spPr>
           <a:xfrm>
-            <a:off x="4679734" y="1004580"/>
+            <a:off x="4455145" y="470039"/>
             <a:ext cx="857250" cy="371475"/>
           </a:xfrm>
           <a:prstGeom prst="rect">
@@ -3475,7 +3495,7 @@
         </p:blipFill>
         <p:spPr>
           <a:xfrm>
-            <a:off x="3401756" y="1659104"/>
+            <a:off x="3177167" y="1124563"/>
             <a:ext cx="3781425" cy="523875"/>
           </a:xfrm>
           <a:prstGeom prst="rect">
@@ -3505,7 +3525,7 @@
         </p:blipFill>
         <p:spPr>
           <a:xfrm>
-            <a:off x="8611672" y="957290"/>
+            <a:off x="8387083" y="422749"/>
             <a:ext cx="1019175" cy="438150"/>
           </a:xfrm>
           <a:prstGeom prst="rect">
@@ -3527,7 +3547,7 @@
         </p:nvSpPr>
         <p:spPr>
           <a:xfrm>
-            <a:off x="5494254" y="991699"/>
+            <a:off x="5269665" y="457158"/>
             <a:ext cx="3220369" cy="369332"/>
           </a:xfrm>
           <a:prstGeom prst="rect">
@@ -3563,7 +3583,7 @@
         </p:nvSpPr>
         <p:spPr>
           <a:xfrm>
-            <a:off x="1605046" y="991699"/>
+            <a:off x="1380457" y="457158"/>
             <a:ext cx="3074688" cy="369332"/>
           </a:xfrm>
           <a:prstGeom prst="rect">
@@ -3603,7 +3623,7 @@
         </p:nvSpPr>
         <p:spPr>
           <a:xfrm>
-            <a:off x="1605046" y="1736375"/>
+            <a:off x="1380457" y="1201834"/>
             <a:ext cx="1796710" cy="369332"/>
           </a:xfrm>
           <a:prstGeom prst="rect">
@@ -3639,7 +3659,7 @@
         </p:nvSpPr>
         <p:spPr>
           <a:xfrm>
-            <a:off x="692862" y="2305615"/>
+            <a:off x="687893" y="1725709"/>
             <a:ext cx="10806276" cy="2246769"/>
           </a:xfrm>
           <a:prstGeom prst="rect">
@@ -3699,7 +3719,7 @@
         </p:blipFill>
         <p:spPr>
           <a:xfrm>
-            <a:off x="692862" y="4552384"/>
+            <a:off x="697831" y="4142762"/>
             <a:ext cx="6096000" cy="1590675"/>
           </a:xfrm>
           <a:prstGeom prst="rect">
@@ -3721,7 +3741,7 @@
         </p:nvSpPr>
         <p:spPr>
           <a:xfrm>
-            <a:off x="7183181" y="4641050"/>
+            <a:off x="7183181" y="4199435"/>
             <a:ext cx="4310988" cy="1477328"/>
           </a:xfrm>
           <a:prstGeom prst="rect">
@@ -3796,10 +3816,2769 @@
           </a:p>
         </p:txBody>
       </p:sp>
+      <p:pic>
+        <p:nvPicPr>
+          <p:cNvPr id="2" name="그림 1">
+            <a:extLst>
+              <a:ext uri="{FF2B5EF4-FFF2-40B4-BE49-F238E27FC236}">
+                <a16:creationId xmlns:a16="http://schemas.microsoft.com/office/drawing/2014/main" id="{8FEFC96A-4E5B-4171-AFF6-A9B88C6379C6}"/>
+              </a:ext>
+            </a:extLst>
+          </p:cNvPr>
+          <p:cNvPicPr>
+            <a:picLocks noChangeAspect="1"/>
+          </p:cNvPicPr>
+          <p:nvPr/>
+        </p:nvPicPr>
+        <p:blipFill>
+          <a:blip r:embed="rId6"/>
+          <a:stretch>
+            <a:fillRect/>
+          </a:stretch>
+        </p:blipFill>
+        <p:spPr>
+          <a:xfrm>
+            <a:off x="1884338" y="6200817"/>
+            <a:ext cx="2066925" cy="400050"/>
+          </a:xfrm>
+          <a:prstGeom prst="rect">
+            <a:avLst/>
+          </a:prstGeom>
+        </p:spPr>
+      </p:pic>
+      <p:sp>
+        <p:nvSpPr>
+          <p:cNvPr id="3" name="TextBox 2">
+            <a:extLst>
+              <a:ext uri="{FF2B5EF4-FFF2-40B4-BE49-F238E27FC236}">
+                <a16:creationId xmlns:a16="http://schemas.microsoft.com/office/drawing/2014/main" id="{62926B0F-ACDE-429D-A63B-24194077C654}"/>
+              </a:ext>
+            </a:extLst>
+          </p:cNvPr>
+          <p:cNvSpPr txBox="1"/>
+          <p:nvPr/>
+        </p:nvSpPr>
+        <p:spPr>
+          <a:xfrm>
+            <a:off x="3951263" y="6064795"/>
+            <a:ext cx="7608942" cy="646331"/>
+          </a:xfrm>
+          <a:prstGeom prst="rect">
+            <a:avLst/>
+          </a:prstGeom>
+          <a:noFill/>
+        </p:spPr>
+        <p:txBody>
+          <a:bodyPr wrap="none" rtlCol="0">
+            <a:spAutoFit/>
+          </a:bodyPr>
+          <a:lstStyle/>
+          <a:p>
+            <a:r>
+              <a:rPr lang="en-US" altLang="ko-KR" dirty="0"/>
+              <a:t>To</a:t>
+            </a:r>
+            <a:r>
+              <a:rPr lang="ko-KR" altLang="en-US" dirty="0"/>
+              <a:t> </a:t>
+            </a:r>
+            <a:r>
+              <a:rPr lang="en-US" altLang="ko-KR" dirty="0"/>
+              <a:t>further</a:t>
+            </a:r>
+            <a:r>
+              <a:rPr lang="ko-KR" altLang="en-US" dirty="0"/>
+              <a:t> </a:t>
+            </a:r>
+            <a:r>
+              <a:rPr lang="en-US" altLang="ko-KR" dirty="0"/>
+              <a:t>recover the mathematical error caused by the output stride,</a:t>
+            </a:r>
+          </a:p>
+          <a:p>
+            <a:r>
+              <a:rPr lang="en-US" altLang="ko-KR" dirty="0"/>
+              <a:t>We further estimate the local offset for each center point</a:t>
+            </a:r>
+            <a:endParaRPr lang="ko-KR" altLang="en-US" dirty="0"/>
+          </a:p>
+        </p:txBody>
+      </p:sp>
     </p:spTree>
     <p:extLst>
       <p:ext uri="{BB962C8B-B14F-4D97-AF65-F5344CB8AC3E}">
         <p14:creationId xmlns:p14="http://schemas.microsoft.com/office/powerpoint/2010/main" val="1677131545"/>
+      </p:ext>
+    </p:extLst>
+  </p:cSld>
+  <p:clrMapOvr>
+    <a:masterClrMapping/>
+  </p:clrMapOvr>
+</p:sld>
+</file>
+
+<file path=ppt/slides/slide11.xml><?xml version="1.0" encoding="utf-8"?>
+<p:sld xmlns:a="http://schemas.openxmlformats.org/drawingml/2006/main" xmlns:r="http://schemas.openxmlformats.org/officeDocument/2006/relationships" xmlns:p="http://schemas.openxmlformats.org/presentationml/2006/main">
+  <p:cSld>
+    <p:spTree>
+      <p:nvGrpSpPr>
+        <p:cNvPr id="1" name=""/>
+        <p:cNvGrpSpPr/>
+        <p:nvPr/>
+      </p:nvGrpSpPr>
+      <p:grpSpPr>
+        <a:xfrm>
+          <a:off x="0" y="0"/>
+          <a:ext cx="0" cy="0"/>
+          <a:chOff x="0" y="0"/>
+          <a:chExt cx="0" cy="0"/>
+        </a:xfrm>
+      </p:grpSpPr>
+      <p:sp>
+        <p:nvSpPr>
+          <p:cNvPr id="2" name="제목 1">
+            <a:extLst>
+              <a:ext uri="{FF2B5EF4-FFF2-40B4-BE49-F238E27FC236}">
+                <a16:creationId xmlns:a16="http://schemas.microsoft.com/office/drawing/2014/main" id="{C24DF9FF-1CEC-41F7-8662-2156D9B2BDEE}"/>
+              </a:ext>
+            </a:extLst>
+          </p:cNvPr>
+          <p:cNvSpPr>
+            <a:spLocks noGrp="1"/>
+          </p:cNvSpPr>
+          <p:nvPr>
+            <p:ph type="title"/>
+          </p:nvPr>
+        </p:nvSpPr>
+        <p:spPr/>
+        <p:txBody>
+          <a:bodyPr/>
+          <a:lstStyle/>
+          <a:p>
+            <a:r>
+              <a:rPr lang="en-US" altLang="ko-KR" dirty="0"/>
+              <a:t>offset prediction : L1 loss</a:t>
+            </a:r>
+            <a:endParaRPr lang="ko-KR" altLang="en-US" dirty="0"/>
+          </a:p>
+        </p:txBody>
+      </p:sp>
+      <p:pic>
+        <p:nvPicPr>
+          <p:cNvPr id="4" name="그림 3">
+            <a:extLst>
+              <a:ext uri="{FF2B5EF4-FFF2-40B4-BE49-F238E27FC236}">
+                <a16:creationId xmlns:a16="http://schemas.microsoft.com/office/drawing/2014/main" id="{C7E8C0E9-6FC9-4F66-BD41-24C4D30461DC}"/>
+              </a:ext>
+            </a:extLst>
+          </p:cNvPr>
+          <p:cNvPicPr>
+            <a:picLocks noChangeAspect="1"/>
+          </p:cNvPicPr>
+          <p:nvPr/>
+        </p:nvPicPr>
+        <p:blipFill>
+          <a:blip r:embed="rId2"/>
+          <a:stretch>
+            <a:fillRect/>
+          </a:stretch>
+        </p:blipFill>
+        <p:spPr>
+          <a:xfrm>
+            <a:off x="3524811" y="2170018"/>
+            <a:ext cx="4803810" cy="1397934"/>
+          </a:xfrm>
+          <a:prstGeom prst="rect">
+            <a:avLst/>
+          </a:prstGeom>
+        </p:spPr>
+      </p:pic>
+      <p:sp>
+        <p:nvSpPr>
+          <p:cNvPr id="5" name="TextBox 4">
+            <a:extLst>
+              <a:ext uri="{FF2B5EF4-FFF2-40B4-BE49-F238E27FC236}">
+                <a16:creationId xmlns:a16="http://schemas.microsoft.com/office/drawing/2014/main" id="{F40722B8-EB6B-4140-A93C-6590D2B03CDC}"/>
+              </a:ext>
+            </a:extLst>
+          </p:cNvPr>
+          <p:cNvSpPr txBox="1"/>
+          <p:nvPr/>
+        </p:nvSpPr>
+        <p:spPr>
+          <a:xfrm>
+            <a:off x="3872754" y="3567952"/>
+            <a:ext cx="3836894" cy="369332"/>
+          </a:xfrm>
+          <a:prstGeom prst="rect">
+            <a:avLst/>
+          </a:prstGeom>
+          <a:noFill/>
+        </p:spPr>
+        <p:txBody>
+          <a:bodyPr wrap="square" rtlCol="0">
+            <a:spAutoFit/>
+          </a:bodyPr>
+          <a:lstStyle/>
+          <a:p>
+            <a:r>
+              <a:rPr lang="en-US" altLang="ko-KR" dirty="0"/>
+              <a:t>The offset is  trained with L1 loss</a:t>
+            </a:r>
+            <a:endParaRPr lang="ko-KR" altLang="en-US" dirty="0"/>
+          </a:p>
+        </p:txBody>
+      </p:sp>
+      <p:sp>
+        <p:nvSpPr>
+          <p:cNvPr id="6" name="TextBox 5">
+            <a:extLst>
+              <a:ext uri="{FF2B5EF4-FFF2-40B4-BE49-F238E27FC236}">
+                <a16:creationId xmlns:a16="http://schemas.microsoft.com/office/drawing/2014/main" id="{D94C606F-85A3-4D2F-A469-646E6C8DF552}"/>
+              </a:ext>
+            </a:extLst>
+          </p:cNvPr>
+          <p:cNvSpPr txBox="1"/>
+          <p:nvPr/>
+        </p:nvSpPr>
+        <p:spPr>
+          <a:xfrm>
+            <a:off x="3210780" y="4257016"/>
+            <a:ext cx="5431872" cy="369332"/>
+          </a:xfrm>
+          <a:prstGeom prst="rect">
+            <a:avLst/>
+          </a:prstGeom>
+          <a:noFill/>
+        </p:spPr>
+        <p:txBody>
+          <a:bodyPr wrap="none" rtlCol="0">
+            <a:spAutoFit/>
+          </a:bodyPr>
+          <a:lstStyle/>
+          <a:p>
+            <a:r>
+              <a:rPr lang="en-US" altLang="ko-KR" dirty="0"/>
+              <a:t>L1 loss = sum of | actual value – predicted value |</a:t>
+            </a:r>
+            <a:endParaRPr lang="ko-KR" altLang="en-US" dirty="0"/>
+          </a:p>
+        </p:txBody>
+      </p:sp>
+    </p:spTree>
+    <p:extLst>
+      <p:ext uri="{BB962C8B-B14F-4D97-AF65-F5344CB8AC3E}">
+        <p14:creationId xmlns:p14="http://schemas.microsoft.com/office/powerpoint/2010/main" val="162871677"/>
+      </p:ext>
+    </p:extLst>
+  </p:cSld>
+  <p:clrMapOvr>
+    <a:masterClrMapping/>
+  </p:clrMapOvr>
+</p:sld>
+</file>
+
+<file path=ppt/slides/slide12.xml><?xml version="1.0" encoding="utf-8"?>
+<p:sld xmlns:a="http://schemas.openxmlformats.org/drawingml/2006/main" xmlns:r="http://schemas.openxmlformats.org/officeDocument/2006/relationships" xmlns:p="http://schemas.openxmlformats.org/presentationml/2006/main">
+  <p:cSld>
+    <p:spTree>
+      <p:nvGrpSpPr>
+        <p:cNvPr id="1" name=""/>
+        <p:cNvGrpSpPr/>
+        <p:nvPr/>
+      </p:nvGrpSpPr>
+      <p:grpSpPr>
+        <a:xfrm>
+          <a:off x="0" y="0"/>
+          <a:ext cx="0" cy="0"/>
+          <a:chOff x="0" y="0"/>
+          <a:chExt cx="0" cy="0"/>
+        </a:xfrm>
+      </p:grpSpPr>
+      <p:sp>
+        <p:nvSpPr>
+          <p:cNvPr id="2" name="제목 1">
+            <a:extLst>
+              <a:ext uri="{FF2B5EF4-FFF2-40B4-BE49-F238E27FC236}">
+                <a16:creationId xmlns:a16="http://schemas.microsoft.com/office/drawing/2014/main" id="{66D454CA-B091-4AB7-B77A-3B2033A5C901}"/>
+              </a:ext>
+            </a:extLst>
+          </p:cNvPr>
+          <p:cNvSpPr>
+            <a:spLocks noGrp="1"/>
+          </p:cNvSpPr>
+          <p:nvPr>
+            <p:ph type="title"/>
+          </p:nvPr>
+        </p:nvSpPr>
+        <p:spPr/>
+        <p:txBody>
+          <a:bodyPr/>
+          <a:lstStyle/>
+          <a:p>
+            <a:r>
+              <a:rPr lang="en-US" altLang="ko-KR" dirty="0"/>
+              <a:t>Objects as Points</a:t>
+            </a:r>
+            <a:endParaRPr lang="ko-KR" altLang="en-US" dirty="0"/>
+          </a:p>
+        </p:txBody>
+      </p:sp>
+      <p:pic>
+        <p:nvPicPr>
+          <p:cNvPr id="4" name="그림 3">
+            <a:extLst>
+              <a:ext uri="{FF2B5EF4-FFF2-40B4-BE49-F238E27FC236}">
+                <a16:creationId xmlns:a16="http://schemas.microsoft.com/office/drawing/2014/main" id="{D0C91E86-84F6-4ACF-9758-27DB287177EF}"/>
+              </a:ext>
+            </a:extLst>
+          </p:cNvPr>
+          <p:cNvPicPr>
+            <a:picLocks noChangeAspect="1"/>
+          </p:cNvPicPr>
+          <p:nvPr/>
+        </p:nvPicPr>
+        <p:blipFill>
+          <a:blip r:embed="rId2"/>
+          <a:stretch>
+            <a:fillRect/>
+          </a:stretch>
+        </p:blipFill>
+        <p:spPr>
+          <a:xfrm>
+            <a:off x="838200" y="2762250"/>
+            <a:ext cx="3743325" cy="1333500"/>
+          </a:xfrm>
+          <a:prstGeom prst="rect">
+            <a:avLst/>
+          </a:prstGeom>
+        </p:spPr>
+      </p:pic>
+      <p:pic>
+        <p:nvPicPr>
+          <p:cNvPr id="6" name="그림 5">
+            <a:extLst>
+              <a:ext uri="{FF2B5EF4-FFF2-40B4-BE49-F238E27FC236}">
+                <a16:creationId xmlns:a16="http://schemas.microsoft.com/office/drawing/2014/main" id="{BA8E82C6-1B53-41D0-8807-212496A066D6}"/>
+              </a:ext>
+            </a:extLst>
+          </p:cNvPr>
+          <p:cNvPicPr>
+            <a:picLocks noChangeAspect="1"/>
+          </p:cNvPicPr>
+          <p:nvPr/>
+        </p:nvPicPr>
+        <p:blipFill>
+          <a:blip r:embed="rId3"/>
+          <a:stretch>
+            <a:fillRect/>
+          </a:stretch>
+        </p:blipFill>
+        <p:spPr>
+          <a:xfrm>
+            <a:off x="971552" y="2081349"/>
+            <a:ext cx="2066925" cy="390525"/>
+          </a:xfrm>
+          <a:prstGeom prst="rect">
+            <a:avLst/>
+          </a:prstGeom>
+        </p:spPr>
+      </p:pic>
+      <p:sp>
+        <p:nvSpPr>
+          <p:cNvPr id="7" name="TextBox 6">
+            <a:extLst>
+              <a:ext uri="{FF2B5EF4-FFF2-40B4-BE49-F238E27FC236}">
+                <a16:creationId xmlns:a16="http://schemas.microsoft.com/office/drawing/2014/main" id="{24249C16-C738-4A7D-9EA7-A3B117A79C8E}"/>
+              </a:ext>
+            </a:extLst>
+          </p:cNvPr>
+          <p:cNvSpPr txBox="1"/>
+          <p:nvPr/>
+        </p:nvSpPr>
+        <p:spPr>
+          <a:xfrm>
+            <a:off x="3675530" y="1693732"/>
+            <a:ext cx="3395032" cy="923330"/>
+          </a:xfrm>
+          <a:prstGeom prst="rect">
+            <a:avLst/>
+          </a:prstGeom>
+          <a:noFill/>
+        </p:spPr>
+        <p:txBody>
+          <a:bodyPr wrap="none" rtlCol="0">
+            <a:spAutoFit/>
+          </a:bodyPr>
+          <a:lstStyle/>
+          <a:p>
+            <a:r>
+              <a:rPr lang="en-US" altLang="ko-KR" dirty="0"/>
+              <a:t>For each object, regression to </a:t>
+            </a:r>
+          </a:p>
+          <a:p>
+            <a:endParaRPr lang="en-US" altLang="ko-KR" dirty="0"/>
+          </a:p>
+          <a:p>
+            <a:r>
+              <a:rPr lang="en-US" altLang="ko-KR" dirty="0"/>
+              <a:t>S(k) = ((x2-x1),(y2-y1)) (</a:t>
+            </a:r>
+            <a:r>
+              <a:rPr lang="en-US" altLang="ko-KR" dirty="0" err="1"/>
+              <a:t>w,h</a:t>
+            </a:r>
+            <a:r>
+              <a:rPr lang="en-US" altLang="ko-KR" dirty="0"/>
+              <a:t>)</a:t>
+            </a:r>
+            <a:endParaRPr lang="ko-KR" altLang="en-US" dirty="0"/>
+          </a:p>
+        </p:txBody>
+      </p:sp>
+      <p:sp>
+        <p:nvSpPr>
+          <p:cNvPr id="8" name="TextBox 7">
+            <a:extLst>
+              <a:ext uri="{FF2B5EF4-FFF2-40B4-BE49-F238E27FC236}">
+                <a16:creationId xmlns:a16="http://schemas.microsoft.com/office/drawing/2014/main" id="{E59B4DD4-D1BE-48B6-AB8A-B1CBA02C9C19}"/>
+              </a:ext>
+            </a:extLst>
+          </p:cNvPr>
+          <p:cNvSpPr txBox="1"/>
+          <p:nvPr/>
+        </p:nvSpPr>
+        <p:spPr>
+          <a:xfrm>
+            <a:off x="4924846" y="3244334"/>
+            <a:ext cx="896399" cy="369332"/>
+          </a:xfrm>
+          <a:prstGeom prst="rect">
+            <a:avLst/>
+          </a:prstGeom>
+          <a:noFill/>
+        </p:spPr>
+        <p:txBody>
+          <a:bodyPr wrap="none" rtlCol="0">
+            <a:spAutoFit/>
+          </a:bodyPr>
+          <a:lstStyle/>
+          <a:p>
+            <a:r>
+              <a:rPr lang="en-US" altLang="ko-KR" dirty="0"/>
+              <a:t>L1 loss</a:t>
+            </a:r>
+          </a:p>
+        </p:txBody>
+      </p:sp>
+      <p:sp>
+        <p:nvSpPr>
+          <p:cNvPr id="9" name="TextBox 8">
+            <a:extLst>
+              <a:ext uri="{FF2B5EF4-FFF2-40B4-BE49-F238E27FC236}">
+                <a16:creationId xmlns:a16="http://schemas.microsoft.com/office/drawing/2014/main" id="{5E1AC91B-06FE-4853-8226-09A4B5F7A02A}"/>
+              </a:ext>
+            </a:extLst>
+          </p:cNvPr>
+          <p:cNvSpPr txBox="1"/>
+          <p:nvPr/>
+        </p:nvSpPr>
+        <p:spPr>
+          <a:xfrm>
+            <a:off x="4924846" y="3951424"/>
+            <a:ext cx="6380350" cy="2585323"/>
+          </a:xfrm>
+          <a:prstGeom prst="rect">
+            <a:avLst/>
+          </a:prstGeom>
+          <a:noFill/>
+        </p:spPr>
+        <p:txBody>
+          <a:bodyPr wrap="square" rtlCol="0">
+            <a:spAutoFit/>
+          </a:bodyPr>
+          <a:lstStyle/>
+          <a:p>
+            <a:r>
+              <a:rPr lang="en-US" altLang="ko-KR" dirty="0"/>
+              <a:t>Use the original pixel coordinates directly, without standardizing the scale. Instead, adjust the loss to a constant </a:t>
+            </a:r>
+            <a:r>
+              <a:rPr lang="en-US" altLang="ko-KR" dirty="0" err="1"/>
+              <a:t>λsize</a:t>
+            </a:r>
+            <a:r>
+              <a:rPr lang="en-US" altLang="ko-KR" dirty="0"/>
+              <a:t>.</a:t>
+            </a:r>
+          </a:p>
+          <a:p>
+            <a:endParaRPr lang="en-US" altLang="ko-KR" dirty="0"/>
+          </a:p>
+          <a:p>
+            <a:r>
+              <a:rPr lang="en-US" altLang="ko-KR" dirty="0" err="1"/>
+              <a:t>λsize</a:t>
+            </a:r>
+            <a:r>
+              <a:rPr lang="en-US" altLang="ko-KR" dirty="0"/>
+              <a:t> : 0.1</a:t>
+            </a:r>
+          </a:p>
+          <a:p>
+            <a:r>
+              <a:rPr lang="en-US" altLang="ko-KR" dirty="0" err="1"/>
+              <a:t>λsoff</a:t>
+            </a:r>
+            <a:r>
+              <a:rPr lang="en-US" altLang="ko-KR" dirty="0"/>
+              <a:t> : 1</a:t>
+            </a:r>
+          </a:p>
+          <a:p>
+            <a:endParaRPr lang="en-US" altLang="ko-KR" dirty="0"/>
+          </a:p>
+          <a:p>
+            <a:r>
+              <a:rPr lang="ko-KR" altLang="ko-KR" dirty="0" err="1">
+                <a:solidFill>
+                  <a:srgbClr val="212121"/>
+                </a:solidFill>
+                <a:latin typeface="Arial Unicode MS" panose="020B0604020202020204" pitchFamily="50" charset="-127"/>
+                <a:ea typeface="inherit"/>
+              </a:rPr>
+              <a:t>keypoint</a:t>
+            </a:r>
+            <a:r>
+              <a:rPr lang="ko-KR" altLang="ko-KR" dirty="0">
+                <a:solidFill>
+                  <a:srgbClr val="212121"/>
+                </a:solidFill>
+                <a:latin typeface="Arial Unicode MS" panose="020B0604020202020204" pitchFamily="50" charset="-127"/>
+                <a:ea typeface="inherit"/>
+              </a:rPr>
+              <a:t> </a:t>
+            </a:r>
+            <a:r>
+              <a:rPr lang="ko-KR" altLang="ko-KR" dirty="0" err="1">
+                <a:solidFill>
+                  <a:srgbClr val="212121"/>
+                </a:solidFill>
+                <a:latin typeface="Arial Unicode MS" panose="020B0604020202020204" pitchFamily="50" charset="-127"/>
+                <a:ea typeface="inherit"/>
+              </a:rPr>
+              <a:t>Y</a:t>
+            </a:r>
+            <a:r>
+              <a:rPr lang="ko-KR" altLang="ko-KR" dirty="0">
+                <a:solidFill>
+                  <a:srgbClr val="212121"/>
+                </a:solidFill>
+                <a:latin typeface="Arial Unicode MS" panose="020B0604020202020204" pitchFamily="50" charset="-127"/>
+                <a:ea typeface="inherit"/>
+              </a:rPr>
+              <a:t> ', </a:t>
+            </a:r>
+            <a:r>
+              <a:rPr lang="ko-KR" altLang="ko-KR" dirty="0" err="1">
+                <a:solidFill>
+                  <a:srgbClr val="212121"/>
+                </a:solidFill>
+                <a:latin typeface="Arial Unicode MS" panose="020B0604020202020204" pitchFamily="50" charset="-127"/>
+                <a:ea typeface="inherit"/>
+              </a:rPr>
+              <a:t>offset</a:t>
+            </a:r>
+            <a:r>
+              <a:rPr lang="ko-KR" altLang="ko-KR" dirty="0">
+                <a:solidFill>
+                  <a:srgbClr val="212121"/>
+                </a:solidFill>
+                <a:latin typeface="Arial Unicode MS" panose="020B0604020202020204" pitchFamily="50" charset="-127"/>
+                <a:ea typeface="inherit"/>
+              </a:rPr>
+              <a:t> </a:t>
+            </a:r>
+            <a:r>
+              <a:rPr lang="ko-KR" altLang="ko-KR" dirty="0" err="1">
+                <a:solidFill>
+                  <a:srgbClr val="212121"/>
+                </a:solidFill>
+                <a:latin typeface="Arial Unicode MS" panose="020B0604020202020204" pitchFamily="50" charset="-127"/>
+                <a:ea typeface="inherit"/>
+              </a:rPr>
+              <a:t>O</a:t>
+            </a:r>
+            <a:r>
+              <a:rPr lang="ko-KR" altLang="ko-KR" dirty="0">
+                <a:solidFill>
+                  <a:srgbClr val="212121"/>
+                </a:solidFill>
+                <a:latin typeface="Arial Unicode MS" panose="020B0604020202020204" pitchFamily="50" charset="-127"/>
+                <a:ea typeface="inherit"/>
+              </a:rPr>
+              <a:t>', </a:t>
+            </a:r>
+            <a:r>
+              <a:rPr lang="ko-KR" altLang="ko-KR" dirty="0" err="1">
+                <a:solidFill>
+                  <a:srgbClr val="212121"/>
+                </a:solidFill>
+                <a:latin typeface="Arial Unicode MS" panose="020B0604020202020204" pitchFamily="50" charset="-127"/>
+                <a:ea typeface="inherit"/>
+              </a:rPr>
+              <a:t>size</a:t>
+            </a:r>
+            <a:r>
+              <a:rPr lang="ko-KR" altLang="ko-KR" dirty="0">
+                <a:solidFill>
+                  <a:srgbClr val="212121"/>
+                </a:solidFill>
+                <a:latin typeface="Arial Unicode MS" panose="020B0604020202020204" pitchFamily="50" charset="-127"/>
+                <a:ea typeface="inherit"/>
+              </a:rPr>
+              <a:t> </a:t>
+            </a:r>
+            <a:r>
+              <a:rPr lang="ko-KR" altLang="ko-KR" dirty="0" err="1">
+                <a:solidFill>
+                  <a:srgbClr val="212121"/>
+                </a:solidFill>
+                <a:latin typeface="Arial Unicode MS" panose="020B0604020202020204" pitchFamily="50" charset="-127"/>
+                <a:ea typeface="inherit"/>
+              </a:rPr>
+              <a:t>S</a:t>
+            </a:r>
+            <a:r>
+              <a:rPr lang="ko-KR" altLang="ko-KR" dirty="0">
+                <a:solidFill>
+                  <a:srgbClr val="212121"/>
+                </a:solidFill>
+                <a:latin typeface="Arial Unicode MS" panose="020B0604020202020204" pitchFamily="50" charset="-127"/>
+                <a:ea typeface="inherit"/>
+              </a:rPr>
+              <a:t> '. The </a:t>
+            </a:r>
+            <a:r>
+              <a:rPr lang="ko-KR" altLang="ko-KR" dirty="0" err="1">
+                <a:solidFill>
+                  <a:srgbClr val="212121"/>
+                </a:solidFill>
+                <a:latin typeface="Arial Unicode MS" panose="020B0604020202020204" pitchFamily="50" charset="-127"/>
+                <a:ea typeface="inherit"/>
+              </a:rPr>
+              <a:t>network</a:t>
+            </a:r>
+            <a:r>
+              <a:rPr lang="ko-KR" altLang="ko-KR" dirty="0">
+                <a:solidFill>
+                  <a:srgbClr val="212121"/>
+                </a:solidFill>
+                <a:latin typeface="Arial Unicode MS" panose="020B0604020202020204" pitchFamily="50" charset="-127"/>
+                <a:ea typeface="inherit"/>
+              </a:rPr>
+              <a:t> </a:t>
+            </a:r>
+            <a:r>
+              <a:rPr lang="ko-KR" altLang="ko-KR" dirty="0" err="1">
+                <a:solidFill>
+                  <a:srgbClr val="212121"/>
+                </a:solidFill>
+                <a:latin typeface="Arial Unicode MS" panose="020B0604020202020204" pitchFamily="50" charset="-127"/>
+                <a:ea typeface="inherit"/>
+              </a:rPr>
+              <a:t>predicts</a:t>
+            </a:r>
+            <a:r>
+              <a:rPr lang="ko-KR" altLang="ko-KR" dirty="0">
+                <a:solidFill>
+                  <a:srgbClr val="212121"/>
+                </a:solidFill>
+                <a:latin typeface="Arial Unicode MS" panose="020B0604020202020204" pitchFamily="50" charset="-127"/>
+                <a:ea typeface="inherit"/>
+              </a:rPr>
+              <a:t> </a:t>
+            </a:r>
+            <a:r>
+              <a:rPr lang="ko-KR" altLang="ko-KR" dirty="0" err="1">
+                <a:solidFill>
+                  <a:srgbClr val="212121"/>
+                </a:solidFill>
+                <a:latin typeface="Arial Unicode MS" panose="020B0604020202020204" pitchFamily="50" charset="-127"/>
+                <a:ea typeface="inherit"/>
+              </a:rPr>
+              <a:t>a</a:t>
+            </a:r>
+            <a:r>
+              <a:rPr lang="ko-KR" altLang="ko-KR" dirty="0">
+                <a:solidFill>
+                  <a:srgbClr val="212121"/>
+                </a:solidFill>
+                <a:latin typeface="Arial Unicode MS" panose="020B0604020202020204" pitchFamily="50" charset="-127"/>
+                <a:ea typeface="inherit"/>
+              </a:rPr>
+              <a:t> </a:t>
+            </a:r>
+            <a:r>
+              <a:rPr lang="ko-KR" altLang="ko-KR" dirty="0" err="1">
+                <a:solidFill>
+                  <a:srgbClr val="212121"/>
+                </a:solidFill>
+                <a:latin typeface="Arial Unicode MS" panose="020B0604020202020204" pitchFamily="50" charset="-127"/>
+                <a:ea typeface="inherit"/>
+              </a:rPr>
+              <a:t>total</a:t>
+            </a:r>
+            <a:r>
+              <a:rPr lang="ko-KR" altLang="ko-KR" dirty="0">
+                <a:solidFill>
+                  <a:srgbClr val="212121"/>
+                </a:solidFill>
+                <a:latin typeface="Arial Unicode MS" panose="020B0604020202020204" pitchFamily="50" charset="-127"/>
+                <a:ea typeface="inherit"/>
+              </a:rPr>
+              <a:t> of C + 4 </a:t>
+            </a:r>
+            <a:r>
+              <a:rPr lang="ko-KR" altLang="ko-KR" dirty="0" err="1">
+                <a:solidFill>
+                  <a:srgbClr val="212121"/>
+                </a:solidFill>
+                <a:latin typeface="Arial Unicode MS" panose="020B0604020202020204" pitchFamily="50" charset="-127"/>
+                <a:ea typeface="inherit"/>
+              </a:rPr>
+              <a:t>outputs</a:t>
+            </a:r>
+            <a:r>
+              <a:rPr lang="ko-KR" altLang="ko-KR" dirty="0">
+                <a:solidFill>
+                  <a:srgbClr val="212121"/>
+                </a:solidFill>
+                <a:latin typeface="Arial Unicode MS" panose="020B0604020202020204" pitchFamily="50" charset="-127"/>
+                <a:ea typeface="inherit"/>
+              </a:rPr>
+              <a:t> </a:t>
+            </a:r>
+            <a:r>
+              <a:rPr lang="ko-KR" altLang="ko-KR" dirty="0" err="1">
+                <a:solidFill>
+                  <a:srgbClr val="212121"/>
+                </a:solidFill>
+                <a:latin typeface="Arial Unicode MS" panose="020B0604020202020204" pitchFamily="50" charset="-127"/>
+                <a:ea typeface="inherit"/>
+              </a:rPr>
+              <a:t>at</a:t>
+            </a:r>
+            <a:r>
+              <a:rPr lang="ko-KR" altLang="ko-KR" dirty="0">
+                <a:solidFill>
+                  <a:srgbClr val="212121"/>
+                </a:solidFill>
+                <a:latin typeface="Arial Unicode MS" panose="020B0604020202020204" pitchFamily="50" charset="-127"/>
+                <a:ea typeface="inherit"/>
+              </a:rPr>
+              <a:t> </a:t>
+            </a:r>
+            <a:r>
+              <a:rPr lang="ko-KR" altLang="ko-KR" dirty="0" err="1">
+                <a:solidFill>
+                  <a:srgbClr val="212121"/>
+                </a:solidFill>
+                <a:latin typeface="Arial Unicode MS" panose="020B0604020202020204" pitchFamily="50" charset="-127"/>
+                <a:ea typeface="inherit"/>
+              </a:rPr>
+              <a:t>each</a:t>
+            </a:r>
+            <a:r>
+              <a:rPr lang="ko-KR" altLang="ko-KR" dirty="0">
+                <a:solidFill>
+                  <a:srgbClr val="212121"/>
+                </a:solidFill>
+                <a:latin typeface="Arial Unicode MS" panose="020B0604020202020204" pitchFamily="50" charset="-127"/>
+                <a:ea typeface="inherit"/>
+              </a:rPr>
+              <a:t> </a:t>
+            </a:r>
+            <a:r>
+              <a:rPr lang="ko-KR" altLang="ko-KR" dirty="0" err="1">
+                <a:solidFill>
+                  <a:srgbClr val="212121"/>
+                </a:solidFill>
+                <a:latin typeface="Arial Unicode MS" panose="020B0604020202020204" pitchFamily="50" charset="-127"/>
+                <a:ea typeface="inherit"/>
+              </a:rPr>
+              <a:t>location</a:t>
+            </a:r>
+            <a:endParaRPr lang="ko-KR" altLang="en-US" dirty="0"/>
+          </a:p>
+        </p:txBody>
+      </p:sp>
+      <p:pic>
+        <p:nvPicPr>
+          <p:cNvPr id="10" name="그림 9">
+            <a:extLst>
+              <a:ext uri="{FF2B5EF4-FFF2-40B4-BE49-F238E27FC236}">
+                <a16:creationId xmlns:a16="http://schemas.microsoft.com/office/drawing/2014/main" id="{CFFB394E-89B8-4513-848C-61EA30723157}"/>
+              </a:ext>
+            </a:extLst>
+          </p:cNvPr>
+          <p:cNvPicPr>
+            <a:picLocks noChangeAspect="1"/>
+          </p:cNvPicPr>
+          <p:nvPr/>
+        </p:nvPicPr>
+        <p:blipFill>
+          <a:blip r:embed="rId4"/>
+          <a:stretch>
+            <a:fillRect/>
+          </a:stretch>
+        </p:blipFill>
+        <p:spPr>
+          <a:xfrm>
+            <a:off x="838200" y="4894587"/>
+            <a:ext cx="3895725" cy="685800"/>
+          </a:xfrm>
+          <a:prstGeom prst="rect">
+            <a:avLst/>
+          </a:prstGeom>
+        </p:spPr>
+      </p:pic>
+    </p:spTree>
+    <p:extLst>
+      <p:ext uri="{BB962C8B-B14F-4D97-AF65-F5344CB8AC3E}">
+        <p14:creationId xmlns:p14="http://schemas.microsoft.com/office/powerpoint/2010/main" val="4044752124"/>
+      </p:ext>
+    </p:extLst>
+  </p:cSld>
+  <p:clrMapOvr>
+    <a:masterClrMapping/>
+  </p:clrMapOvr>
+</p:sld>
+</file>
+
+<file path=ppt/slides/slide13.xml><?xml version="1.0" encoding="utf-8"?>
+<p:sld xmlns:a="http://schemas.openxmlformats.org/drawingml/2006/main" xmlns:r="http://schemas.openxmlformats.org/officeDocument/2006/relationships" xmlns:p="http://schemas.openxmlformats.org/presentationml/2006/main">
+  <p:cSld>
+    <p:bg>
+      <p:bgPr>
+        <a:solidFill>
+          <a:schemeClr val="bg1"/>
+        </a:solidFill>
+        <a:effectLst/>
+      </p:bgPr>
+    </p:bg>
+    <p:spTree>
+      <p:nvGrpSpPr>
+        <p:cNvPr id="1" name=""/>
+        <p:cNvGrpSpPr/>
+        <p:nvPr/>
+      </p:nvGrpSpPr>
+      <p:grpSpPr>
+        <a:xfrm>
+          <a:off x="0" y="0"/>
+          <a:ext cx="0" cy="0"/>
+          <a:chOff x="0" y="0"/>
+          <a:chExt cx="0" cy="0"/>
+        </a:xfrm>
+      </p:grpSpPr>
+      <p:pic>
+        <p:nvPicPr>
+          <p:cNvPr id="7" name="그림 3" descr="텍스트이(가) 표시된 사진&#10;&#10;자동 생성된 설명">
+            <a:extLst>
+              <a:ext uri="{FF2B5EF4-FFF2-40B4-BE49-F238E27FC236}">
+                <a16:creationId xmlns:a16="http://schemas.microsoft.com/office/drawing/2014/main" id="{869D92C2-3F69-4BB9-8248-19EDBDC5299E}"/>
+              </a:ext>
+            </a:extLst>
+          </p:cNvPr>
+          <p:cNvPicPr>
+            <a:picLocks noGrp="1" noChangeAspect="1"/>
+          </p:cNvPicPr>
+          <p:nvPr>
+            <p:ph idx="1"/>
+          </p:nvPr>
+        </p:nvPicPr>
+        <p:blipFill>
+          <a:blip r:embed="rId2"/>
+          <a:stretch>
+            <a:fillRect/>
+          </a:stretch>
+        </p:blipFill>
+        <p:spPr>
+          <a:xfrm>
+            <a:off x="3589020" y="643466"/>
+            <a:ext cx="5013960" cy="5571067"/>
+          </a:xfrm>
+          <a:prstGeom prst="rect">
+            <a:avLst/>
+          </a:prstGeom>
+        </p:spPr>
+      </p:pic>
+    </p:spTree>
+    <p:extLst>
+      <p:ext uri="{BB962C8B-B14F-4D97-AF65-F5344CB8AC3E}">
+        <p14:creationId xmlns:p14="http://schemas.microsoft.com/office/powerpoint/2010/main" val="4105210422"/>
+      </p:ext>
+    </p:extLst>
+  </p:cSld>
+  <p:clrMapOvr>
+    <a:masterClrMapping/>
+  </p:clrMapOvr>
+</p:sld>
+</file>
+
+<file path=ppt/slides/slide14.xml><?xml version="1.0" encoding="utf-8"?>
+<p:sld xmlns:a="http://schemas.openxmlformats.org/drawingml/2006/main" xmlns:r="http://schemas.openxmlformats.org/officeDocument/2006/relationships" xmlns:p="http://schemas.openxmlformats.org/presentationml/2006/main">
+  <p:cSld>
+    <p:spTree>
+      <p:nvGrpSpPr>
+        <p:cNvPr id="1" name=""/>
+        <p:cNvGrpSpPr/>
+        <p:nvPr/>
+      </p:nvGrpSpPr>
+      <p:grpSpPr>
+        <a:xfrm>
+          <a:off x="0" y="0"/>
+          <a:ext cx="0" cy="0"/>
+          <a:chOff x="0" y="0"/>
+          <a:chExt cx="0" cy="0"/>
+        </a:xfrm>
+      </p:grpSpPr>
+      <p:sp>
+        <p:nvSpPr>
+          <p:cNvPr id="2" name="제목 1">
+            <a:extLst>
+              <a:ext uri="{FF2B5EF4-FFF2-40B4-BE49-F238E27FC236}">
+                <a16:creationId xmlns:a16="http://schemas.microsoft.com/office/drawing/2014/main" id="{08465D00-73E6-49AC-A419-0B41DC120397}"/>
+              </a:ext>
+            </a:extLst>
+          </p:cNvPr>
+          <p:cNvSpPr>
+            <a:spLocks noGrp="1"/>
+          </p:cNvSpPr>
+          <p:nvPr>
+            <p:ph type="title"/>
+          </p:nvPr>
+        </p:nvSpPr>
+        <p:spPr/>
+        <p:txBody>
+          <a:bodyPr/>
+          <a:lstStyle/>
+          <a:p>
+            <a:r>
+              <a:rPr lang="en-US" altLang="ko-KR" dirty="0"/>
+              <a:t>3D detection</a:t>
+            </a:r>
+            <a:endParaRPr lang="ko-KR" altLang="en-US" dirty="0"/>
+          </a:p>
+        </p:txBody>
+      </p:sp>
+      <p:sp>
+        <p:nvSpPr>
+          <p:cNvPr id="3" name="내용 개체 틀 2">
+            <a:extLst>
+              <a:ext uri="{FF2B5EF4-FFF2-40B4-BE49-F238E27FC236}">
+                <a16:creationId xmlns:a16="http://schemas.microsoft.com/office/drawing/2014/main" id="{C4F1C2E5-42C5-4855-8FBD-37D009D47C36}"/>
+              </a:ext>
+            </a:extLst>
+          </p:cNvPr>
+          <p:cNvSpPr>
+            <a:spLocks noGrp="1"/>
+          </p:cNvSpPr>
+          <p:nvPr>
+            <p:ph idx="1"/>
+          </p:nvPr>
+        </p:nvSpPr>
+        <p:spPr/>
+        <p:txBody>
+          <a:bodyPr/>
+          <a:lstStyle/>
+          <a:p>
+            <a:pPr marL="0" indent="0">
+              <a:buNone/>
+            </a:pPr>
+            <a:r>
+              <a:rPr lang="en-US" altLang="ko-KR" dirty="0"/>
+              <a:t>Three additional attributes per center point (depth, 3D size and orientation) are required.</a:t>
+            </a:r>
+            <a:endParaRPr lang="ko-KR" altLang="en-US" dirty="0"/>
+          </a:p>
+        </p:txBody>
+      </p:sp>
+      <p:pic>
+        <p:nvPicPr>
+          <p:cNvPr id="4" name="그림 3">
+            <a:extLst>
+              <a:ext uri="{FF2B5EF4-FFF2-40B4-BE49-F238E27FC236}">
+                <a16:creationId xmlns:a16="http://schemas.microsoft.com/office/drawing/2014/main" id="{C60FA5DB-86A0-4868-9A94-9B2AEEB9CF62}"/>
+              </a:ext>
+            </a:extLst>
+          </p:cNvPr>
+          <p:cNvPicPr>
+            <a:picLocks noChangeAspect="1"/>
+          </p:cNvPicPr>
+          <p:nvPr/>
+        </p:nvPicPr>
+        <p:blipFill>
+          <a:blip r:embed="rId2"/>
+          <a:stretch>
+            <a:fillRect/>
+          </a:stretch>
+        </p:blipFill>
+        <p:spPr>
+          <a:xfrm>
+            <a:off x="838201" y="3938276"/>
+            <a:ext cx="2486025" cy="485775"/>
+          </a:xfrm>
+          <a:prstGeom prst="rect">
+            <a:avLst/>
+          </a:prstGeom>
+        </p:spPr>
+      </p:pic>
+      <p:pic>
+        <p:nvPicPr>
+          <p:cNvPr id="5" name="그림 4">
+            <a:extLst>
+              <a:ext uri="{FF2B5EF4-FFF2-40B4-BE49-F238E27FC236}">
+                <a16:creationId xmlns:a16="http://schemas.microsoft.com/office/drawing/2014/main" id="{0CDA0311-7A74-4AC9-8844-C9D5575FAB35}"/>
+              </a:ext>
+            </a:extLst>
+          </p:cNvPr>
+          <p:cNvPicPr>
+            <a:picLocks noChangeAspect="1"/>
+          </p:cNvPicPr>
+          <p:nvPr/>
+        </p:nvPicPr>
+        <p:blipFill>
+          <a:blip r:embed="rId3"/>
+          <a:stretch>
+            <a:fillRect/>
+          </a:stretch>
+        </p:blipFill>
+        <p:spPr>
+          <a:xfrm>
+            <a:off x="2081213" y="4860205"/>
+            <a:ext cx="2286000" cy="438150"/>
+          </a:xfrm>
+          <a:prstGeom prst="rect">
+            <a:avLst/>
+          </a:prstGeom>
+        </p:spPr>
+      </p:pic>
+      <p:sp>
+        <p:nvSpPr>
+          <p:cNvPr id="6" name="TextBox 5">
+            <a:extLst>
+              <a:ext uri="{FF2B5EF4-FFF2-40B4-BE49-F238E27FC236}">
+                <a16:creationId xmlns:a16="http://schemas.microsoft.com/office/drawing/2014/main" id="{3FC3B5D7-5BCA-40C1-8ABC-E4D1894532D7}"/>
+              </a:ext>
+            </a:extLst>
+          </p:cNvPr>
+          <p:cNvSpPr txBox="1"/>
+          <p:nvPr/>
+        </p:nvSpPr>
+        <p:spPr>
+          <a:xfrm>
+            <a:off x="3513223" y="3996497"/>
+            <a:ext cx="2409634" cy="369332"/>
+          </a:xfrm>
+          <a:prstGeom prst="rect">
+            <a:avLst/>
+          </a:prstGeom>
+          <a:noFill/>
+        </p:spPr>
+        <p:txBody>
+          <a:bodyPr wrap="none" rtlCol="0">
+            <a:spAutoFit/>
+          </a:bodyPr>
+          <a:lstStyle/>
+          <a:p>
+            <a:r>
+              <a:rPr lang="el-GR" altLang="ko-KR" dirty="0"/>
+              <a:t>σ</a:t>
+            </a:r>
+            <a:r>
+              <a:rPr lang="en-US" altLang="ko-KR" dirty="0"/>
+              <a:t> is sigmoid function</a:t>
+            </a:r>
+            <a:endParaRPr lang="ko-KR" altLang="en-US" dirty="0"/>
+          </a:p>
+        </p:txBody>
+      </p:sp>
+      <p:pic>
+        <p:nvPicPr>
+          <p:cNvPr id="7" name="그림 6">
+            <a:extLst>
+              <a:ext uri="{FF2B5EF4-FFF2-40B4-BE49-F238E27FC236}">
+                <a16:creationId xmlns:a16="http://schemas.microsoft.com/office/drawing/2014/main" id="{3824D929-E8E8-444E-AD52-A70888C6E800}"/>
+              </a:ext>
+            </a:extLst>
+          </p:cNvPr>
+          <p:cNvPicPr>
+            <a:picLocks noChangeAspect="1"/>
+          </p:cNvPicPr>
+          <p:nvPr/>
+        </p:nvPicPr>
+        <p:blipFill>
+          <a:blip r:embed="rId4"/>
+          <a:stretch>
+            <a:fillRect/>
+          </a:stretch>
+        </p:blipFill>
+        <p:spPr>
+          <a:xfrm>
+            <a:off x="2081213" y="5738813"/>
+            <a:ext cx="2105025" cy="438150"/>
+          </a:xfrm>
+          <a:prstGeom prst="rect">
+            <a:avLst/>
+          </a:prstGeom>
+        </p:spPr>
+      </p:pic>
+      <p:sp>
+        <p:nvSpPr>
+          <p:cNvPr id="8" name="TextBox 7">
+            <a:extLst>
+              <a:ext uri="{FF2B5EF4-FFF2-40B4-BE49-F238E27FC236}">
+                <a16:creationId xmlns:a16="http://schemas.microsoft.com/office/drawing/2014/main" id="{92DB8AEC-4C61-4DDB-A7FB-C20189AB38CB}"/>
+              </a:ext>
+            </a:extLst>
+          </p:cNvPr>
+          <p:cNvSpPr txBox="1"/>
+          <p:nvPr/>
+        </p:nvSpPr>
+        <p:spPr>
+          <a:xfrm>
+            <a:off x="959468" y="4860205"/>
+            <a:ext cx="854721" cy="369332"/>
+          </a:xfrm>
+          <a:prstGeom prst="rect">
+            <a:avLst/>
+          </a:prstGeom>
+          <a:noFill/>
+        </p:spPr>
+        <p:txBody>
+          <a:bodyPr wrap="none" rtlCol="0">
+            <a:spAutoFit/>
+          </a:bodyPr>
+          <a:lstStyle/>
+          <a:p>
+            <a:r>
+              <a:rPr lang="en-US" altLang="ko-KR" b="1" dirty="0"/>
+              <a:t>Depth</a:t>
+            </a:r>
+            <a:endParaRPr lang="ko-KR" altLang="en-US" b="1" dirty="0"/>
+          </a:p>
+        </p:txBody>
+      </p:sp>
+      <p:sp>
+        <p:nvSpPr>
+          <p:cNvPr id="10" name="TextBox 9">
+            <a:extLst>
+              <a:ext uri="{FF2B5EF4-FFF2-40B4-BE49-F238E27FC236}">
+                <a16:creationId xmlns:a16="http://schemas.microsoft.com/office/drawing/2014/main" id="{37D457D7-7C5C-45E3-A801-B83E149B42C7}"/>
+              </a:ext>
+            </a:extLst>
+          </p:cNvPr>
+          <p:cNvSpPr txBox="1"/>
+          <p:nvPr/>
+        </p:nvSpPr>
+        <p:spPr>
+          <a:xfrm>
+            <a:off x="838200" y="5773222"/>
+            <a:ext cx="1066800" cy="369332"/>
+          </a:xfrm>
+          <a:prstGeom prst="rect">
+            <a:avLst/>
+          </a:prstGeom>
+          <a:noFill/>
+        </p:spPr>
+        <p:txBody>
+          <a:bodyPr wrap="square" rtlCol="0">
+            <a:spAutoFit/>
+          </a:bodyPr>
+          <a:lstStyle/>
+          <a:p>
+            <a:r>
+              <a:rPr lang="en-US" altLang="ko-KR" b="1" dirty="0"/>
+              <a:t>3D size</a:t>
+            </a:r>
+            <a:endParaRPr lang="ko-KR" altLang="en-US" b="1" dirty="0"/>
+          </a:p>
+        </p:txBody>
+      </p:sp>
+      <p:sp>
+        <p:nvSpPr>
+          <p:cNvPr id="11" name="TextBox 10">
+            <a:extLst>
+              <a:ext uri="{FF2B5EF4-FFF2-40B4-BE49-F238E27FC236}">
+                <a16:creationId xmlns:a16="http://schemas.microsoft.com/office/drawing/2014/main" id="{85FD0387-95DD-4151-BD51-5D5F08296DA2}"/>
+              </a:ext>
+            </a:extLst>
+          </p:cNvPr>
+          <p:cNvSpPr txBox="1"/>
+          <p:nvPr/>
+        </p:nvSpPr>
+        <p:spPr>
+          <a:xfrm>
+            <a:off x="4362451" y="5773222"/>
+            <a:ext cx="1048685" cy="369332"/>
+          </a:xfrm>
+          <a:prstGeom prst="rect">
+            <a:avLst/>
+          </a:prstGeom>
+          <a:noFill/>
+        </p:spPr>
+        <p:txBody>
+          <a:bodyPr wrap="none" rtlCol="0">
+            <a:spAutoFit/>
+          </a:bodyPr>
+          <a:lstStyle/>
+          <a:p>
+            <a:r>
+              <a:rPr lang="en-US" altLang="ko-KR" dirty="0"/>
+              <a:t>, L1 loss</a:t>
+            </a:r>
+            <a:endParaRPr lang="ko-KR" altLang="en-US" dirty="0"/>
+          </a:p>
+        </p:txBody>
+      </p:sp>
+      <p:sp>
+        <p:nvSpPr>
+          <p:cNvPr id="12" name="TextBox 11">
+            <a:extLst>
+              <a:ext uri="{FF2B5EF4-FFF2-40B4-BE49-F238E27FC236}">
+                <a16:creationId xmlns:a16="http://schemas.microsoft.com/office/drawing/2014/main" id="{8DC090F1-66CF-4ABB-A251-BC7D967ED3DD}"/>
+              </a:ext>
+            </a:extLst>
+          </p:cNvPr>
+          <p:cNvSpPr txBox="1"/>
+          <p:nvPr/>
+        </p:nvSpPr>
+        <p:spPr>
+          <a:xfrm>
+            <a:off x="7984706" y="2822198"/>
+            <a:ext cx="1423738" cy="369332"/>
+          </a:xfrm>
+          <a:prstGeom prst="rect">
+            <a:avLst/>
+          </a:prstGeom>
+          <a:noFill/>
+        </p:spPr>
+        <p:txBody>
+          <a:bodyPr wrap="square" rtlCol="0">
+            <a:spAutoFit/>
+          </a:bodyPr>
+          <a:lstStyle/>
+          <a:p>
+            <a:r>
+              <a:rPr lang="en-US" altLang="ko-KR" b="1" dirty="0"/>
+              <a:t>orientation</a:t>
+            </a:r>
+            <a:endParaRPr lang="ko-KR" altLang="en-US" b="1" dirty="0"/>
+          </a:p>
+        </p:txBody>
+      </p:sp>
+      <p:sp>
+        <p:nvSpPr>
+          <p:cNvPr id="14" name="TextBox 13">
+            <a:extLst>
+              <a:ext uri="{FF2B5EF4-FFF2-40B4-BE49-F238E27FC236}">
+                <a16:creationId xmlns:a16="http://schemas.microsoft.com/office/drawing/2014/main" id="{EA4C0F96-31FB-4D2D-819F-A65E3D389029}"/>
+              </a:ext>
+            </a:extLst>
+          </p:cNvPr>
+          <p:cNvSpPr txBox="1"/>
+          <p:nvPr/>
+        </p:nvSpPr>
+        <p:spPr>
+          <a:xfrm>
+            <a:off x="6673765" y="3322776"/>
+            <a:ext cx="4604084" cy="3170099"/>
+          </a:xfrm>
+          <a:prstGeom prst="rect">
+            <a:avLst/>
+          </a:prstGeom>
+          <a:noFill/>
+        </p:spPr>
+        <p:txBody>
+          <a:bodyPr wrap="square" rtlCol="0">
+            <a:spAutoFit/>
+          </a:bodyPr>
+          <a:lstStyle/>
+          <a:p>
+            <a:r>
+              <a:rPr lang="ko-KR" altLang="ko-KR" sz="2000" dirty="0">
+                <a:solidFill>
+                  <a:srgbClr val="212121"/>
+                </a:solidFill>
+                <a:latin typeface="Arial Unicode MS" panose="020B0604020202020204" pitchFamily="50" charset="-127"/>
+                <a:ea typeface="inherit"/>
+              </a:rPr>
+              <a:t>The </a:t>
+            </a:r>
+            <a:r>
+              <a:rPr lang="ko-KR" altLang="ko-KR" sz="2000" dirty="0" err="1">
+                <a:solidFill>
+                  <a:srgbClr val="212121"/>
+                </a:solidFill>
+                <a:latin typeface="Arial Unicode MS" panose="020B0604020202020204" pitchFamily="50" charset="-127"/>
+                <a:ea typeface="inherit"/>
+              </a:rPr>
+              <a:t>direction</a:t>
+            </a:r>
+            <a:r>
+              <a:rPr lang="ko-KR" altLang="ko-KR" sz="2000" dirty="0">
+                <a:solidFill>
+                  <a:srgbClr val="212121"/>
+                </a:solidFill>
+                <a:latin typeface="Arial Unicode MS" panose="020B0604020202020204" pitchFamily="50" charset="-127"/>
+                <a:ea typeface="inherit"/>
+              </a:rPr>
+              <a:t> </a:t>
+            </a:r>
+            <a:r>
+              <a:rPr lang="ko-KR" altLang="ko-KR" sz="2000" dirty="0" err="1">
+                <a:solidFill>
+                  <a:srgbClr val="212121"/>
+                </a:solidFill>
+                <a:latin typeface="Arial Unicode MS" panose="020B0604020202020204" pitchFamily="50" charset="-127"/>
+                <a:ea typeface="inherit"/>
+              </a:rPr>
+              <a:t>is</a:t>
+            </a:r>
+            <a:r>
+              <a:rPr lang="ko-KR" altLang="ko-KR" sz="2000" dirty="0">
+                <a:solidFill>
+                  <a:srgbClr val="212121"/>
+                </a:solidFill>
+                <a:latin typeface="Arial Unicode MS" panose="020B0604020202020204" pitchFamily="50" charset="-127"/>
+                <a:ea typeface="inherit"/>
+              </a:rPr>
+              <a:t> </a:t>
+            </a:r>
+            <a:r>
+              <a:rPr lang="ko-KR" altLang="ko-KR" sz="2000" dirty="0" err="1">
+                <a:solidFill>
+                  <a:srgbClr val="212121"/>
+                </a:solidFill>
+                <a:latin typeface="Arial Unicode MS" panose="020B0604020202020204" pitchFamily="50" charset="-127"/>
+                <a:ea typeface="inherit"/>
+              </a:rPr>
+              <a:t>basically</a:t>
+            </a:r>
+            <a:r>
+              <a:rPr lang="ko-KR" altLang="ko-KR" sz="2000" dirty="0">
+                <a:solidFill>
+                  <a:srgbClr val="212121"/>
+                </a:solidFill>
+                <a:latin typeface="Arial Unicode MS" panose="020B0604020202020204" pitchFamily="50" charset="-127"/>
+                <a:ea typeface="inherit"/>
+              </a:rPr>
+              <a:t> </a:t>
+            </a:r>
+            <a:r>
+              <a:rPr lang="ko-KR" altLang="ko-KR" sz="2000" dirty="0" err="1">
+                <a:solidFill>
+                  <a:srgbClr val="212121"/>
+                </a:solidFill>
+                <a:latin typeface="Arial Unicode MS" panose="020B0604020202020204" pitchFamily="50" charset="-127"/>
+                <a:ea typeface="inherit"/>
+              </a:rPr>
+              <a:t>a</a:t>
+            </a:r>
+            <a:r>
+              <a:rPr lang="ko-KR" altLang="ko-KR" sz="2000" dirty="0">
+                <a:solidFill>
+                  <a:srgbClr val="212121"/>
+                </a:solidFill>
+                <a:latin typeface="Arial Unicode MS" panose="020B0604020202020204" pitchFamily="50" charset="-127"/>
+                <a:ea typeface="inherit"/>
+              </a:rPr>
+              <a:t> </a:t>
+            </a:r>
+            <a:r>
+              <a:rPr lang="ko-KR" altLang="ko-KR" sz="2000" dirty="0" err="1">
+                <a:solidFill>
+                  <a:srgbClr val="212121"/>
+                </a:solidFill>
+                <a:latin typeface="Arial Unicode MS" panose="020B0604020202020204" pitchFamily="50" charset="-127"/>
+                <a:ea typeface="inherit"/>
+              </a:rPr>
+              <a:t>single</a:t>
+            </a:r>
+            <a:r>
+              <a:rPr lang="ko-KR" altLang="ko-KR" sz="2000" dirty="0">
+                <a:solidFill>
+                  <a:srgbClr val="212121"/>
+                </a:solidFill>
+                <a:latin typeface="Arial Unicode MS" panose="020B0604020202020204" pitchFamily="50" charset="-127"/>
+                <a:ea typeface="inherit"/>
+              </a:rPr>
+              <a:t> </a:t>
+            </a:r>
+            <a:r>
+              <a:rPr lang="ko-KR" altLang="ko-KR" sz="2000" dirty="0" err="1">
+                <a:solidFill>
+                  <a:srgbClr val="212121"/>
+                </a:solidFill>
+                <a:latin typeface="Arial Unicode MS" panose="020B0604020202020204" pitchFamily="50" charset="-127"/>
+                <a:ea typeface="inherit"/>
+              </a:rPr>
+              <a:t>scalar</a:t>
+            </a:r>
+            <a:r>
+              <a:rPr lang="ko-KR" altLang="ko-KR" sz="2000" dirty="0">
+                <a:solidFill>
+                  <a:srgbClr val="212121"/>
+                </a:solidFill>
+                <a:latin typeface="Arial Unicode MS" panose="020B0604020202020204" pitchFamily="50" charset="-127"/>
+                <a:ea typeface="inherit"/>
+              </a:rPr>
+              <a:t>, </a:t>
+            </a:r>
+            <a:r>
+              <a:rPr lang="ko-KR" altLang="ko-KR" sz="2000" dirty="0" err="1">
+                <a:solidFill>
+                  <a:srgbClr val="212121"/>
+                </a:solidFill>
+                <a:latin typeface="Arial Unicode MS" panose="020B0604020202020204" pitchFamily="50" charset="-127"/>
+                <a:ea typeface="inherit"/>
+              </a:rPr>
+              <a:t>but</a:t>
+            </a:r>
+            <a:r>
+              <a:rPr lang="ko-KR" altLang="ko-KR" sz="2000" dirty="0">
+                <a:solidFill>
+                  <a:srgbClr val="212121"/>
+                </a:solidFill>
+                <a:latin typeface="Arial Unicode MS" panose="020B0604020202020204" pitchFamily="50" charset="-127"/>
+                <a:ea typeface="inherit"/>
+              </a:rPr>
+              <a:t> </a:t>
+            </a:r>
+            <a:r>
+              <a:rPr lang="ko-KR" altLang="ko-KR" sz="2000" dirty="0" err="1">
+                <a:solidFill>
+                  <a:srgbClr val="212121"/>
+                </a:solidFill>
+                <a:latin typeface="Arial Unicode MS" panose="020B0604020202020204" pitchFamily="50" charset="-127"/>
+                <a:ea typeface="inherit"/>
+              </a:rPr>
+              <a:t>it</a:t>
+            </a:r>
+            <a:r>
+              <a:rPr lang="ko-KR" altLang="ko-KR" sz="2000" dirty="0">
+                <a:solidFill>
+                  <a:srgbClr val="212121"/>
+                </a:solidFill>
+                <a:latin typeface="Arial Unicode MS" panose="020B0604020202020204" pitchFamily="50" charset="-127"/>
+                <a:ea typeface="inherit"/>
+              </a:rPr>
+              <a:t> </a:t>
+            </a:r>
+            <a:r>
+              <a:rPr lang="ko-KR" altLang="ko-KR" sz="2000" dirty="0" err="1">
+                <a:solidFill>
+                  <a:srgbClr val="212121"/>
+                </a:solidFill>
+                <a:latin typeface="Arial Unicode MS" panose="020B0604020202020204" pitchFamily="50" charset="-127"/>
+                <a:ea typeface="inherit"/>
+              </a:rPr>
+              <a:t>is</a:t>
+            </a:r>
+            <a:r>
+              <a:rPr lang="ko-KR" altLang="ko-KR" sz="2000" dirty="0">
+                <a:solidFill>
+                  <a:srgbClr val="212121"/>
+                </a:solidFill>
+                <a:latin typeface="Arial Unicode MS" panose="020B0604020202020204" pitchFamily="50" charset="-127"/>
+                <a:ea typeface="inherit"/>
+              </a:rPr>
+              <a:t> </a:t>
+            </a:r>
+            <a:r>
+              <a:rPr lang="ko-KR" altLang="ko-KR" sz="2000" dirty="0" err="1">
+                <a:solidFill>
+                  <a:srgbClr val="212121"/>
+                </a:solidFill>
+                <a:latin typeface="Arial Unicode MS" panose="020B0604020202020204" pitchFamily="50" charset="-127"/>
+                <a:ea typeface="inherit"/>
+              </a:rPr>
+              <a:t>difficult</a:t>
+            </a:r>
+            <a:r>
+              <a:rPr lang="ko-KR" altLang="ko-KR" sz="2000" dirty="0">
+                <a:solidFill>
+                  <a:srgbClr val="212121"/>
+                </a:solidFill>
+                <a:latin typeface="Arial Unicode MS" panose="020B0604020202020204" pitchFamily="50" charset="-127"/>
+                <a:ea typeface="inherit"/>
+              </a:rPr>
+              <a:t> </a:t>
+            </a:r>
+            <a:r>
+              <a:rPr lang="ko-KR" altLang="ko-KR" sz="2000" dirty="0" err="1">
+                <a:solidFill>
+                  <a:srgbClr val="212121"/>
+                </a:solidFill>
+                <a:latin typeface="Arial Unicode MS" panose="020B0604020202020204" pitchFamily="50" charset="-127"/>
+                <a:ea typeface="inherit"/>
+              </a:rPr>
+              <a:t>to</a:t>
+            </a:r>
+            <a:r>
+              <a:rPr lang="ko-KR" altLang="ko-KR" sz="2000" dirty="0">
+                <a:solidFill>
+                  <a:srgbClr val="212121"/>
+                </a:solidFill>
+                <a:latin typeface="Arial Unicode MS" panose="020B0604020202020204" pitchFamily="50" charset="-127"/>
+                <a:ea typeface="inherit"/>
+              </a:rPr>
+              <a:t> </a:t>
+            </a:r>
+            <a:r>
+              <a:rPr lang="ko-KR" altLang="ko-KR" sz="2000" dirty="0" err="1">
+                <a:solidFill>
+                  <a:srgbClr val="212121"/>
+                </a:solidFill>
+                <a:latin typeface="Arial Unicode MS" panose="020B0604020202020204" pitchFamily="50" charset="-127"/>
+                <a:ea typeface="inherit"/>
+              </a:rPr>
+              <a:t>regress</a:t>
+            </a:r>
+            <a:r>
+              <a:rPr lang="en-US" altLang="ko-KR" sz="2000" dirty="0">
+                <a:solidFill>
+                  <a:srgbClr val="212121"/>
+                </a:solidFill>
+                <a:latin typeface="Arial Unicode MS" panose="020B0604020202020204" pitchFamily="50" charset="-127"/>
+                <a:ea typeface="inherit"/>
+              </a:rPr>
+              <a:t>.</a:t>
+            </a:r>
+          </a:p>
+          <a:p>
+            <a:endParaRPr lang="en-US" altLang="ko-KR" sz="2000" dirty="0">
+              <a:solidFill>
+                <a:srgbClr val="212121"/>
+              </a:solidFill>
+              <a:latin typeface="Arial Unicode MS" panose="020B0604020202020204" pitchFamily="50" charset="-127"/>
+            </a:endParaRPr>
+          </a:p>
+          <a:p>
+            <a:r>
+              <a:rPr lang="ko-KR" altLang="ko-KR" sz="2000" dirty="0" err="1">
+                <a:solidFill>
+                  <a:srgbClr val="212121"/>
+                </a:solidFill>
+                <a:latin typeface="Arial Unicode MS" panose="020B0604020202020204" pitchFamily="50" charset="-127"/>
+                <a:ea typeface="inherit"/>
+              </a:rPr>
+              <a:t>Two</a:t>
+            </a:r>
+            <a:r>
+              <a:rPr lang="ko-KR" altLang="ko-KR" sz="2000" dirty="0">
+                <a:solidFill>
+                  <a:srgbClr val="212121"/>
+                </a:solidFill>
+                <a:latin typeface="Arial Unicode MS" panose="020B0604020202020204" pitchFamily="50" charset="-127"/>
+                <a:ea typeface="inherit"/>
+              </a:rPr>
+              <a:t> </a:t>
+            </a:r>
+            <a:r>
+              <a:rPr lang="ko-KR" altLang="ko-KR" sz="2000" dirty="0" err="1">
+                <a:solidFill>
+                  <a:srgbClr val="212121"/>
+                </a:solidFill>
+                <a:latin typeface="Arial Unicode MS" panose="020B0604020202020204" pitchFamily="50" charset="-127"/>
+                <a:ea typeface="inherit"/>
+              </a:rPr>
+              <a:t>bin</a:t>
+            </a:r>
+            <a:r>
+              <a:rPr lang="ko-KR" altLang="ko-KR" sz="2000" dirty="0">
+                <a:solidFill>
+                  <a:srgbClr val="212121"/>
+                </a:solidFill>
+                <a:latin typeface="Arial Unicode MS" panose="020B0604020202020204" pitchFamily="50" charset="-127"/>
+                <a:ea typeface="inherit"/>
+              </a:rPr>
+              <a:t> </a:t>
+            </a:r>
+            <a:r>
+              <a:rPr lang="ko-KR" altLang="ko-KR" sz="2000" dirty="0" err="1">
+                <a:solidFill>
+                  <a:srgbClr val="212121"/>
+                </a:solidFill>
+                <a:latin typeface="Arial Unicode MS" panose="020B0604020202020204" pitchFamily="50" charset="-127"/>
+                <a:ea typeface="inherit"/>
+              </a:rPr>
+              <a:t>represent</a:t>
+            </a:r>
+            <a:r>
+              <a:rPr lang="ko-KR" altLang="ko-KR" sz="2000" dirty="0">
+                <a:solidFill>
+                  <a:srgbClr val="212121"/>
+                </a:solidFill>
+                <a:latin typeface="Arial Unicode MS" panose="020B0604020202020204" pitchFamily="50" charset="-127"/>
+                <a:ea typeface="inherit"/>
+              </a:rPr>
+              <a:t> </a:t>
+            </a:r>
+            <a:r>
+              <a:rPr lang="ko-KR" altLang="ko-KR" sz="2000" dirty="0" err="1">
+                <a:solidFill>
+                  <a:srgbClr val="212121"/>
+                </a:solidFill>
+                <a:latin typeface="Arial Unicode MS" panose="020B0604020202020204" pitchFamily="50" charset="-127"/>
+                <a:ea typeface="inherit"/>
+              </a:rPr>
+              <a:t>directions</a:t>
+            </a:r>
+            <a:r>
+              <a:rPr lang="ko-KR" altLang="ko-KR" sz="2000" dirty="0">
+                <a:solidFill>
+                  <a:srgbClr val="212121"/>
+                </a:solidFill>
+                <a:latin typeface="Arial Unicode MS" panose="020B0604020202020204" pitchFamily="50" charset="-127"/>
+                <a:ea typeface="inherit"/>
+              </a:rPr>
+              <a:t>. </a:t>
+            </a:r>
+            <a:r>
+              <a:rPr lang="ko-KR" altLang="ko-KR" sz="2000" dirty="0" err="1">
+                <a:solidFill>
+                  <a:srgbClr val="212121"/>
+                </a:solidFill>
+                <a:latin typeface="Arial Unicode MS" panose="020B0604020202020204" pitchFamily="50" charset="-127"/>
+                <a:ea typeface="inherit"/>
+              </a:rPr>
+              <a:t>Specifically</a:t>
+            </a:r>
+            <a:r>
+              <a:rPr lang="ko-KR" altLang="ko-KR" sz="2000" dirty="0">
+                <a:solidFill>
+                  <a:srgbClr val="212121"/>
+                </a:solidFill>
+                <a:latin typeface="Arial Unicode MS" panose="020B0604020202020204" pitchFamily="50" charset="-127"/>
+                <a:ea typeface="inherit"/>
+              </a:rPr>
+              <a:t>, </a:t>
+            </a:r>
+            <a:r>
+              <a:rPr lang="ko-KR" altLang="ko-KR" sz="2000" dirty="0" err="1">
+                <a:solidFill>
+                  <a:srgbClr val="212121"/>
+                </a:solidFill>
+                <a:latin typeface="Arial Unicode MS" panose="020B0604020202020204" pitchFamily="50" charset="-127"/>
+                <a:ea typeface="inherit"/>
+              </a:rPr>
+              <a:t>the</a:t>
+            </a:r>
+            <a:r>
+              <a:rPr lang="ko-KR" altLang="ko-KR" sz="2000" dirty="0">
+                <a:solidFill>
+                  <a:srgbClr val="212121"/>
+                </a:solidFill>
+                <a:latin typeface="Arial Unicode MS" panose="020B0604020202020204" pitchFamily="50" charset="-127"/>
+                <a:ea typeface="inherit"/>
+              </a:rPr>
+              <a:t> </a:t>
+            </a:r>
+            <a:r>
+              <a:rPr lang="ko-KR" altLang="ko-KR" sz="2000" dirty="0" err="1">
+                <a:solidFill>
+                  <a:srgbClr val="212121"/>
+                </a:solidFill>
+                <a:latin typeface="Arial Unicode MS" panose="020B0604020202020204" pitchFamily="50" charset="-127"/>
+                <a:ea typeface="inherit"/>
+              </a:rPr>
+              <a:t>direction</a:t>
+            </a:r>
+            <a:r>
+              <a:rPr lang="ko-KR" altLang="ko-KR" sz="2000" dirty="0">
+                <a:solidFill>
+                  <a:srgbClr val="212121"/>
+                </a:solidFill>
+                <a:latin typeface="Arial Unicode MS" panose="020B0604020202020204" pitchFamily="50" charset="-127"/>
+                <a:ea typeface="inherit"/>
+              </a:rPr>
+              <a:t> </a:t>
+            </a:r>
+            <a:r>
+              <a:rPr lang="ko-KR" altLang="ko-KR" sz="2000" dirty="0" err="1">
+                <a:solidFill>
+                  <a:srgbClr val="212121"/>
+                </a:solidFill>
+                <a:latin typeface="Arial Unicode MS" panose="020B0604020202020204" pitchFamily="50" charset="-127"/>
+                <a:ea typeface="inherit"/>
+              </a:rPr>
+              <a:t>is</a:t>
+            </a:r>
+            <a:r>
+              <a:rPr lang="ko-KR" altLang="ko-KR" sz="2000" dirty="0">
+                <a:solidFill>
+                  <a:srgbClr val="212121"/>
+                </a:solidFill>
+                <a:latin typeface="Arial Unicode MS" panose="020B0604020202020204" pitchFamily="50" charset="-127"/>
+                <a:ea typeface="inherit"/>
+              </a:rPr>
+              <a:t> </a:t>
+            </a:r>
+            <a:r>
+              <a:rPr lang="ko-KR" altLang="ko-KR" sz="2000" dirty="0" err="1">
+                <a:solidFill>
+                  <a:srgbClr val="212121"/>
+                </a:solidFill>
+                <a:latin typeface="Arial Unicode MS" panose="020B0604020202020204" pitchFamily="50" charset="-127"/>
+                <a:ea typeface="inherit"/>
+              </a:rPr>
+              <a:t>encoded</a:t>
+            </a:r>
+            <a:r>
+              <a:rPr lang="ko-KR" altLang="ko-KR" sz="2000" dirty="0">
+                <a:solidFill>
+                  <a:srgbClr val="212121"/>
+                </a:solidFill>
+                <a:latin typeface="Arial Unicode MS" panose="020B0604020202020204" pitchFamily="50" charset="-127"/>
+                <a:ea typeface="inherit"/>
+              </a:rPr>
+              <a:t> </a:t>
+            </a:r>
+            <a:r>
+              <a:rPr lang="ko-KR" altLang="ko-KR" sz="2000" dirty="0" err="1">
+                <a:solidFill>
+                  <a:srgbClr val="212121"/>
+                </a:solidFill>
+                <a:latin typeface="Arial Unicode MS" panose="020B0604020202020204" pitchFamily="50" charset="-127"/>
+                <a:ea typeface="inherit"/>
+              </a:rPr>
+              <a:t>using</a:t>
+            </a:r>
+            <a:r>
+              <a:rPr lang="ko-KR" altLang="ko-KR" sz="2000" dirty="0">
+                <a:solidFill>
+                  <a:srgbClr val="212121"/>
+                </a:solidFill>
+                <a:latin typeface="Arial Unicode MS" panose="020B0604020202020204" pitchFamily="50" charset="-127"/>
+                <a:ea typeface="inherit"/>
+              </a:rPr>
+              <a:t> 8 </a:t>
+            </a:r>
+            <a:r>
+              <a:rPr lang="ko-KR" altLang="ko-KR" sz="2000" dirty="0" err="1">
+                <a:solidFill>
+                  <a:srgbClr val="212121"/>
+                </a:solidFill>
+                <a:latin typeface="Arial Unicode MS" panose="020B0604020202020204" pitchFamily="50" charset="-127"/>
+                <a:ea typeface="inherit"/>
+              </a:rPr>
+              <a:t>scalar</a:t>
+            </a:r>
+            <a:r>
+              <a:rPr lang="ko-KR" altLang="ko-KR" sz="2000" dirty="0">
+                <a:solidFill>
+                  <a:srgbClr val="212121"/>
+                </a:solidFill>
+                <a:latin typeface="Arial Unicode MS" panose="020B0604020202020204" pitchFamily="50" charset="-127"/>
+                <a:ea typeface="inherit"/>
+              </a:rPr>
+              <a:t> and 4 </a:t>
+            </a:r>
+            <a:r>
+              <a:rPr lang="ko-KR" altLang="ko-KR" sz="2000" dirty="0" err="1">
+                <a:solidFill>
+                  <a:srgbClr val="212121"/>
+                </a:solidFill>
+                <a:latin typeface="Arial Unicode MS" panose="020B0604020202020204" pitchFamily="50" charset="-127"/>
+                <a:ea typeface="inherit"/>
+              </a:rPr>
+              <a:t>scalar</a:t>
+            </a:r>
+            <a:r>
+              <a:rPr lang="ko-KR" altLang="ko-KR" sz="2000" dirty="0">
+                <a:solidFill>
+                  <a:srgbClr val="212121"/>
+                </a:solidFill>
+                <a:latin typeface="Arial Unicode MS" panose="020B0604020202020204" pitchFamily="50" charset="-127"/>
+                <a:ea typeface="inherit"/>
+              </a:rPr>
+              <a:t>. </a:t>
+            </a:r>
+            <a:r>
+              <a:rPr lang="ko-KR" altLang="ko-KR" sz="2000" dirty="0" err="1">
+                <a:solidFill>
+                  <a:srgbClr val="212121"/>
+                </a:solidFill>
+                <a:latin typeface="Arial Unicode MS" panose="020B0604020202020204" pitchFamily="50" charset="-127"/>
+                <a:ea typeface="inherit"/>
+              </a:rPr>
+              <a:t>For</a:t>
+            </a:r>
+            <a:r>
+              <a:rPr lang="ko-KR" altLang="ko-KR" sz="2000" dirty="0">
+                <a:solidFill>
+                  <a:srgbClr val="212121"/>
+                </a:solidFill>
+                <a:latin typeface="Arial Unicode MS" panose="020B0604020202020204" pitchFamily="50" charset="-127"/>
+                <a:ea typeface="inherit"/>
+              </a:rPr>
+              <a:t> </a:t>
+            </a:r>
+            <a:r>
+              <a:rPr lang="ko-KR" altLang="ko-KR" sz="2000" dirty="0" err="1">
+                <a:solidFill>
+                  <a:srgbClr val="212121"/>
+                </a:solidFill>
+                <a:latin typeface="Arial Unicode MS" panose="020B0604020202020204" pitchFamily="50" charset="-127"/>
+                <a:ea typeface="inherit"/>
+              </a:rPr>
+              <a:t>one</a:t>
+            </a:r>
+            <a:r>
+              <a:rPr lang="ko-KR" altLang="ko-KR" sz="2000" dirty="0">
+                <a:solidFill>
+                  <a:srgbClr val="212121"/>
+                </a:solidFill>
+                <a:latin typeface="Arial Unicode MS" panose="020B0604020202020204" pitchFamily="50" charset="-127"/>
+                <a:ea typeface="inherit"/>
+              </a:rPr>
+              <a:t> </a:t>
+            </a:r>
+            <a:r>
+              <a:rPr lang="ko-KR" altLang="ko-KR" sz="2000" dirty="0" err="1">
+                <a:solidFill>
+                  <a:srgbClr val="212121"/>
+                </a:solidFill>
+                <a:latin typeface="Arial Unicode MS" panose="020B0604020202020204" pitchFamily="50" charset="-127"/>
+                <a:ea typeface="inherit"/>
+              </a:rPr>
+              <a:t>bin</a:t>
+            </a:r>
+            <a:r>
+              <a:rPr lang="ko-KR" altLang="ko-KR" sz="2000" dirty="0">
+                <a:solidFill>
+                  <a:srgbClr val="212121"/>
+                </a:solidFill>
+                <a:latin typeface="Arial Unicode MS" panose="020B0604020202020204" pitchFamily="50" charset="-127"/>
+                <a:ea typeface="inherit"/>
+              </a:rPr>
+              <a:t>, </a:t>
+            </a:r>
+            <a:r>
+              <a:rPr lang="ko-KR" altLang="ko-KR" sz="2000" dirty="0" err="1">
+                <a:solidFill>
+                  <a:srgbClr val="212121"/>
+                </a:solidFill>
+                <a:latin typeface="Arial Unicode MS" panose="020B0604020202020204" pitchFamily="50" charset="-127"/>
+                <a:ea typeface="inherit"/>
+              </a:rPr>
+              <a:t>two</a:t>
+            </a:r>
+            <a:r>
+              <a:rPr lang="ko-KR" altLang="ko-KR" sz="2000" dirty="0">
+                <a:solidFill>
+                  <a:srgbClr val="212121"/>
+                </a:solidFill>
+                <a:latin typeface="Arial Unicode MS" panose="020B0604020202020204" pitchFamily="50" charset="-127"/>
+                <a:ea typeface="inherit"/>
+              </a:rPr>
+              <a:t> </a:t>
+            </a:r>
+            <a:r>
+              <a:rPr lang="ko-KR" altLang="ko-KR" sz="2000" dirty="0" err="1">
+                <a:solidFill>
+                  <a:srgbClr val="212121"/>
+                </a:solidFill>
+                <a:latin typeface="Arial Unicode MS" panose="020B0604020202020204" pitchFamily="50" charset="-127"/>
+                <a:ea typeface="inherit"/>
+              </a:rPr>
+              <a:t>scalars</a:t>
+            </a:r>
+            <a:r>
+              <a:rPr lang="ko-KR" altLang="ko-KR" sz="2000" dirty="0">
+                <a:solidFill>
+                  <a:srgbClr val="212121"/>
+                </a:solidFill>
+                <a:latin typeface="Arial Unicode MS" panose="020B0604020202020204" pitchFamily="50" charset="-127"/>
+                <a:ea typeface="inherit"/>
+              </a:rPr>
+              <a:t> </a:t>
+            </a:r>
+            <a:r>
+              <a:rPr lang="ko-KR" altLang="ko-KR" sz="2000" dirty="0" err="1">
+                <a:solidFill>
+                  <a:srgbClr val="212121"/>
+                </a:solidFill>
+                <a:latin typeface="Arial Unicode MS" panose="020B0604020202020204" pitchFamily="50" charset="-127"/>
+                <a:ea typeface="inherit"/>
+              </a:rPr>
+              <a:t>are</a:t>
+            </a:r>
+            <a:r>
+              <a:rPr lang="ko-KR" altLang="ko-KR" sz="2000" dirty="0">
+                <a:solidFill>
+                  <a:srgbClr val="212121"/>
+                </a:solidFill>
+                <a:latin typeface="Arial Unicode MS" panose="020B0604020202020204" pitchFamily="50" charset="-127"/>
+                <a:ea typeface="inherit"/>
+              </a:rPr>
+              <a:t> </a:t>
+            </a:r>
+            <a:r>
+              <a:rPr lang="ko-KR" altLang="ko-KR" sz="2000" dirty="0" err="1">
+                <a:solidFill>
+                  <a:srgbClr val="212121"/>
+                </a:solidFill>
+                <a:latin typeface="Arial Unicode MS" panose="020B0604020202020204" pitchFamily="50" charset="-127"/>
+                <a:ea typeface="inherit"/>
+              </a:rPr>
+              <a:t>used</a:t>
+            </a:r>
+            <a:r>
+              <a:rPr lang="ko-KR" altLang="ko-KR" sz="2000" dirty="0">
+                <a:solidFill>
+                  <a:srgbClr val="212121"/>
+                </a:solidFill>
+                <a:latin typeface="Arial Unicode MS" panose="020B0604020202020204" pitchFamily="50" charset="-127"/>
+                <a:ea typeface="inherit"/>
+              </a:rPr>
+              <a:t> </a:t>
+            </a:r>
+            <a:r>
+              <a:rPr lang="ko-KR" altLang="ko-KR" sz="2000" dirty="0" err="1">
+                <a:solidFill>
+                  <a:srgbClr val="212121"/>
+                </a:solidFill>
+                <a:latin typeface="Arial Unicode MS" panose="020B0604020202020204" pitchFamily="50" charset="-127"/>
+                <a:ea typeface="inherit"/>
+              </a:rPr>
+              <a:t>for</a:t>
+            </a:r>
+            <a:r>
+              <a:rPr lang="ko-KR" altLang="ko-KR" sz="2000" dirty="0">
+                <a:solidFill>
+                  <a:srgbClr val="212121"/>
+                </a:solidFill>
+                <a:latin typeface="Arial Unicode MS" panose="020B0604020202020204" pitchFamily="50" charset="-127"/>
+                <a:ea typeface="inherit"/>
+              </a:rPr>
+              <a:t> </a:t>
+            </a:r>
+            <a:r>
+              <a:rPr lang="ko-KR" altLang="ko-KR" sz="2000" dirty="0" err="1">
+                <a:solidFill>
+                  <a:srgbClr val="212121"/>
+                </a:solidFill>
+                <a:latin typeface="Arial Unicode MS" panose="020B0604020202020204" pitchFamily="50" charset="-127"/>
+                <a:ea typeface="inherit"/>
+              </a:rPr>
+              <a:t>the</a:t>
+            </a:r>
+            <a:r>
+              <a:rPr lang="ko-KR" altLang="ko-KR" sz="2000" dirty="0">
+                <a:solidFill>
+                  <a:srgbClr val="212121"/>
+                </a:solidFill>
+                <a:latin typeface="Arial Unicode MS" panose="020B0604020202020204" pitchFamily="50" charset="-127"/>
+                <a:ea typeface="inherit"/>
+              </a:rPr>
+              <a:t> </a:t>
+            </a:r>
+            <a:r>
+              <a:rPr lang="ko-KR" altLang="ko-KR" sz="2000" dirty="0" err="1">
+                <a:solidFill>
+                  <a:srgbClr val="212121"/>
+                </a:solidFill>
+                <a:latin typeface="Arial Unicode MS" panose="020B0604020202020204" pitchFamily="50" charset="-127"/>
+                <a:ea typeface="inherit"/>
+              </a:rPr>
+              <a:t>softmax</a:t>
+            </a:r>
+            <a:r>
+              <a:rPr lang="ko-KR" altLang="ko-KR" sz="2000" dirty="0">
+                <a:solidFill>
+                  <a:srgbClr val="212121"/>
+                </a:solidFill>
+                <a:latin typeface="Arial Unicode MS" panose="020B0604020202020204" pitchFamily="50" charset="-127"/>
+                <a:ea typeface="inherit"/>
+              </a:rPr>
+              <a:t> </a:t>
+            </a:r>
+            <a:r>
+              <a:rPr lang="ko-KR" altLang="ko-KR" sz="2000" dirty="0" err="1">
+                <a:solidFill>
+                  <a:srgbClr val="212121"/>
+                </a:solidFill>
+                <a:latin typeface="Arial Unicode MS" panose="020B0604020202020204" pitchFamily="50" charset="-127"/>
+                <a:ea typeface="inherit"/>
+              </a:rPr>
+              <a:t>class</a:t>
+            </a:r>
+            <a:r>
+              <a:rPr lang="ko-KR" altLang="ko-KR" sz="2000" dirty="0">
+                <a:solidFill>
+                  <a:srgbClr val="212121"/>
+                </a:solidFill>
+                <a:latin typeface="Arial Unicode MS" panose="020B0604020202020204" pitchFamily="50" charset="-127"/>
+                <a:ea typeface="inherit"/>
+              </a:rPr>
+              <a:t> and </a:t>
+            </a:r>
+            <a:r>
+              <a:rPr lang="ko-KR" altLang="ko-KR" sz="2000" dirty="0" err="1">
+                <a:solidFill>
+                  <a:srgbClr val="212121"/>
+                </a:solidFill>
+                <a:latin typeface="Arial Unicode MS" panose="020B0604020202020204" pitchFamily="50" charset="-127"/>
+                <a:ea typeface="inherit"/>
+              </a:rPr>
+              <a:t>the</a:t>
+            </a:r>
+            <a:r>
+              <a:rPr lang="ko-KR" altLang="ko-KR" sz="2000" dirty="0">
+                <a:solidFill>
+                  <a:srgbClr val="212121"/>
+                </a:solidFill>
+                <a:latin typeface="Arial Unicode MS" panose="020B0604020202020204" pitchFamily="50" charset="-127"/>
+                <a:ea typeface="inherit"/>
+              </a:rPr>
+              <a:t> </a:t>
+            </a:r>
+            <a:r>
+              <a:rPr lang="ko-KR" altLang="ko-KR" sz="2000" dirty="0" err="1">
+                <a:solidFill>
+                  <a:srgbClr val="212121"/>
+                </a:solidFill>
+                <a:latin typeface="Arial Unicode MS" panose="020B0604020202020204" pitchFamily="50" charset="-127"/>
+                <a:ea typeface="inherit"/>
+              </a:rPr>
+              <a:t>remaining</a:t>
+            </a:r>
+            <a:r>
+              <a:rPr lang="ko-KR" altLang="ko-KR" sz="2000" dirty="0">
+                <a:solidFill>
+                  <a:srgbClr val="212121"/>
+                </a:solidFill>
+                <a:latin typeface="Arial Unicode MS" panose="020B0604020202020204" pitchFamily="50" charset="-127"/>
+                <a:ea typeface="inherit"/>
+              </a:rPr>
+              <a:t> </a:t>
+            </a:r>
+            <a:r>
+              <a:rPr lang="ko-KR" altLang="ko-KR" sz="2000" dirty="0" err="1">
+                <a:solidFill>
+                  <a:srgbClr val="212121"/>
+                </a:solidFill>
+                <a:latin typeface="Arial Unicode MS" panose="020B0604020202020204" pitchFamily="50" charset="-127"/>
+                <a:ea typeface="inherit"/>
+              </a:rPr>
+              <a:t>two</a:t>
+            </a:r>
+            <a:r>
+              <a:rPr lang="ko-KR" altLang="ko-KR" sz="2000" dirty="0">
+                <a:solidFill>
+                  <a:srgbClr val="212121"/>
+                </a:solidFill>
+                <a:latin typeface="Arial Unicode MS" panose="020B0604020202020204" pitchFamily="50" charset="-127"/>
+                <a:ea typeface="inherit"/>
+              </a:rPr>
+              <a:t> </a:t>
+            </a:r>
+            <a:r>
+              <a:rPr lang="ko-KR" altLang="ko-KR" sz="2000" dirty="0" err="1">
+                <a:solidFill>
+                  <a:srgbClr val="212121"/>
+                </a:solidFill>
+                <a:latin typeface="Arial Unicode MS" panose="020B0604020202020204" pitchFamily="50" charset="-127"/>
+                <a:ea typeface="inherit"/>
+              </a:rPr>
+              <a:t>scalars</a:t>
+            </a:r>
+            <a:r>
+              <a:rPr lang="ko-KR" altLang="ko-KR" sz="2000" dirty="0">
+                <a:solidFill>
+                  <a:srgbClr val="212121"/>
+                </a:solidFill>
+                <a:latin typeface="Arial Unicode MS" panose="020B0604020202020204" pitchFamily="50" charset="-127"/>
+                <a:ea typeface="inherit"/>
+              </a:rPr>
+              <a:t> </a:t>
+            </a:r>
+            <a:r>
+              <a:rPr lang="ko-KR" altLang="ko-KR" sz="2000" dirty="0" err="1">
+                <a:solidFill>
+                  <a:srgbClr val="212121"/>
+                </a:solidFill>
+                <a:latin typeface="Arial Unicode MS" panose="020B0604020202020204" pitchFamily="50" charset="-127"/>
+                <a:ea typeface="inherit"/>
+              </a:rPr>
+              <a:t>are</a:t>
+            </a:r>
+            <a:r>
+              <a:rPr lang="ko-KR" altLang="ko-KR" sz="2000" dirty="0">
+                <a:solidFill>
+                  <a:srgbClr val="212121"/>
+                </a:solidFill>
+                <a:latin typeface="Arial Unicode MS" panose="020B0604020202020204" pitchFamily="50" charset="-127"/>
+                <a:ea typeface="inherit"/>
+              </a:rPr>
+              <a:t> </a:t>
+            </a:r>
+            <a:r>
+              <a:rPr lang="ko-KR" altLang="ko-KR" sz="2000" dirty="0" err="1">
+                <a:solidFill>
+                  <a:srgbClr val="212121"/>
+                </a:solidFill>
+                <a:latin typeface="Arial Unicode MS" panose="020B0604020202020204" pitchFamily="50" charset="-127"/>
+                <a:ea typeface="inherit"/>
+              </a:rPr>
+              <a:t>returned</a:t>
+            </a:r>
+            <a:r>
+              <a:rPr lang="ko-KR" altLang="ko-KR" sz="2000" dirty="0">
+                <a:solidFill>
+                  <a:srgbClr val="212121"/>
+                </a:solidFill>
+                <a:latin typeface="Arial Unicode MS" panose="020B0604020202020204" pitchFamily="50" charset="-127"/>
+                <a:ea typeface="inherit"/>
+              </a:rPr>
+              <a:t> </a:t>
+            </a:r>
+            <a:r>
+              <a:rPr lang="ko-KR" altLang="ko-KR" sz="2000" dirty="0" err="1">
+                <a:solidFill>
+                  <a:srgbClr val="212121"/>
+                </a:solidFill>
+                <a:latin typeface="Arial Unicode MS" panose="020B0604020202020204" pitchFamily="50" charset="-127"/>
+                <a:ea typeface="inherit"/>
+              </a:rPr>
+              <a:t>in</a:t>
+            </a:r>
+            <a:r>
+              <a:rPr lang="ko-KR" altLang="ko-KR" sz="2000" dirty="0">
+                <a:solidFill>
+                  <a:srgbClr val="212121"/>
+                </a:solidFill>
+                <a:latin typeface="Arial Unicode MS" panose="020B0604020202020204" pitchFamily="50" charset="-127"/>
+                <a:ea typeface="inherit"/>
+              </a:rPr>
+              <a:t> </a:t>
+            </a:r>
+            <a:r>
+              <a:rPr lang="ko-KR" altLang="ko-KR" sz="2000" dirty="0" err="1">
+                <a:solidFill>
+                  <a:srgbClr val="212121"/>
+                </a:solidFill>
+                <a:latin typeface="Arial Unicode MS" panose="020B0604020202020204" pitchFamily="50" charset="-127"/>
+                <a:ea typeface="inherit"/>
+              </a:rPr>
+              <a:t>angles</a:t>
+            </a:r>
+            <a:r>
+              <a:rPr lang="ko-KR" altLang="ko-KR" sz="2000" dirty="0">
+                <a:solidFill>
+                  <a:srgbClr val="212121"/>
+                </a:solidFill>
+                <a:latin typeface="Arial Unicode MS" panose="020B0604020202020204" pitchFamily="50" charset="-127"/>
+                <a:ea typeface="inherit"/>
+              </a:rPr>
+              <a:t> </a:t>
+            </a:r>
+            <a:r>
+              <a:rPr lang="ko-KR" altLang="ko-KR" sz="2000" dirty="0" err="1">
+                <a:solidFill>
+                  <a:srgbClr val="212121"/>
+                </a:solidFill>
+                <a:latin typeface="Arial Unicode MS" panose="020B0604020202020204" pitchFamily="50" charset="-127"/>
+                <a:ea typeface="inherit"/>
+              </a:rPr>
+              <a:t>within</a:t>
+            </a:r>
+            <a:r>
+              <a:rPr lang="ko-KR" altLang="ko-KR" sz="2000" dirty="0">
+                <a:solidFill>
+                  <a:srgbClr val="212121"/>
+                </a:solidFill>
+                <a:latin typeface="Arial Unicode MS" panose="020B0604020202020204" pitchFamily="50" charset="-127"/>
+                <a:ea typeface="inherit"/>
+              </a:rPr>
+              <a:t> </a:t>
+            </a:r>
+            <a:r>
+              <a:rPr lang="ko-KR" altLang="ko-KR" sz="2000" dirty="0" err="1">
+                <a:solidFill>
+                  <a:srgbClr val="212121"/>
+                </a:solidFill>
+                <a:latin typeface="Arial Unicode MS" panose="020B0604020202020204" pitchFamily="50" charset="-127"/>
+                <a:ea typeface="inherit"/>
+              </a:rPr>
+              <a:t>each</a:t>
+            </a:r>
+            <a:r>
+              <a:rPr lang="ko-KR" altLang="ko-KR" sz="2000" dirty="0">
+                <a:solidFill>
+                  <a:srgbClr val="212121"/>
+                </a:solidFill>
+                <a:latin typeface="Arial Unicode MS" panose="020B0604020202020204" pitchFamily="50" charset="-127"/>
+                <a:ea typeface="inherit"/>
+              </a:rPr>
+              <a:t> </a:t>
+            </a:r>
+            <a:r>
+              <a:rPr lang="ko-KR" altLang="ko-KR" sz="2000" dirty="0" err="1">
+                <a:solidFill>
+                  <a:srgbClr val="212121"/>
+                </a:solidFill>
+                <a:latin typeface="Arial Unicode MS" panose="020B0604020202020204" pitchFamily="50" charset="-127"/>
+                <a:ea typeface="inherit"/>
+              </a:rPr>
+              <a:t>bin</a:t>
+            </a:r>
+            <a:r>
+              <a:rPr lang="ko-KR" altLang="ko-KR" sz="2000" dirty="0">
+                <a:solidFill>
+                  <a:srgbClr val="212121"/>
+                </a:solidFill>
+                <a:latin typeface="Arial Unicode MS" panose="020B0604020202020204" pitchFamily="50" charset="-127"/>
+                <a:ea typeface="inherit"/>
+              </a:rPr>
+              <a:t>.</a:t>
+            </a:r>
+            <a:r>
+              <a:rPr lang="ko-KR" altLang="ko-KR" sz="2000" dirty="0"/>
+              <a:t> </a:t>
+            </a:r>
+            <a:endParaRPr lang="ko-KR" altLang="ko-KR" sz="2000" dirty="0">
+              <a:latin typeface="Arial" panose="020B0604020202020204" pitchFamily="34" charset="0"/>
+            </a:endParaRPr>
+          </a:p>
+        </p:txBody>
+      </p:sp>
+    </p:spTree>
+    <p:extLst>
+      <p:ext uri="{BB962C8B-B14F-4D97-AF65-F5344CB8AC3E}">
+        <p14:creationId xmlns:p14="http://schemas.microsoft.com/office/powerpoint/2010/main" val="104408121"/>
+      </p:ext>
+    </p:extLst>
+  </p:cSld>
+  <p:clrMapOvr>
+    <a:masterClrMapping/>
+  </p:clrMapOvr>
+</p:sld>
+</file>
+
+<file path=ppt/slides/slide15.xml><?xml version="1.0" encoding="utf-8"?>
+<p:sld xmlns:a="http://schemas.openxmlformats.org/drawingml/2006/main" xmlns:r="http://schemas.openxmlformats.org/officeDocument/2006/relationships" xmlns:p="http://schemas.openxmlformats.org/presentationml/2006/main">
+  <p:cSld>
+    <p:spTree>
+      <p:nvGrpSpPr>
+        <p:cNvPr id="1" name=""/>
+        <p:cNvGrpSpPr/>
+        <p:nvPr/>
+      </p:nvGrpSpPr>
+      <p:grpSpPr>
+        <a:xfrm>
+          <a:off x="0" y="0"/>
+          <a:ext cx="0" cy="0"/>
+          <a:chOff x="0" y="0"/>
+          <a:chExt cx="0" cy="0"/>
+        </a:xfrm>
+      </p:grpSpPr>
+      <p:sp>
+        <p:nvSpPr>
+          <p:cNvPr id="2" name="제목 1">
+            <a:extLst>
+              <a:ext uri="{FF2B5EF4-FFF2-40B4-BE49-F238E27FC236}">
+                <a16:creationId xmlns:a16="http://schemas.microsoft.com/office/drawing/2014/main" id="{80C3C91D-69DD-498A-8A54-556CAC29F024}"/>
+              </a:ext>
+            </a:extLst>
+          </p:cNvPr>
+          <p:cNvSpPr>
+            <a:spLocks noGrp="1"/>
+          </p:cNvSpPr>
+          <p:nvPr>
+            <p:ph type="title"/>
+          </p:nvPr>
+        </p:nvSpPr>
+        <p:spPr/>
+        <p:txBody>
+          <a:bodyPr/>
+          <a:lstStyle/>
+          <a:p>
+            <a:r>
+              <a:rPr lang="en-US" altLang="ko-KR" dirty="0"/>
+              <a:t>Human pose estimation</a:t>
+            </a:r>
+            <a:endParaRPr lang="ko-KR" altLang="en-US" dirty="0"/>
+          </a:p>
+        </p:txBody>
+      </p:sp>
+      <p:sp>
+        <p:nvSpPr>
+          <p:cNvPr id="3" name="내용 개체 틀 2">
+            <a:extLst>
+              <a:ext uri="{FF2B5EF4-FFF2-40B4-BE49-F238E27FC236}">
+                <a16:creationId xmlns:a16="http://schemas.microsoft.com/office/drawing/2014/main" id="{A4D8762E-BD2A-4868-9A23-6F70AF0598E4}"/>
+              </a:ext>
+            </a:extLst>
+          </p:cNvPr>
+          <p:cNvSpPr>
+            <a:spLocks noGrp="1"/>
+          </p:cNvSpPr>
+          <p:nvPr>
+            <p:ph idx="1"/>
+          </p:nvPr>
+        </p:nvSpPr>
+        <p:spPr/>
+        <p:txBody>
+          <a:bodyPr/>
+          <a:lstStyle/>
+          <a:p>
+            <a:pPr marL="0" indent="0">
+              <a:buNone/>
+            </a:pPr>
+            <a:r>
+              <a:rPr lang="en-US" altLang="ko-KR" dirty="0"/>
+              <a:t>Estimating the human posture aims to estimate k 2D human joint positions for all people (COCO k = 17).</a:t>
+            </a:r>
+          </a:p>
+          <a:p>
+            <a:pPr marL="0" indent="0">
+              <a:buNone/>
+            </a:pPr>
+            <a:br>
+              <a:rPr lang="en-US" altLang="ko-KR" dirty="0"/>
+            </a:br>
+            <a:r>
+              <a:rPr lang="en-US" altLang="ko-KR" dirty="0"/>
+              <a:t>Parameterize each </a:t>
+            </a:r>
+            <a:r>
+              <a:rPr lang="en-US" altLang="ko-KR" dirty="0" err="1"/>
+              <a:t>keypoint</a:t>
+            </a:r>
+            <a:r>
+              <a:rPr lang="en-US" altLang="ko-KR" dirty="0"/>
+              <a:t> in a way that is spaced from the center point.</a:t>
+            </a:r>
+          </a:p>
+          <a:p>
+            <a:pPr marL="0" indent="0">
+              <a:buNone/>
+            </a:pPr>
+            <a:endParaRPr lang="en-US" altLang="ko-KR" dirty="0"/>
+          </a:p>
+          <a:p>
+            <a:pPr marL="0" indent="0">
+              <a:buNone/>
+            </a:pPr>
+            <a:r>
+              <a:rPr lang="en-US" altLang="ko-KR" dirty="0"/>
+              <a:t>Joint offset regression</a:t>
+            </a:r>
+            <a:endParaRPr lang="ko-KR" altLang="en-US" dirty="0"/>
+          </a:p>
+        </p:txBody>
+      </p:sp>
+      <p:pic>
+        <p:nvPicPr>
+          <p:cNvPr id="4" name="그림 3">
+            <a:extLst>
+              <a:ext uri="{FF2B5EF4-FFF2-40B4-BE49-F238E27FC236}">
+                <a16:creationId xmlns:a16="http://schemas.microsoft.com/office/drawing/2014/main" id="{EAF49D03-94E6-4E8E-95D0-5DDC61D9ED16}"/>
+              </a:ext>
+            </a:extLst>
+          </p:cNvPr>
+          <p:cNvPicPr>
+            <a:picLocks noChangeAspect="1"/>
+          </p:cNvPicPr>
+          <p:nvPr/>
+        </p:nvPicPr>
+        <p:blipFill>
+          <a:blip r:embed="rId2"/>
+          <a:stretch>
+            <a:fillRect/>
+          </a:stretch>
+        </p:blipFill>
+        <p:spPr>
+          <a:xfrm>
+            <a:off x="838200" y="5219153"/>
+            <a:ext cx="3785935" cy="621130"/>
+          </a:xfrm>
+          <a:prstGeom prst="rect">
+            <a:avLst/>
+          </a:prstGeom>
+        </p:spPr>
+      </p:pic>
+      <p:sp>
+        <p:nvSpPr>
+          <p:cNvPr id="5" name="TextBox 4">
+            <a:extLst>
+              <a:ext uri="{FF2B5EF4-FFF2-40B4-BE49-F238E27FC236}">
+                <a16:creationId xmlns:a16="http://schemas.microsoft.com/office/drawing/2014/main" id="{941BC61E-9BDD-4809-AE5A-122D1A6D7C3F}"/>
+              </a:ext>
+            </a:extLst>
+          </p:cNvPr>
+          <p:cNvSpPr txBox="1"/>
+          <p:nvPr/>
+        </p:nvSpPr>
+        <p:spPr>
+          <a:xfrm>
+            <a:off x="4624135" y="5298885"/>
+            <a:ext cx="1313180" cy="461665"/>
+          </a:xfrm>
+          <a:prstGeom prst="rect">
+            <a:avLst/>
+          </a:prstGeom>
+          <a:noFill/>
+        </p:spPr>
+        <p:txBody>
+          <a:bodyPr wrap="none" rtlCol="0">
+            <a:spAutoFit/>
+          </a:bodyPr>
+          <a:lstStyle/>
+          <a:p>
+            <a:r>
+              <a:rPr lang="en-US" altLang="ko-KR" sz="2400" dirty="0"/>
+              <a:t>, L1 loss</a:t>
+            </a:r>
+            <a:endParaRPr lang="ko-KR" altLang="en-US" sz="2400" dirty="0"/>
+          </a:p>
+        </p:txBody>
+      </p:sp>
+    </p:spTree>
+    <p:extLst>
+      <p:ext uri="{BB962C8B-B14F-4D97-AF65-F5344CB8AC3E}">
+        <p14:creationId xmlns:p14="http://schemas.microsoft.com/office/powerpoint/2010/main" val="1798253568"/>
+      </p:ext>
+    </p:extLst>
+  </p:cSld>
+  <p:clrMapOvr>
+    <a:masterClrMapping/>
+  </p:clrMapOvr>
+</p:sld>
+</file>
+
+<file path=ppt/slides/slide16.xml><?xml version="1.0" encoding="utf-8"?>
+<p:sld xmlns:a="http://schemas.openxmlformats.org/drawingml/2006/main" xmlns:r="http://schemas.openxmlformats.org/officeDocument/2006/relationships" xmlns:p="http://schemas.openxmlformats.org/presentationml/2006/main">
+  <p:cSld>
+    <p:bg>
+      <p:bgPr>
+        <a:solidFill>
+          <a:schemeClr val="bg1"/>
+        </a:solidFill>
+        <a:effectLst/>
+      </p:bgPr>
+    </p:bg>
+    <p:spTree>
+      <p:nvGrpSpPr>
+        <p:cNvPr id="1" name=""/>
+        <p:cNvGrpSpPr/>
+        <p:nvPr/>
+      </p:nvGrpSpPr>
+      <p:grpSpPr>
+        <a:xfrm>
+          <a:off x="0" y="0"/>
+          <a:ext cx="0" cy="0"/>
+          <a:chOff x="0" y="0"/>
+          <a:chExt cx="0" cy="0"/>
+        </a:xfrm>
+      </p:grpSpPr>
+      <p:pic>
+        <p:nvPicPr>
+          <p:cNvPr id="4" name="내용 개체 틀 3" descr="텍스트이(가) 표시된 사진&#10;&#10;자동 생성된 설명">
+            <a:extLst>
+              <a:ext uri="{FF2B5EF4-FFF2-40B4-BE49-F238E27FC236}">
+                <a16:creationId xmlns:a16="http://schemas.microsoft.com/office/drawing/2014/main" id="{B0641A67-536E-43B5-88BF-50B301E0A5AF}"/>
+              </a:ext>
+            </a:extLst>
+          </p:cNvPr>
+          <p:cNvPicPr>
+            <a:picLocks noGrp="1" noChangeAspect="1"/>
+          </p:cNvPicPr>
+          <p:nvPr>
+            <p:ph idx="1"/>
+          </p:nvPr>
+        </p:nvPicPr>
+        <p:blipFill>
+          <a:blip r:embed="rId2"/>
+          <a:stretch>
+            <a:fillRect/>
+          </a:stretch>
+        </p:blipFill>
+        <p:spPr>
+          <a:xfrm>
+            <a:off x="1999628" y="643466"/>
+            <a:ext cx="8192744" cy="5571067"/>
+          </a:xfrm>
+          <a:prstGeom prst="rect">
+            <a:avLst/>
+          </a:prstGeom>
+        </p:spPr>
+      </p:pic>
+    </p:spTree>
+    <p:extLst>
+      <p:ext uri="{BB962C8B-B14F-4D97-AF65-F5344CB8AC3E}">
+        <p14:creationId xmlns:p14="http://schemas.microsoft.com/office/powerpoint/2010/main" val="968182172"/>
+      </p:ext>
+    </p:extLst>
+  </p:cSld>
+  <p:clrMapOvr>
+    <a:masterClrMapping/>
+  </p:clrMapOvr>
+</p:sld>
+</file>
+
+<file path=ppt/slides/slide17.xml><?xml version="1.0" encoding="utf-8"?>
+<p:sld xmlns:a="http://schemas.openxmlformats.org/drawingml/2006/main" xmlns:r="http://schemas.openxmlformats.org/officeDocument/2006/relationships" xmlns:p="http://schemas.openxmlformats.org/presentationml/2006/main">
+  <p:cSld>
+    <p:spTree>
+      <p:nvGrpSpPr>
+        <p:cNvPr id="1" name=""/>
+        <p:cNvGrpSpPr/>
+        <p:nvPr/>
+      </p:nvGrpSpPr>
+      <p:grpSpPr>
+        <a:xfrm>
+          <a:off x="0" y="0"/>
+          <a:ext cx="0" cy="0"/>
+          <a:chOff x="0" y="0"/>
+          <a:chExt cx="0" cy="0"/>
+        </a:xfrm>
+      </p:grpSpPr>
+      <p:sp>
+        <p:nvSpPr>
+          <p:cNvPr id="2" name="제목 1">
+            <a:extLst>
+              <a:ext uri="{FF2B5EF4-FFF2-40B4-BE49-F238E27FC236}">
+                <a16:creationId xmlns:a16="http://schemas.microsoft.com/office/drawing/2014/main" id="{F3BAAFB2-50F8-44B3-9B80-899A4FA83919}"/>
+              </a:ext>
+            </a:extLst>
+          </p:cNvPr>
+          <p:cNvSpPr>
+            <a:spLocks noGrp="1"/>
+          </p:cNvSpPr>
+          <p:nvPr>
+            <p:ph type="title"/>
+          </p:nvPr>
+        </p:nvSpPr>
+        <p:spPr/>
+        <p:txBody>
+          <a:bodyPr/>
+          <a:lstStyle/>
+          <a:p>
+            <a:r>
+              <a:rPr lang="en-US" altLang="ko-KR" dirty="0"/>
+              <a:t>Model</a:t>
+            </a:r>
+            <a:endParaRPr lang="ko-KR" altLang="en-US" dirty="0"/>
+          </a:p>
+        </p:txBody>
+      </p:sp>
+      <p:pic>
+        <p:nvPicPr>
+          <p:cNvPr id="4" name="내용 개체 틀 3">
+            <a:extLst>
+              <a:ext uri="{FF2B5EF4-FFF2-40B4-BE49-F238E27FC236}">
+                <a16:creationId xmlns:a16="http://schemas.microsoft.com/office/drawing/2014/main" id="{63F33BD8-57F6-4158-B114-5063E2613E51}"/>
+              </a:ext>
+            </a:extLst>
+          </p:cNvPr>
+          <p:cNvPicPr>
+            <a:picLocks noGrp="1" noChangeAspect="1"/>
+          </p:cNvPicPr>
+          <p:nvPr>
+            <p:ph idx="1"/>
+          </p:nvPr>
+        </p:nvPicPr>
+        <p:blipFill>
+          <a:blip r:embed="rId2"/>
+          <a:stretch>
+            <a:fillRect/>
+          </a:stretch>
+        </p:blipFill>
+        <p:spPr>
+          <a:xfrm>
+            <a:off x="2009775" y="1977231"/>
+            <a:ext cx="8172450" cy="4048125"/>
+          </a:xfrm>
+          <a:prstGeom prst="rect">
+            <a:avLst/>
+          </a:prstGeom>
+        </p:spPr>
+      </p:pic>
+    </p:spTree>
+    <p:extLst>
+      <p:ext uri="{BB962C8B-B14F-4D97-AF65-F5344CB8AC3E}">
+        <p14:creationId xmlns:p14="http://schemas.microsoft.com/office/powerpoint/2010/main" val="704501929"/>
+      </p:ext>
+    </p:extLst>
+  </p:cSld>
+  <p:clrMapOvr>
+    <a:masterClrMapping/>
+  </p:clrMapOvr>
+</p:sld>
+</file>
+
+<file path=ppt/slides/slide18.xml><?xml version="1.0" encoding="utf-8"?>
+<p:sld xmlns:a="http://schemas.openxmlformats.org/drawingml/2006/main" xmlns:r="http://schemas.openxmlformats.org/officeDocument/2006/relationships" xmlns:p="http://schemas.openxmlformats.org/presentationml/2006/main">
+  <p:cSld>
+    <p:spTree>
+      <p:nvGrpSpPr>
+        <p:cNvPr id="1" name=""/>
+        <p:cNvGrpSpPr/>
+        <p:nvPr/>
+      </p:nvGrpSpPr>
+      <p:grpSpPr>
+        <a:xfrm>
+          <a:off x="0" y="0"/>
+          <a:ext cx="0" cy="0"/>
+          <a:chOff x="0" y="0"/>
+          <a:chExt cx="0" cy="0"/>
+        </a:xfrm>
+      </p:grpSpPr>
+      <p:sp>
+        <p:nvSpPr>
+          <p:cNvPr id="2" name="제목 1">
+            <a:extLst>
+              <a:ext uri="{FF2B5EF4-FFF2-40B4-BE49-F238E27FC236}">
+                <a16:creationId xmlns:a16="http://schemas.microsoft.com/office/drawing/2014/main" id="{48A861C2-87A2-46D2-B9CF-D43CA6DABDD1}"/>
+              </a:ext>
+            </a:extLst>
+          </p:cNvPr>
+          <p:cNvSpPr>
+            <a:spLocks noGrp="1"/>
+          </p:cNvSpPr>
+          <p:nvPr>
+            <p:ph type="title"/>
+          </p:nvPr>
+        </p:nvSpPr>
+        <p:spPr/>
+        <p:txBody>
+          <a:bodyPr/>
+          <a:lstStyle/>
+          <a:p>
+            <a:r>
+              <a:rPr lang="en-US" altLang="ko-KR" b="1" dirty="0"/>
+              <a:t>Hourglass</a:t>
+            </a:r>
+          </a:p>
+        </p:txBody>
+      </p:sp>
+      <p:sp>
+        <p:nvSpPr>
+          <p:cNvPr id="3" name="내용 개체 틀 2">
+            <a:extLst>
+              <a:ext uri="{FF2B5EF4-FFF2-40B4-BE49-F238E27FC236}">
+                <a16:creationId xmlns:a16="http://schemas.microsoft.com/office/drawing/2014/main" id="{979618B8-1A85-4586-9BF5-35E316E806F7}"/>
+              </a:ext>
+            </a:extLst>
+          </p:cNvPr>
+          <p:cNvSpPr>
+            <a:spLocks noGrp="1"/>
+          </p:cNvSpPr>
+          <p:nvPr>
+            <p:ph idx="1"/>
+          </p:nvPr>
+        </p:nvSpPr>
+        <p:spPr/>
+        <p:txBody>
+          <a:bodyPr/>
+          <a:lstStyle/>
+          <a:p>
+            <a:pPr marL="0" indent="0">
+              <a:buNone/>
+            </a:pPr>
+            <a:r>
+              <a:rPr lang="en-US" altLang="ko-KR" dirty="0"/>
+              <a:t>The stacked Hourglass Network [30, 40] </a:t>
+            </a:r>
+            <a:r>
+              <a:rPr lang="en-US" altLang="ko-KR" dirty="0" err="1"/>
+              <a:t>downsamples</a:t>
+            </a:r>
+            <a:r>
+              <a:rPr lang="en-US" altLang="ko-KR" dirty="0"/>
+              <a:t> the input by 4X, followed by two sequential hourglass modules. Each hourglass module is a symmetric 5-layer down- and up-convolutional network with skip connections.</a:t>
+            </a:r>
+          </a:p>
+        </p:txBody>
+      </p:sp>
+    </p:spTree>
+    <p:extLst>
+      <p:ext uri="{BB962C8B-B14F-4D97-AF65-F5344CB8AC3E}">
+        <p14:creationId xmlns:p14="http://schemas.microsoft.com/office/powerpoint/2010/main" val="979284558"/>
+      </p:ext>
+    </p:extLst>
+  </p:cSld>
+  <p:clrMapOvr>
+    <a:masterClrMapping/>
+  </p:clrMapOvr>
+</p:sld>
+</file>
+
+<file path=ppt/slides/slide19.xml><?xml version="1.0" encoding="utf-8"?>
+<p:sld xmlns:a="http://schemas.openxmlformats.org/drawingml/2006/main" xmlns:r="http://schemas.openxmlformats.org/officeDocument/2006/relationships" xmlns:p="http://schemas.openxmlformats.org/presentationml/2006/main">
+  <p:cSld>
+    <p:bg>
+      <p:bgPr>
+        <a:solidFill>
+          <a:schemeClr val="bg1"/>
+        </a:solidFill>
+        <a:effectLst/>
+      </p:bgPr>
+    </p:bg>
+    <p:spTree>
+      <p:nvGrpSpPr>
+        <p:cNvPr id="1" name=""/>
+        <p:cNvGrpSpPr/>
+        <p:nvPr/>
+      </p:nvGrpSpPr>
+      <p:grpSpPr>
+        <a:xfrm>
+          <a:off x="0" y="0"/>
+          <a:ext cx="0" cy="0"/>
+          <a:chOff x="0" y="0"/>
+          <a:chExt cx="0" cy="0"/>
+        </a:xfrm>
+      </p:grpSpPr>
+      <p:pic>
+        <p:nvPicPr>
+          <p:cNvPr id="4" name="그림 3">
+            <a:extLst>
+              <a:ext uri="{FF2B5EF4-FFF2-40B4-BE49-F238E27FC236}">
+                <a16:creationId xmlns:a16="http://schemas.microsoft.com/office/drawing/2014/main" id="{7049F729-1D3D-4F7F-809C-CD1D92243FB6}"/>
+              </a:ext>
+            </a:extLst>
+          </p:cNvPr>
+          <p:cNvPicPr>
+            <a:picLocks noChangeAspect="1"/>
+          </p:cNvPicPr>
+          <p:nvPr/>
+        </p:nvPicPr>
+        <p:blipFill>
+          <a:blip r:embed="rId2"/>
+          <a:stretch>
+            <a:fillRect/>
+          </a:stretch>
+        </p:blipFill>
+        <p:spPr>
+          <a:xfrm>
+            <a:off x="643467" y="1411562"/>
+            <a:ext cx="10905066" cy="4034874"/>
+          </a:xfrm>
+          <a:prstGeom prst="rect">
+            <a:avLst/>
+          </a:prstGeom>
+        </p:spPr>
+      </p:pic>
+    </p:spTree>
+    <p:extLst>
+      <p:ext uri="{BB962C8B-B14F-4D97-AF65-F5344CB8AC3E}">
+        <p14:creationId xmlns:p14="http://schemas.microsoft.com/office/powerpoint/2010/main" val="1386041473"/>
       </p:ext>
     </p:extLst>
   </p:cSld>
@@ -3922,6 +6701,2710 @@
     <p:extLst>
       <p:ext uri="{BB962C8B-B14F-4D97-AF65-F5344CB8AC3E}">
         <p14:creationId xmlns:p14="http://schemas.microsoft.com/office/powerpoint/2010/main" val="1944503106"/>
+      </p:ext>
+    </p:extLst>
+  </p:cSld>
+  <p:clrMapOvr>
+    <a:masterClrMapping/>
+  </p:clrMapOvr>
+</p:sld>
+</file>
+
+<file path=ppt/slides/slide20.xml><?xml version="1.0" encoding="utf-8"?>
+<p:sld xmlns:a="http://schemas.openxmlformats.org/drawingml/2006/main" xmlns:r="http://schemas.openxmlformats.org/officeDocument/2006/relationships" xmlns:p="http://schemas.openxmlformats.org/presentationml/2006/main">
+  <p:cSld>
+    <p:spTree>
+      <p:nvGrpSpPr>
+        <p:cNvPr id="1" name=""/>
+        <p:cNvGrpSpPr/>
+        <p:nvPr/>
+      </p:nvGrpSpPr>
+      <p:grpSpPr>
+        <a:xfrm>
+          <a:off x="0" y="0"/>
+          <a:ext cx="0" cy="0"/>
+          <a:chOff x="0" y="0"/>
+          <a:chExt cx="0" cy="0"/>
+        </a:xfrm>
+      </p:grpSpPr>
+      <p:sp>
+        <p:nvSpPr>
+          <p:cNvPr id="2" name="제목 1">
+            <a:extLst>
+              <a:ext uri="{FF2B5EF4-FFF2-40B4-BE49-F238E27FC236}">
+                <a16:creationId xmlns:a16="http://schemas.microsoft.com/office/drawing/2014/main" id="{C314C505-3E8D-435A-AB95-4981BB21C218}"/>
+              </a:ext>
+            </a:extLst>
+          </p:cNvPr>
+          <p:cNvSpPr>
+            <a:spLocks noGrp="1"/>
+          </p:cNvSpPr>
+          <p:nvPr>
+            <p:ph type="title"/>
+          </p:nvPr>
+        </p:nvSpPr>
+        <p:spPr/>
+        <p:txBody>
+          <a:bodyPr/>
+          <a:lstStyle/>
+          <a:p>
+            <a:r>
+              <a:rPr lang="en-US" altLang="ko-KR" b="1" dirty="0" err="1"/>
+              <a:t>ResNet</a:t>
+            </a:r>
+            <a:endParaRPr lang="ko-KR" altLang="en-US" dirty="0"/>
+          </a:p>
+        </p:txBody>
+      </p:sp>
+      <p:sp>
+        <p:nvSpPr>
+          <p:cNvPr id="3" name="내용 개체 틀 2">
+            <a:extLst>
+              <a:ext uri="{FF2B5EF4-FFF2-40B4-BE49-F238E27FC236}">
+                <a16:creationId xmlns:a16="http://schemas.microsoft.com/office/drawing/2014/main" id="{39CBAAB4-8891-44BC-9F18-190E94B74C21}"/>
+              </a:ext>
+            </a:extLst>
+          </p:cNvPr>
+          <p:cNvSpPr>
+            <a:spLocks noGrp="1"/>
+          </p:cNvSpPr>
+          <p:nvPr>
+            <p:ph idx="1"/>
+          </p:nvPr>
+        </p:nvSpPr>
+        <p:spPr/>
+        <p:txBody>
+          <a:bodyPr/>
+          <a:lstStyle/>
+          <a:p>
+            <a:r>
+              <a:rPr lang="ko-KR" altLang="ko-KR" dirty="0" err="1">
+                <a:solidFill>
+                  <a:srgbClr val="212121"/>
+                </a:solidFill>
+                <a:latin typeface="Arial Unicode MS" panose="020B0604020202020204" pitchFamily="50" charset="-127"/>
+                <a:ea typeface="inherit"/>
+              </a:rPr>
+              <a:t>We</a:t>
+            </a:r>
+            <a:r>
+              <a:rPr lang="ko-KR" altLang="ko-KR" dirty="0">
+                <a:solidFill>
+                  <a:srgbClr val="212121"/>
+                </a:solidFill>
+                <a:latin typeface="Arial Unicode MS" panose="020B0604020202020204" pitchFamily="50" charset="-127"/>
+                <a:ea typeface="inherit"/>
+              </a:rPr>
+              <a:t> </a:t>
+            </a:r>
+            <a:r>
+              <a:rPr lang="ko-KR" altLang="ko-KR" dirty="0" err="1">
+                <a:solidFill>
+                  <a:srgbClr val="212121"/>
+                </a:solidFill>
+                <a:latin typeface="Arial Unicode MS" panose="020B0604020202020204" pitchFamily="50" charset="-127"/>
+                <a:ea typeface="inherit"/>
+              </a:rPr>
+              <a:t>used</a:t>
+            </a:r>
+            <a:r>
+              <a:rPr lang="ko-KR" altLang="ko-KR" dirty="0">
+                <a:solidFill>
+                  <a:srgbClr val="212121"/>
+                </a:solidFill>
+                <a:latin typeface="Arial Unicode MS" panose="020B0604020202020204" pitchFamily="50" charset="-127"/>
+                <a:ea typeface="inherit"/>
+              </a:rPr>
+              <a:t> </a:t>
+            </a:r>
+            <a:r>
+              <a:rPr lang="ko-KR" altLang="ko-KR" dirty="0" err="1">
+                <a:solidFill>
+                  <a:srgbClr val="212121"/>
+                </a:solidFill>
+                <a:latin typeface="Arial Unicode MS" panose="020B0604020202020204" pitchFamily="50" charset="-127"/>
+                <a:ea typeface="inherit"/>
+              </a:rPr>
+              <a:t>three</a:t>
+            </a:r>
+            <a:r>
+              <a:rPr lang="ko-KR" altLang="ko-KR" dirty="0">
+                <a:solidFill>
+                  <a:srgbClr val="212121"/>
+                </a:solidFill>
+                <a:latin typeface="Arial Unicode MS" panose="020B0604020202020204" pitchFamily="50" charset="-127"/>
+                <a:ea typeface="inherit"/>
+              </a:rPr>
+              <a:t> </a:t>
+            </a:r>
+            <a:r>
+              <a:rPr lang="ko-KR" altLang="ko-KR" dirty="0" err="1">
+                <a:solidFill>
+                  <a:srgbClr val="212121"/>
+                </a:solidFill>
+                <a:latin typeface="Arial Unicode MS" panose="020B0604020202020204" pitchFamily="50" charset="-127"/>
+                <a:ea typeface="inherit"/>
+              </a:rPr>
+              <a:t>up-convolution</a:t>
+            </a:r>
+            <a:r>
+              <a:rPr lang="ko-KR" altLang="ko-KR" dirty="0">
+                <a:solidFill>
+                  <a:srgbClr val="212121"/>
+                </a:solidFill>
+                <a:latin typeface="Arial Unicode MS" panose="020B0604020202020204" pitchFamily="50" charset="-127"/>
+                <a:ea typeface="inherit"/>
+              </a:rPr>
+              <a:t> </a:t>
+            </a:r>
+            <a:r>
+              <a:rPr lang="ko-KR" altLang="ko-KR" dirty="0" err="1">
+                <a:solidFill>
+                  <a:srgbClr val="212121"/>
+                </a:solidFill>
+                <a:latin typeface="Arial Unicode MS" panose="020B0604020202020204" pitchFamily="50" charset="-127"/>
+                <a:ea typeface="inherit"/>
+              </a:rPr>
+              <a:t>networks</a:t>
+            </a:r>
+            <a:r>
+              <a:rPr lang="ko-KR" altLang="ko-KR" dirty="0">
+                <a:solidFill>
+                  <a:srgbClr val="212121"/>
+                </a:solidFill>
+                <a:latin typeface="Arial Unicode MS" panose="020B0604020202020204" pitchFamily="50" charset="-127"/>
+                <a:ea typeface="inherit"/>
+              </a:rPr>
+              <a:t> </a:t>
+            </a:r>
+            <a:r>
+              <a:rPr lang="ko-KR" altLang="ko-KR" dirty="0" err="1">
+                <a:solidFill>
+                  <a:srgbClr val="212121"/>
+                </a:solidFill>
+                <a:latin typeface="Arial Unicode MS" panose="020B0604020202020204" pitchFamily="50" charset="-127"/>
+                <a:ea typeface="inherit"/>
+              </a:rPr>
+              <a:t>to</a:t>
+            </a:r>
+            <a:r>
+              <a:rPr lang="ko-KR" altLang="ko-KR" dirty="0">
+                <a:solidFill>
+                  <a:srgbClr val="212121"/>
+                </a:solidFill>
+                <a:latin typeface="Arial Unicode MS" panose="020B0604020202020204" pitchFamily="50" charset="-127"/>
+                <a:ea typeface="inherit"/>
+              </a:rPr>
+              <a:t> </a:t>
+            </a:r>
+            <a:r>
+              <a:rPr lang="ko-KR" altLang="ko-KR" dirty="0" err="1">
+                <a:solidFill>
+                  <a:srgbClr val="212121"/>
+                </a:solidFill>
+                <a:latin typeface="Arial Unicode MS" panose="020B0604020202020204" pitchFamily="50" charset="-127"/>
+                <a:ea typeface="inherit"/>
+              </a:rPr>
+              <a:t>enhance</a:t>
+            </a:r>
+            <a:r>
+              <a:rPr lang="ko-KR" altLang="ko-KR" dirty="0">
+                <a:solidFill>
+                  <a:srgbClr val="212121"/>
+                </a:solidFill>
+                <a:latin typeface="Arial Unicode MS" panose="020B0604020202020204" pitchFamily="50" charset="-127"/>
+                <a:ea typeface="inherit"/>
+              </a:rPr>
+              <a:t> </a:t>
+            </a:r>
+            <a:r>
+              <a:rPr lang="ko-KR" altLang="ko-KR" dirty="0" err="1">
+                <a:solidFill>
+                  <a:srgbClr val="212121"/>
+                </a:solidFill>
+                <a:latin typeface="Arial Unicode MS" panose="020B0604020202020204" pitchFamily="50" charset="-127"/>
+                <a:ea typeface="inherit"/>
+              </a:rPr>
+              <a:t>the</a:t>
+            </a:r>
+            <a:r>
+              <a:rPr lang="ko-KR" altLang="ko-KR" dirty="0">
+                <a:solidFill>
+                  <a:srgbClr val="212121"/>
+                </a:solidFill>
+                <a:latin typeface="Arial Unicode MS" panose="020B0604020202020204" pitchFamily="50" charset="-127"/>
+                <a:ea typeface="inherit"/>
+              </a:rPr>
+              <a:t> </a:t>
+            </a:r>
+            <a:r>
+              <a:rPr lang="ko-KR" altLang="ko-KR" dirty="0" err="1">
+                <a:solidFill>
+                  <a:srgbClr val="212121"/>
+                </a:solidFill>
+                <a:latin typeface="Arial Unicode MS" panose="020B0604020202020204" pitchFamily="50" charset="-127"/>
+                <a:ea typeface="inherit"/>
+              </a:rPr>
+              <a:t>residual</a:t>
+            </a:r>
+            <a:r>
+              <a:rPr lang="ko-KR" altLang="ko-KR" dirty="0">
+                <a:solidFill>
+                  <a:srgbClr val="212121"/>
+                </a:solidFill>
+                <a:latin typeface="Arial Unicode MS" panose="020B0604020202020204" pitchFamily="50" charset="-127"/>
+                <a:ea typeface="inherit"/>
+              </a:rPr>
+              <a:t> </a:t>
+            </a:r>
+            <a:r>
+              <a:rPr lang="ko-KR" altLang="ko-KR" dirty="0" err="1">
+                <a:solidFill>
+                  <a:srgbClr val="212121"/>
+                </a:solidFill>
+                <a:latin typeface="Arial Unicode MS" panose="020B0604020202020204" pitchFamily="50" charset="-127"/>
+                <a:ea typeface="inherit"/>
+              </a:rPr>
+              <a:t>network</a:t>
+            </a:r>
+            <a:r>
+              <a:rPr lang="ko-KR" altLang="ko-KR" dirty="0">
+                <a:solidFill>
+                  <a:srgbClr val="212121"/>
+                </a:solidFill>
+                <a:latin typeface="Arial Unicode MS" panose="020B0604020202020204" pitchFamily="50" charset="-127"/>
+                <a:ea typeface="inherit"/>
+              </a:rPr>
+              <a:t> </a:t>
+            </a:r>
+            <a:r>
+              <a:rPr lang="ko-KR" altLang="ko-KR" dirty="0" err="1">
+                <a:solidFill>
+                  <a:srgbClr val="212121"/>
+                </a:solidFill>
+                <a:latin typeface="Arial Unicode MS" panose="020B0604020202020204" pitchFamily="50" charset="-127"/>
+                <a:ea typeface="inherit"/>
+              </a:rPr>
+              <a:t>for</a:t>
+            </a:r>
+            <a:r>
+              <a:rPr lang="ko-KR" altLang="ko-KR" dirty="0">
+                <a:solidFill>
+                  <a:srgbClr val="212121"/>
+                </a:solidFill>
+                <a:latin typeface="Arial Unicode MS" panose="020B0604020202020204" pitchFamily="50" charset="-127"/>
+                <a:ea typeface="inherit"/>
+              </a:rPr>
+              <a:t> </a:t>
+            </a:r>
+            <a:r>
+              <a:rPr lang="ko-KR" altLang="ko-KR" dirty="0" err="1">
+                <a:solidFill>
+                  <a:srgbClr val="212121"/>
+                </a:solidFill>
+                <a:latin typeface="Arial Unicode MS" panose="020B0604020202020204" pitchFamily="50" charset="-127"/>
+                <a:ea typeface="inherit"/>
+              </a:rPr>
+              <a:t>high-resolution</a:t>
+            </a:r>
+            <a:r>
+              <a:rPr lang="ko-KR" altLang="ko-KR" dirty="0">
+                <a:solidFill>
+                  <a:srgbClr val="212121"/>
+                </a:solidFill>
+                <a:latin typeface="Arial Unicode MS" panose="020B0604020202020204" pitchFamily="50" charset="-127"/>
+                <a:ea typeface="inherit"/>
+              </a:rPr>
+              <a:t> </a:t>
+            </a:r>
+            <a:r>
+              <a:rPr lang="ko-KR" altLang="ko-KR" dirty="0" err="1">
+                <a:solidFill>
+                  <a:srgbClr val="212121"/>
+                </a:solidFill>
+                <a:latin typeface="Arial Unicode MS" panose="020B0604020202020204" pitchFamily="50" charset="-127"/>
+                <a:ea typeface="inherit"/>
+              </a:rPr>
+              <a:t>output</a:t>
+            </a:r>
+            <a:endParaRPr lang="en-US" altLang="ko-KR" dirty="0">
+              <a:solidFill>
+                <a:srgbClr val="212121"/>
+              </a:solidFill>
+              <a:latin typeface="Arial Unicode MS" panose="020B0604020202020204" pitchFamily="50" charset="-127"/>
+              <a:ea typeface="inherit"/>
+            </a:endParaRPr>
+          </a:p>
+          <a:p>
+            <a:endParaRPr lang="en-US" altLang="ko-KR" dirty="0">
+              <a:solidFill>
+                <a:srgbClr val="212121"/>
+              </a:solidFill>
+              <a:latin typeface="Arial Unicode MS" panose="020B0604020202020204" pitchFamily="50" charset="-127"/>
+            </a:endParaRPr>
+          </a:p>
+          <a:p>
+            <a:r>
+              <a:rPr lang="ko-KR" altLang="ko-KR" dirty="0" err="1">
+                <a:solidFill>
+                  <a:srgbClr val="212121"/>
+                </a:solidFill>
+                <a:latin typeface="Arial Unicode MS" panose="020B0604020202020204" pitchFamily="50" charset="-127"/>
+                <a:ea typeface="inherit"/>
+              </a:rPr>
+              <a:t>To</a:t>
+            </a:r>
+            <a:r>
+              <a:rPr lang="ko-KR" altLang="ko-KR" dirty="0">
+                <a:solidFill>
+                  <a:srgbClr val="212121"/>
+                </a:solidFill>
+                <a:latin typeface="Arial Unicode MS" panose="020B0604020202020204" pitchFamily="50" charset="-127"/>
+                <a:ea typeface="inherit"/>
+              </a:rPr>
+              <a:t> </a:t>
+            </a:r>
+            <a:r>
+              <a:rPr lang="ko-KR" altLang="ko-KR" dirty="0" err="1">
+                <a:solidFill>
+                  <a:srgbClr val="212121"/>
+                </a:solidFill>
+                <a:latin typeface="Arial Unicode MS" panose="020B0604020202020204" pitchFamily="50" charset="-127"/>
+                <a:ea typeface="inherit"/>
+              </a:rPr>
+              <a:t>save</a:t>
+            </a:r>
+            <a:r>
+              <a:rPr lang="ko-KR" altLang="ko-KR" dirty="0">
+                <a:solidFill>
+                  <a:srgbClr val="212121"/>
+                </a:solidFill>
+                <a:latin typeface="Arial Unicode MS" panose="020B0604020202020204" pitchFamily="50" charset="-127"/>
+                <a:ea typeface="inherit"/>
+              </a:rPr>
+              <a:t> </a:t>
+            </a:r>
+            <a:r>
+              <a:rPr lang="ko-KR" altLang="ko-KR" dirty="0" err="1">
+                <a:solidFill>
+                  <a:srgbClr val="212121"/>
+                </a:solidFill>
+                <a:latin typeface="Arial Unicode MS" panose="020B0604020202020204" pitchFamily="50" charset="-127"/>
+                <a:ea typeface="inherit"/>
+              </a:rPr>
+              <a:t>the</a:t>
+            </a:r>
+            <a:r>
+              <a:rPr lang="ko-KR" altLang="ko-KR" dirty="0">
+                <a:solidFill>
+                  <a:srgbClr val="212121"/>
+                </a:solidFill>
+                <a:latin typeface="Arial Unicode MS" panose="020B0604020202020204" pitchFamily="50" charset="-127"/>
+                <a:ea typeface="inherit"/>
+              </a:rPr>
+              <a:t> </a:t>
+            </a:r>
+            <a:r>
+              <a:rPr lang="ko-KR" altLang="ko-KR" dirty="0" err="1">
+                <a:solidFill>
+                  <a:srgbClr val="212121"/>
+                </a:solidFill>
+                <a:latin typeface="Arial Unicode MS" panose="020B0604020202020204" pitchFamily="50" charset="-127"/>
+                <a:ea typeface="inherit"/>
+              </a:rPr>
+              <a:t>calculation</a:t>
+            </a:r>
+            <a:r>
+              <a:rPr lang="ko-KR" altLang="ko-KR" dirty="0">
+                <a:solidFill>
+                  <a:srgbClr val="212121"/>
+                </a:solidFill>
+                <a:latin typeface="Arial Unicode MS" panose="020B0604020202020204" pitchFamily="50" charset="-127"/>
+                <a:ea typeface="inherit"/>
+              </a:rPr>
+              <a:t>, </a:t>
+            </a:r>
+            <a:r>
+              <a:rPr lang="ko-KR" altLang="ko-KR" dirty="0" err="1">
+                <a:solidFill>
+                  <a:srgbClr val="212121"/>
+                </a:solidFill>
+                <a:latin typeface="Arial Unicode MS" panose="020B0604020202020204" pitchFamily="50" charset="-127"/>
+                <a:ea typeface="inherit"/>
+              </a:rPr>
+              <a:t>first</a:t>
+            </a:r>
+            <a:r>
+              <a:rPr lang="ko-KR" altLang="ko-KR" dirty="0">
+                <a:solidFill>
+                  <a:srgbClr val="212121"/>
+                </a:solidFill>
+                <a:latin typeface="Arial Unicode MS" panose="020B0604020202020204" pitchFamily="50" charset="-127"/>
+                <a:ea typeface="inherit"/>
+              </a:rPr>
+              <a:t> </a:t>
+            </a:r>
+            <a:r>
+              <a:rPr lang="ko-KR" altLang="ko-KR" dirty="0" err="1">
+                <a:solidFill>
+                  <a:srgbClr val="212121"/>
+                </a:solidFill>
+                <a:latin typeface="Arial Unicode MS" panose="020B0604020202020204" pitchFamily="50" charset="-127"/>
+                <a:ea typeface="inherit"/>
+              </a:rPr>
+              <a:t>change</a:t>
+            </a:r>
+            <a:r>
+              <a:rPr lang="ko-KR" altLang="ko-KR" dirty="0">
+                <a:solidFill>
+                  <a:srgbClr val="212121"/>
+                </a:solidFill>
+                <a:latin typeface="Arial Unicode MS" panose="020B0604020202020204" pitchFamily="50" charset="-127"/>
+                <a:ea typeface="inherit"/>
+              </a:rPr>
+              <a:t> </a:t>
+            </a:r>
+            <a:r>
+              <a:rPr lang="ko-KR" altLang="ko-KR" dirty="0" err="1">
+                <a:solidFill>
+                  <a:srgbClr val="212121"/>
+                </a:solidFill>
+                <a:latin typeface="Arial Unicode MS" panose="020B0604020202020204" pitchFamily="50" charset="-127"/>
+                <a:ea typeface="inherit"/>
+              </a:rPr>
+              <a:t>the</a:t>
+            </a:r>
+            <a:r>
+              <a:rPr lang="ko-KR" altLang="ko-KR" dirty="0">
+                <a:solidFill>
+                  <a:srgbClr val="212121"/>
+                </a:solidFill>
+                <a:latin typeface="Arial Unicode MS" panose="020B0604020202020204" pitchFamily="50" charset="-127"/>
+                <a:ea typeface="inherit"/>
+              </a:rPr>
+              <a:t> </a:t>
+            </a:r>
+            <a:r>
+              <a:rPr lang="ko-KR" altLang="ko-KR" dirty="0" err="1">
+                <a:solidFill>
+                  <a:srgbClr val="212121"/>
+                </a:solidFill>
+                <a:latin typeface="Arial Unicode MS" panose="020B0604020202020204" pitchFamily="50" charset="-127"/>
+                <a:ea typeface="inherit"/>
+              </a:rPr>
+              <a:t>channels</a:t>
+            </a:r>
+            <a:r>
+              <a:rPr lang="ko-KR" altLang="ko-KR" dirty="0">
+                <a:solidFill>
+                  <a:srgbClr val="212121"/>
+                </a:solidFill>
+                <a:latin typeface="Arial Unicode MS" panose="020B0604020202020204" pitchFamily="50" charset="-127"/>
+                <a:ea typeface="inherit"/>
+              </a:rPr>
+              <a:t> of </a:t>
+            </a:r>
+            <a:r>
+              <a:rPr lang="ko-KR" altLang="ko-KR" dirty="0" err="1">
+                <a:solidFill>
+                  <a:srgbClr val="212121"/>
+                </a:solidFill>
+                <a:latin typeface="Arial Unicode MS" panose="020B0604020202020204" pitchFamily="50" charset="-127"/>
+                <a:ea typeface="inherit"/>
+              </a:rPr>
+              <a:t>the</a:t>
+            </a:r>
+            <a:r>
+              <a:rPr lang="ko-KR" altLang="ko-KR" dirty="0">
+                <a:solidFill>
+                  <a:srgbClr val="212121"/>
+                </a:solidFill>
+                <a:latin typeface="Arial Unicode MS" panose="020B0604020202020204" pitchFamily="50" charset="-127"/>
+                <a:ea typeface="inherit"/>
+              </a:rPr>
+              <a:t> </a:t>
+            </a:r>
+            <a:r>
+              <a:rPr lang="ko-KR" altLang="ko-KR" dirty="0" err="1">
+                <a:solidFill>
+                  <a:srgbClr val="212121"/>
+                </a:solidFill>
+                <a:latin typeface="Arial Unicode MS" panose="020B0604020202020204" pitchFamily="50" charset="-127"/>
+                <a:ea typeface="inherit"/>
+              </a:rPr>
+              <a:t>three</a:t>
+            </a:r>
+            <a:r>
+              <a:rPr lang="ko-KR" altLang="ko-KR" dirty="0">
+                <a:solidFill>
+                  <a:srgbClr val="212121"/>
+                </a:solidFill>
+                <a:latin typeface="Arial Unicode MS" panose="020B0604020202020204" pitchFamily="50" charset="-127"/>
+                <a:ea typeface="inherit"/>
+              </a:rPr>
+              <a:t> </a:t>
+            </a:r>
+            <a:r>
+              <a:rPr lang="ko-KR" altLang="ko-KR" dirty="0" err="1">
+                <a:solidFill>
+                  <a:srgbClr val="212121"/>
+                </a:solidFill>
+                <a:latin typeface="Arial Unicode MS" panose="020B0604020202020204" pitchFamily="50" charset="-127"/>
+                <a:ea typeface="inherit"/>
+              </a:rPr>
+              <a:t>upsampling</a:t>
+            </a:r>
+            <a:r>
+              <a:rPr lang="ko-KR" altLang="ko-KR" dirty="0">
+                <a:solidFill>
+                  <a:srgbClr val="212121"/>
+                </a:solidFill>
+                <a:latin typeface="Arial Unicode MS" panose="020B0604020202020204" pitchFamily="50" charset="-127"/>
+                <a:ea typeface="inherit"/>
+              </a:rPr>
+              <a:t> </a:t>
+            </a:r>
+            <a:r>
+              <a:rPr lang="ko-KR" altLang="ko-KR" dirty="0" err="1">
+                <a:solidFill>
+                  <a:srgbClr val="212121"/>
+                </a:solidFill>
+                <a:latin typeface="Arial Unicode MS" panose="020B0604020202020204" pitchFamily="50" charset="-127"/>
+                <a:ea typeface="inherit"/>
+              </a:rPr>
+              <a:t>layers</a:t>
+            </a:r>
+            <a:r>
+              <a:rPr lang="ko-KR" altLang="ko-KR" dirty="0">
+                <a:solidFill>
+                  <a:srgbClr val="212121"/>
+                </a:solidFill>
+                <a:latin typeface="Arial Unicode MS" panose="020B0604020202020204" pitchFamily="50" charset="-127"/>
+                <a:ea typeface="inherit"/>
+              </a:rPr>
+              <a:t> </a:t>
+            </a:r>
+            <a:r>
+              <a:rPr lang="ko-KR" altLang="ko-KR" dirty="0" err="1">
+                <a:solidFill>
+                  <a:srgbClr val="212121"/>
+                </a:solidFill>
+                <a:latin typeface="Arial Unicode MS" panose="020B0604020202020204" pitchFamily="50" charset="-127"/>
+                <a:ea typeface="inherit"/>
+              </a:rPr>
+              <a:t>to</a:t>
+            </a:r>
+            <a:r>
+              <a:rPr lang="ko-KR" altLang="ko-KR" dirty="0">
+                <a:solidFill>
+                  <a:srgbClr val="212121"/>
+                </a:solidFill>
+                <a:latin typeface="Arial Unicode MS" panose="020B0604020202020204" pitchFamily="50" charset="-127"/>
+                <a:ea typeface="inherit"/>
+              </a:rPr>
+              <a:t> 256, 128, and 64, </a:t>
+            </a:r>
+            <a:r>
+              <a:rPr lang="ko-KR" altLang="ko-KR" dirty="0" err="1">
+                <a:solidFill>
+                  <a:srgbClr val="212121"/>
+                </a:solidFill>
+                <a:latin typeface="Arial Unicode MS" panose="020B0604020202020204" pitchFamily="50" charset="-127"/>
+                <a:ea typeface="inherit"/>
+              </a:rPr>
+              <a:t>respectively</a:t>
+            </a:r>
+            <a:r>
+              <a:rPr lang="ko-KR" altLang="ko-KR" dirty="0">
+                <a:solidFill>
+                  <a:srgbClr val="212121"/>
+                </a:solidFill>
+                <a:latin typeface="Arial Unicode MS" panose="020B0604020202020204" pitchFamily="50" charset="-127"/>
+                <a:ea typeface="inherit"/>
+              </a:rPr>
+              <a:t>.</a:t>
+            </a:r>
+            <a:r>
+              <a:rPr lang="ko-KR" altLang="ko-KR" sz="1400" dirty="0"/>
+              <a:t> </a:t>
+            </a:r>
+            <a:endParaRPr lang="ko-KR" altLang="ko-KR" sz="4000" dirty="0">
+              <a:latin typeface="Arial" panose="020B0604020202020204" pitchFamily="34" charset="0"/>
+            </a:endParaRPr>
+          </a:p>
+          <a:p>
+            <a:endParaRPr lang="en-US" altLang="ko-KR" dirty="0"/>
+          </a:p>
+          <a:p>
+            <a:r>
+              <a:rPr lang="ko-KR" altLang="ko-KR" dirty="0" err="1">
+                <a:solidFill>
+                  <a:srgbClr val="212121"/>
+                </a:solidFill>
+                <a:latin typeface="Arial Unicode MS" panose="020B0604020202020204" pitchFamily="50" charset="-127"/>
+                <a:ea typeface="inherit"/>
+              </a:rPr>
+              <a:t>Then</a:t>
+            </a:r>
+            <a:r>
+              <a:rPr lang="ko-KR" altLang="ko-KR" dirty="0">
+                <a:solidFill>
+                  <a:srgbClr val="212121"/>
+                </a:solidFill>
+                <a:latin typeface="Arial Unicode MS" panose="020B0604020202020204" pitchFamily="50" charset="-127"/>
+                <a:ea typeface="inherit"/>
+              </a:rPr>
+              <a:t> </a:t>
+            </a:r>
+            <a:r>
+              <a:rPr lang="ko-KR" altLang="ko-KR" dirty="0" err="1">
+                <a:solidFill>
+                  <a:srgbClr val="212121"/>
+                </a:solidFill>
+                <a:latin typeface="Arial Unicode MS" panose="020B0604020202020204" pitchFamily="50" charset="-127"/>
+                <a:ea typeface="inherit"/>
+              </a:rPr>
+              <a:t>add</a:t>
+            </a:r>
+            <a:r>
+              <a:rPr lang="ko-KR" altLang="ko-KR" dirty="0">
+                <a:solidFill>
+                  <a:srgbClr val="212121"/>
+                </a:solidFill>
+                <a:latin typeface="Arial Unicode MS" panose="020B0604020202020204" pitchFamily="50" charset="-127"/>
+                <a:ea typeface="inherit"/>
+              </a:rPr>
+              <a:t> </a:t>
+            </a:r>
+            <a:r>
+              <a:rPr lang="ko-KR" altLang="ko-KR" dirty="0" err="1">
+                <a:solidFill>
+                  <a:srgbClr val="212121"/>
+                </a:solidFill>
+                <a:latin typeface="Arial Unicode MS" panose="020B0604020202020204" pitchFamily="50" charset="-127"/>
+                <a:ea typeface="inherit"/>
+              </a:rPr>
+              <a:t>a</a:t>
+            </a:r>
+            <a:r>
+              <a:rPr lang="ko-KR" altLang="ko-KR" dirty="0">
+                <a:solidFill>
+                  <a:srgbClr val="212121"/>
+                </a:solidFill>
+                <a:latin typeface="Arial Unicode MS" panose="020B0604020202020204" pitchFamily="50" charset="-127"/>
+                <a:ea typeface="inherit"/>
+              </a:rPr>
+              <a:t> 3x3 </a:t>
+            </a:r>
+            <a:r>
+              <a:rPr lang="ko-KR" altLang="ko-KR" dirty="0" err="1">
+                <a:solidFill>
+                  <a:srgbClr val="212121"/>
+                </a:solidFill>
+                <a:latin typeface="Arial Unicode MS" panose="020B0604020202020204" pitchFamily="50" charset="-127"/>
+                <a:ea typeface="inherit"/>
+              </a:rPr>
+              <a:t>deformable</a:t>
+            </a:r>
+            <a:r>
+              <a:rPr lang="ko-KR" altLang="ko-KR" dirty="0">
+                <a:solidFill>
+                  <a:srgbClr val="212121"/>
+                </a:solidFill>
+                <a:latin typeface="Arial Unicode MS" panose="020B0604020202020204" pitchFamily="50" charset="-127"/>
+                <a:ea typeface="inherit"/>
+              </a:rPr>
+              <a:t> </a:t>
+            </a:r>
+            <a:r>
+              <a:rPr lang="ko-KR" altLang="ko-KR" dirty="0" err="1">
+                <a:solidFill>
+                  <a:srgbClr val="212121"/>
+                </a:solidFill>
+                <a:latin typeface="Arial Unicode MS" panose="020B0604020202020204" pitchFamily="50" charset="-127"/>
+                <a:ea typeface="inherit"/>
+              </a:rPr>
+              <a:t>convolution</a:t>
+            </a:r>
+            <a:r>
+              <a:rPr lang="ko-KR" altLang="ko-KR" dirty="0">
+                <a:solidFill>
+                  <a:srgbClr val="212121"/>
+                </a:solidFill>
+                <a:latin typeface="Arial Unicode MS" panose="020B0604020202020204" pitchFamily="50" charset="-127"/>
+                <a:ea typeface="inherit"/>
+              </a:rPr>
+              <a:t> </a:t>
+            </a:r>
+            <a:r>
+              <a:rPr lang="ko-KR" altLang="ko-KR" dirty="0" err="1">
+                <a:solidFill>
+                  <a:srgbClr val="212121"/>
+                </a:solidFill>
+                <a:latin typeface="Arial Unicode MS" panose="020B0604020202020204" pitchFamily="50" charset="-127"/>
+                <a:ea typeface="inherit"/>
+              </a:rPr>
+              <a:t>layer</a:t>
+            </a:r>
+            <a:r>
+              <a:rPr lang="ko-KR" altLang="ko-KR" dirty="0">
+                <a:solidFill>
+                  <a:srgbClr val="212121"/>
+                </a:solidFill>
+                <a:latin typeface="Arial Unicode MS" panose="020B0604020202020204" pitchFamily="50" charset="-127"/>
+                <a:ea typeface="inherit"/>
+              </a:rPr>
+              <a:t> </a:t>
+            </a:r>
+            <a:r>
+              <a:rPr lang="ko-KR" altLang="ko-KR" dirty="0" err="1">
+                <a:solidFill>
+                  <a:srgbClr val="212121"/>
+                </a:solidFill>
+                <a:latin typeface="Arial Unicode MS" panose="020B0604020202020204" pitchFamily="50" charset="-127"/>
+                <a:ea typeface="inherit"/>
+              </a:rPr>
+              <a:t>before</a:t>
+            </a:r>
+            <a:r>
+              <a:rPr lang="ko-KR" altLang="ko-KR" dirty="0">
+                <a:solidFill>
+                  <a:srgbClr val="212121"/>
+                </a:solidFill>
+                <a:latin typeface="Arial Unicode MS" panose="020B0604020202020204" pitchFamily="50" charset="-127"/>
+                <a:ea typeface="inherit"/>
+              </a:rPr>
+              <a:t> </a:t>
+            </a:r>
+            <a:r>
+              <a:rPr lang="ko-KR" altLang="ko-KR" dirty="0" err="1">
+                <a:solidFill>
+                  <a:srgbClr val="212121"/>
+                </a:solidFill>
+                <a:latin typeface="Arial Unicode MS" panose="020B0604020202020204" pitchFamily="50" charset="-127"/>
+                <a:ea typeface="inherit"/>
+              </a:rPr>
+              <a:t>each</a:t>
+            </a:r>
+            <a:r>
+              <a:rPr lang="ko-KR" altLang="ko-KR" dirty="0">
+                <a:solidFill>
+                  <a:srgbClr val="212121"/>
+                </a:solidFill>
+                <a:latin typeface="Arial Unicode MS" panose="020B0604020202020204" pitchFamily="50" charset="-127"/>
+                <a:ea typeface="inherit"/>
+              </a:rPr>
+              <a:t> </a:t>
+            </a:r>
+            <a:r>
+              <a:rPr lang="ko-KR" altLang="ko-KR" dirty="0" err="1">
+                <a:solidFill>
+                  <a:srgbClr val="212121"/>
+                </a:solidFill>
+                <a:latin typeface="Arial Unicode MS" panose="020B0604020202020204" pitchFamily="50" charset="-127"/>
+                <a:ea typeface="inherit"/>
+              </a:rPr>
+              <a:t>up-convolution</a:t>
+            </a:r>
+            <a:r>
+              <a:rPr lang="ko-KR" altLang="ko-KR" dirty="0">
+                <a:solidFill>
+                  <a:srgbClr val="212121"/>
+                </a:solidFill>
+                <a:latin typeface="Arial Unicode MS" panose="020B0604020202020204" pitchFamily="50" charset="-127"/>
+                <a:ea typeface="inherit"/>
+              </a:rPr>
+              <a:t>. The </a:t>
+            </a:r>
+            <a:r>
+              <a:rPr lang="ko-KR" altLang="ko-KR" dirty="0" err="1">
+                <a:solidFill>
+                  <a:srgbClr val="212121"/>
+                </a:solidFill>
+                <a:latin typeface="Arial Unicode MS" panose="020B0604020202020204" pitchFamily="50" charset="-127"/>
+                <a:ea typeface="inherit"/>
+              </a:rPr>
+              <a:t>up-convolution</a:t>
+            </a:r>
+            <a:r>
+              <a:rPr lang="ko-KR" altLang="ko-KR" dirty="0">
+                <a:solidFill>
+                  <a:srgbClr val="212121"/>
+                </a:solidFill>
+                <a:latin typeface="Arial Unicode MS" panose="020B0604020202020204" pitchFamily="50" charset="-127"/>
+                <a:ea typeface="inherit"/>
+              </a:rPr>
+              <a:t> </a:t>
+            </a:r>
+            <a:r>
+              <a:rPr lang="ko-KR" altLang="ko-KR" dirty="0" err="1">
+                <a:solidFill>
+                  <a:srgbClr val="212121"/>
+                </a:solidFill>
+                <a:latin typeface="Arial Unicode MS" panose="020B0604020202020204" pitchFamily="50" charset="-127"/>
+                <a:ea typeface="inherit"/>
+              </a:rPr>
+              <a:t>kernel</a:t>
+            </a:r>
+            <a:r>
+              <a:rPr lang="ko-KR" altLang="ko-KR" dirty="0">
+                <a:solidFill>
+                  <a:srgbClr val="212121"/>
+                </a:solidFill>
+                <a:latin typeface="Arial Unicode MS" panose="020B0604020202020204" pitchFamily="50" charset="-127"/>
+                <a:ea typeface="inherit"/>
+              </a:rPr>
+              <a:t> </a:t>
+            </a:r>
+            <a:r>
+              <a:rPr lang="ko-KR" altLang="ko-KR" dirty="0" err="1">
+                <a:solidFill>
+                  <a:srgbClr val="212121"/>
+                </a:solidFill>
+                <a:latin typeface="Arial Unicode MS" panose="020B0604020202020204" pitchFamily="50" charset="-127"/>
+                <a:ea typeface="inherit"/>
+              </a:rPr>
+              <a:t>is</a:t>
+            </a:r>
+            <a:r>
+              <a:rPr lang="ko-KR" altLang="ko-KR" dirty="0">
+                <a:solidFill>
+                  <a:srgbClr val="212121"/>
+                </a:solidFill>
+                <a:latin typeface="Arial Unicode MS" panose="020B0604020202020204" pitchFamily="50" charset="-127"/>
+                <a:ea typeface="inherit"/>
+              </a:rPr>
+              <a:t> </a:t>
+            </a:r>
+            <a:r>
+              <a:rPr lang="ko-KR" altLang="ko-KR" dirty="0" err="1">
+                <a:solidFill>
+                  <a:srgbClr val="212121"/>
+                </a:solidFill>
+                <a:latin typeface="Arial Unicode MS" panose="020B0604020202020204" pitchFamily="50" charset="-127"/>
+                <a:ea typeface="inherit"/>
+              </a:rPr>
+              <a:t>initialized</a:t>
+            </a:r>
+            <a:r>
+              <a:rPr lang="ko-KR" altLang="ko-KR" dirty="0">
+                <a:solidFill>
+                  <a:srgbClr val="212121"/>
+                </a:solidFill>
+                <a:latin typeface="Arial Unicode MS" panose="020B0604020202020204" pitchFamily="50" charset="-127"/>
+                <a:ea typeface="inherit"/>
+              </a:rPr>
+              <a:t> </a:t>
+            </a:r>
+            <a:r>
+              <a:rPr lang="ko-KR" altLang="ko-KR" dirty="0" err="1">
+                <a:solidFill>
+                  <a:srgbClr val="212121"/>
+                </a:solidFill>
+                <a:latin typeface="Arial Unicode MS" panose="020B0604020202020204" pitchFamily="50" charset="-127"/>
+                <a:ea typeface="inherit"/>
+              </a:rPr>
+              <a:t>with</a:t>
+            </a:r>
+            <a:r>
+              <a:rPr lang="ko-KR" altLang="ko-KR" dirty="0">
+                <a:solidFill>
+                  <a:srgbClr val="212121"/>
+                </a:solidFill>
+                <a:latin typeface="Arial Unicode MS" panose="020B0604020202020204" pitchFamily="50" charset="-127"/>
+                <a:ea typeface="inherit"/>
+              </a:rPr>
+              <a:t> </a:t>
+            </a:r>
+            <a:r>
+              <a:rPr lang="ko-KR" altLang="ko-KR" dirty="0" err="1">
+                <a:solidFill>
+                  <a:srgbClr val="212121"/>
+                </a:solidFill>
+                <a:latin typeface="Arial Unicode MS" panose="020B0604020202020204" pitchFamily="50" charset="-127"/>
+                <a:ea typeface="inherit"/>
+              </a:rPr>
+              <a:t>linear</a:t>
+            </a:r>
+            <a:r>
+              <a:rPr lang="ko-KR" altLang="ko-KR" dirty="0">
+                <a:solidFill>
+                  <a:srgbClr val="212121"/>
+                </a:solidFill>
+                <a:latin typeface="Arial Unicode MS" panose="020B0604020202020204" pitchFamily="50" charset="-127"/>
+                <a:ea typeface="inherit"/>
+              </a:rPr>
+              <a:t> </a:t>
+            </a:r>
+            <a:r>
+              <a:rPr lang="ko-KR" altLang="ko-KR" dirty="0" err="1">
+                <a:solidFill>
+                  <a:srgbClr val="212121"/>
+                </a:solidFill>
+                <a:latin typeface="Arial Unicode MS" panose="020B0604020202020204" pitchFamily="50" charset="-127"/>
+                <a:ea typeface="inherit"/>
+              </a:rPr>
+              <a:t>interpolation</a:t>
+            </a:r>
+            <a:endParaRPr lang="ko-KR" altLang="en-US" dirty="0"/>
+          </a:p>
+        </p:txBody>
+      </p:sp>
+    </p:spTree>
+    <p:extLst>
+      <p:ext uri="{BB962C8B-B14F-4D97-AF65-F5344CB8AC3E}">
+        <p14:creationId xmlns:p14="http://schemas.microsoft.com/office/powerpoint/2010/main" val="891195085"/>
+      </p:ext>
+    </p:extLst>
+  </p:cSld>
+  <p:clrMapOvr>
+    <a:masterClrMapping/>
+  </p:clrMapOvr>
+</p:sld>
+</file>
+
+<file path=ppt/slides/slide21.xml><?xml version="1.0" encoding="utf-8"?>
+<p:sld xmlns:a="http://schemas.openxmlformats.org/drawingml/2006/main" xmlns:r="http://schemas.openxmlformats.org/officeDocument/2006/relationships" xmlns:p="http://schemas.openxmlformats.org/presentationml/2006/main">
+  <p:cSld>
+    <p:spTree>
+      <p:nvGrpSpPr>
+        <p:cNvPr id="1" name=""/>
+        <p:cNvGrpSpPr/>
+        <p:nvPr/>
+      </p:nvGrpSpPr>
+      <p:grpSpPr>
+        <a:xfrm>
+          <a:off x="0" y="0"/>
+          <a:ext cx="0" cy="0"/>
+          <a:chOff x="0" y="0"/>
+          <a:chExt cx="0" cy="0"/>
+        </a:xfrm>
+      </p:grpSpPr>
+      <p:sp>
+        <p:nvSpPr>
+          <p:cNvPr id="2" name="제목 1">
+            <a:extLst>
+              <a:ext uri="{FF2B5EF4-FFF2-40B4-BE49-F238E27FC236}">
+                <a16:creationId xmlns:a16="http://schemas.microsoft.com/office/drawing/2014/main" id="{7CF9BA33-9196-4FEE-87E7-91701BEAEE6E}"/>
+              </a:ext>
+            </a:extLst>
+          </p:cNvPr>
+          <p:cNvSpPr>
+            <a:spLocks noGrp="1"/>
+          </p:cNvSpPr>
+          <p:nvPr>
+            <p:ph type="title"/>
+          </p:nvPr>
+        </p:nvSpPr>
+        <p:spPr/>
+        <p:txBody>
+          <a:bodyPr/>
+          <a:lstStyle/>
+          <a:p>
+            <a:r>
+              <a:rPr lang="en-US" altLang="ko-KR" b="1" dirty="0"/>
+              <a:t>DLA</a:t>
+            </a:r>
+            <a:endParaRPr lang="ko-KR" altLang="en-US" dirty="0"/>
+          </a:p>
+        </p:txBody>
+      </p:sp>
+      <p:sp>
+        <p:nvSpPr>
+          <p:cNvPr id="3" name="내용 개체 틀 2">
+            <a:extLst>
+              <a:ext uri="{FF2B5EF4-FFF2-40B4-BE49-F238E27FC236}">
+                <a16:creationId xmlns:a16="http://schemas.microsoft.com/office/drawing/2014/main" id="{38C23085-EBB2-482D-941C-91D1BF2A29D5}"/>
+              </a:ext>
+            </a:extLst>
+          </p:cNvPr>
+          <p:cNvSpPr>
+            <a:spLocks noGrp="1"/>
+          </p:cNvSpPr>
+          <p:nvPr>
+            <p:ph idx="1"/>
+          </p:nvPr>
+        </p:nvSpPr>
+        <p:spPr/>
+        <p:txBody>
+          <a:bodyPr/>
+          <a:lstStyle/>
+          <a:p>
+            <a:r>
+              <a:rPr lang="ko-KR" altLang="ko-KR" dirty="0" err="1">
+                <a:solidFill>
+                  <a:srgbClr val="212121"/>
+                </a:solidFill>
+                <a:latin typeface="Arial Unicode MS" panose="020B0604020202020204" pitchFamily="50" charset="-127"/>
+                <a:ea typeface="inherit"/>
+              </a:rPr>
+              <a:t>Deep</a:t>
+            </a:r>
+            <a:r>
+              <a:rPr lang="ko-KR" altLang="ko-KR" dirty="0">
+                <a:solidFill>
+                  <a:srgbClr val="212121"/>
+                </a:solidFill>
+                <a:latin typeface="Arial Unicode MS" panose="020B0604020202020204" pitchFamily="50" charset="-127"/>
+                <a:ea typeface="inherit"/>
+              </a:rPr>
+              <a:t> </a:t>
+            </a:r>
+            <a:r>
+              <a:rPr lang="ko-KR" altLang="ko-KR" dirty="0" err="1">
+                <a:solidFill>
+                  <a:srgbClr val="212121"/>
+                </a:solidFill>
+                <a:latin typeface="Arial Unicode MS" panose="020B0604020202020204" pitchFamily="50" charset="-127"/>
+                <a:ea typeface="inherit"/>
+              </a:rPr>
+              <a:t>Layer</a:t>
+            </a:r>
+            <a:r>
+              <a:rPr lang="ko-KR" altLang="ko-KR" dirty="0">
+                <a:solidFill>
+                  <a:srgbClr val="212121"/>
+                </a:solidFill>
+                <a:latin typeface="Arial Unicode MS" panose="020B0604020202020204" pitchFamily="50" charset="-127"/>
+                <a:ea typeface="inherit"/>
+              </a:rPr>
+              <a:t> </a:t>
+            </a:r>
+            <a:r>
+              <a:rPr lang="ko-KR" altLang="ko-KR" dirty="0" err="1">
+                <a:solidFill>
+                  <a:srgbClr val="212121"/>
+                </a:solidFill>
+                <a:latin typeface="Arial Unicode MS" panose="020B0604020202020204" pitchFamily="50" charset="-127"/>
+                <a:ea typeface="inherit"/>
+              </a:rPr>
+              <a:t>Aggregation</a:t>
+            </a:r>
+            <a:r>
+              <a:rPr lang="ko-KR" altLang="ko-KR" dirty="0">
+                <a:solidFill>
+                  <a:srgbClr val="212121"/>
+                </a:solidFill>
+                <a:latin typeface="Arial Unicode MS" panose="020B0604020202020204" pitchFamily="50" charset="-127"/>
+                <a:ea typeface="inherit"/>
+              </a:rPr>
+              <a:t> (DLA) </a:t>
+            </a:r>
+            <a:r>
+              <a:rPr lang="ko-KR" altLang="ko-KR" dirty="0" err="1">
+                <a:solidFill>
+                  <a:srgbClr val="212121"/>
+                </a:solidFill>
+                <a:latin typeface="Arial Unicode MS" panose="020B0604020202020204" pitchFamily="50" charset="-127"/>
+                <a:ea typeface="inherit"/>
+              </a:rPr>
+              <a:t>is</a:t>
+            </a:r>
+            <a:r>
+              <a:rPr lang="ko-KR" altLang="ko-KR" dirty="0">
+                <a:solidFill>
+                  <a:srgbClr val="212121"/>
+                </a:solidFill>
+                <a:latin typeface="Arial Unicode MS" panose="020B0604020202020204" pitchFamily="50" charset="-127"/>
+                <a:ea typeface="inherit"/>
+              </a:rPr>
+              <a:t> </a:t>
+            </a:r>
+            <a:r>
+              <a:rPr lang="ko-KR" altLang="ko-KR" dirty="0" err="1">
+                <a:solidFill>
+                  <a:srgbClr val="212121"/>
+                </a:solidFill>
+                <a:latin typeface="Arial Unicode MS" panose="020B0604020202020204" pitchFamily="50" charset="-127"/>
+                <a:ea typeface="inherit"/>
+              </a:rPr>
+              <a:t>an</a:t>
+            </a:r>
+            <a:r>
+              <a:rPr lang="ko-KR" altLang="ko-KR" dirty="0">
+                <a:solidFill>
+                  <a:srgbClr val="212121"/>
+                </a:solidFill>
+                <a:latin typeface="Arial Unicode MS" panose="020B0604020202020204" pitchFamily="50" charset="-127"/>
+                <a:ea typeface="inherit"/>
+              </a:rPr>
+              <a:t> </a:t>
+            </a:r>
+            <a:r>
+              <a:rPr lang="ko-KR" altLang="ko-KR" dirty="0" err="1">
+                <a:solidFill>
+                  <a:srgbClr val="212121"/>
+                </a:solidFill>
+                <a:latin typeface="Arial Unicode MS" panose="020B0604020202020204" pitchFamily="50" charset="-127"/>
+                <a:ea typeface="inherit"/>
+              </a:rPr>
+              <a:t>image</a:t>
+            </a:r>
+            <a:r>
+              <a:rPr lang="ko-KR" altLang="ko-KR" dirty="0">
+                <a:solidFill>
+                  <a:srgbClr val="212121"/>
+                </a:solidFill>
+                <a:latin typeface="Arial Unicode MS" panose="020B0604020202020204" pitchFamily="50" charset="-127"/>
+                <a:ea typeface="inherit"/>
+              </a:rPr>
+              <a:t> </a:t>
+            </a:r>
+            <a:r>
+              <a:rPr lang="ko-KR" altLang="ko-KR" dirty="0" err="1">
+                <a:solidFill>
+                  <a:srgbClr val="212121"/>
+                </a:solidFill>
+                <a:latin typeface="Arial Unicode MS" panose="020B0604020202020204" pitchFamily="50" charset="-127"/>
+                <a:ea typeface="inherit"/>
+              </a:rPr>
+              <a:t>classification</a:t>
+            </a:r>
+            <a:r>
+              <a:rPr lang="ko-KR" altLang="ko-KR" dirty="0">
+                <a:solidFill>
+                  <a:srgbClr val="212121"/>
+                </a:solidFill>
+                <a:latin typeface="Arial Unicode MS" panose="020B0604020202020204" pitchFamily="50" charset="-127"/>
+                <a:ea typeface="inherit"/>
+              </a:rPr>
+              <a:t> </a:t>
+            </a:r>
+            <a:r>
+              <a:rPr lang="ko-KR" altLang="ko-KR" dirty="0" err="1">
+                <a:solidFill>
+                  <a:srgbClr val="212121"/>
+                </a:solidFill>
+                <a:latin typeface="Arial Unicode MS" panose="020B0604020202020204" pitchFamily="50" charset="-127"/>
+                <a:ea typeface="inherit"/>
+              </a:rPr>
+              <a:t>network</a:t>
+            </a:r>
+            <a:r>
+              <a:rPr lang="ko-KR" altLang="ko-KR" dirty="0">
+                <a:solidFill>
+                  <a:srgbClr val="212121"/>
+                </a:solidFill>
+                <a:latin typeface="Arial Unicode MS" panose="020B0604020202020204" pitchFamily="50" charset="-127"/>
+                <a:ea typeface="inherit"/>
+              </a:rPr>
+              <a:t> </a:t>
+            </a:r>
+            <a:r>
+              <a:rPr lang="ko-KR" altLang="ko-KR" dirty="0" err="1">
+                <a:solidFill>
+                  <a:srgbClr val="212121"/>
+                </a:solidFill>
+                <a:latin typeface="Arial Unicode MS" panose="020B0604020202020204" pitchFamily="50" charset="-127"/>
+                <a:ea typeface="inherit"/>
+              </a:rPr>
+              <a:t>that</a:t>
+            </a:r>
+            <a:r>
+              <a:rPr lang="ko-KR" altLang="ko-KR" dirty="0">
+                <a:solidFill>
+                  <a:srgbClr val="212121"/>
+                </a:solidFill>
+                <a:latin typeface="Arial Unicode MS" panose="020B0604020202020204" pitchFamily="50" charset="-127"/>
+                <a:ea typeface="inherit"/>
+              </a:rPr>
+              <a:t> </a:t>
+            </a:r>
+            <a:r>
+              <a:rPr lang="ko-KR" altLang="ko-KR" dirty="0" err="1">
+                <a:solidFill>
+                  <a:srgbClr val="212121"/>
+                </a:solidFill>
+                <a:latin typeface="Arial Unicode MS" panose="020B0604020202020204" pitchFamily="50" charset="-127"/>
+                <a:ea typeface="inherit"/>
+              </a:rPr>
+              <a:t>uses</a:t>
+            </a:r>
+            <a:r>
+              <a:rPr lang="ko-KR" altLang="ko-KR" dirty="0">
+                <a:solidFill>
+                  <a:srgbClr val="212121"/>
+                </a:solidFill>
+                <a:latin typeface="Arial Unicode MS" panose="020B0604020202020204" pitchFamily="50" charset="-127"/>
+                <a:ea typeface="inherit"/>
+              </a:rPr>
+              <a:t> </a:t>
+            </a:r>
+            <a:r>
+              <a:rPr lang="ko-KR" altLang="ko-KR" dirty="0" err="1">
+                <a:solidFill>
+                  <a:srgbClr val="212121"/>
+                </a:solidFill>
+                <a:latin typeface="Arial Unicode MS" panose="020B0604020202020204" pitchFamily="50" charset="-127"/>
+                <a:ea typeface="inherit"/>
+              </a:rPr>
+              <a:t>hierarchical</a:t>
+            </a:r>
+            <a:r>
+              <a:rPr lang="ko-KR" altLang="ko-KR" dirty="0">
+                <a:solidFill>
+                  <a:srgbClr val="212121"/>
+                </a:solidFill>
+                <a:latin typeface="Arial Unicode MS" panose="020B0604020202020204" pitchFamily="50" charset="-127"/>
+                <a:ea typeface="inherit"/>
+              </a:rPr>
+              <a:t> </a:t>
+            </a:r>
+            <a:r>
+              <a:rPr lang="ko-KR" altLang="ko-KR" dirty="0" err="1">
+                <a:solidFill>
+                  <a:srgbClr val="212121"/>
+                </a:solidFill>
+                <a:latin typeface="Arial Unicode MS" panose="020B0604020202020204" pitchFamily="50" charset="-127"/>
+                <a:ea typeface="inherit"/>
+              </a:rPr>
+              <a:t>skip</a:t>
+            </a:r>
+            <a:r>
+              <a:rPr lang="ko-KR" altLang="ko-KR" dirty="0">
+                <a:solidFill>
+                  <a:srgbClr val="212121"/>
+                </a:solidFill>
+                <a:latin typeface="Arial Unicode MS" panose="020B0604020202020204" pitchFamily="50" charset="-127"/>
+                <a:ea typeface="inherit"/>
+              </a:rPr>
+              <a:t> </a:t>
+            </a:r>
+            <a:r>
+              <a:rPr lang="ko-KR" altLang="ko-KR" dirty="0" err="1">
+                <a:solidFill>
+                  <a:srgbClr val="212121"/>
+                </a:solidFill>
+                <a:latin typeface="Arial Unicode MS" panose="020B0604020202020204" pitchFamily="50" charset="-127"/>
+                <a:ea typeface="inherit"/>
+              </a:rPr>
+              <a:t>connections</a:t>
+            </a:r>
+            <a:r>
+              <a:rPr lang="ko-KR" altLang="ko-KR" dirty="0">
+                <a:solidFill>
+                  <a:srgbClr val="212121"/>
+                </a:solidFill>
+                <a:latin typeface="Arial Unicode MS" panose="020B0604020202020204" pitchFamily="50" charset="-127"/>
+                <a:ea typeface="inherit"/>
+              </a:rPr>
+              <a:t>.</a:t>
+            </a:r>
+            <a:r>
+              <a:rPr lang="ko-KR" altLang="ko-KR" sz="1400" dirty="0"/>
+              <a:t> </a:t>
+            </a:r>
+            <a:endParaRPr lang="ko-KR" altLang="ko-KR" sz="4000" dirty="0">
+              <a:latin typeface="Arial" panose="020B0604020202020204" pitchFamily="34" charset="0"/>
+            </a:endParaRPr>
+          </a:p>
+          <a:p>
+            <a:r>
+              <a:rPr lang="ko-KR" altLang="ko-KR" dirty="0" err="1">
+                <a:solidFill>
+                  <a:srgbClr val="212121"/>
+                </a:solidFill>
+                <a:latin typeface="Arial Unicode MS" panose="020B0604020202020204" pitchFamily="50" charset="-127"/>
+                <a:ea typeface="inherit"/>
+              </a:rPr>
+              <a:t>We</a:t>
+            </a:r>
+            <a:r>
+              <a:rPr lang="ko-KR" altLang="ko-KR" dirty="0">
+                <a:solidFill>
+                  <a:srgbClr val="212121"/>
+                </a:solidFill>
+                <a:latin typeface="Arial Unicode MS" panose="020B0604020202020204" pitchFamily="50" charset="-127"/>
+                <a:ea typeface="inherit"/>
+              </a:rPr>
+              <a:t> </a:t>
+            </a:r>
+            <a:r>
+              <a:rPr lang="ko-KR" altLang="ko-KR" dirty="0" err="1">
+                <a:solidFill>
+                  <a:srgbClr val="212121"/>
+                </a:solidFill>
+                <a:latin typeface="Arial Unicode MS" panose="020B0604020202020204" pitchFamily="50" charset="-127"/>
+                <a:ea typeface="inherit"/>
+              </a:rPr>
+              <a:t>use</a:t>
+            </a:r>
+            <a:r>
+              <a:rPr lang="ko-KR" altLang="ko-KR" dirty="0">
+                <a:solidFill>
+                  <a:srgbClr val="212121"/>
+                </a:solidFill>
+                <a:latin typeface="Arial Unicode MS" panose="020B0604020202020204" pitchFamily="50" charset="-127"/>
+                <a:ea typeface="inherit"/>
+              </a:rPr>
+              <a:t> </a:t>
+            </a:r>
+            <a:r>
+              <a:rPr lang="ko-KR" altLang="ko-KR" dirty="0" err="1">
+                <a:solidFill>
+                  <a:srgbClr val="212121"/>
+                </a:solidFill>
+                <a:latin typeface="Arial Unicode MS" panose="020B0604020202020204" pitchFamily="50" charset="-127"/>
+                <a:ea typeface="inherit"/>
+              </a:rPr>
+              <a:t>a</a:t>
+            </a:r>
+            <a:r>
+              <a:rPr lang="ko-KR" altLang="ko-KR" dirty="0">
+                <a:solidFill>
+                  <a:srgbClr val="212121"/>
+                </a:solidFill>
+                <a:latin typeface="Arial Unicode MS" panose="020B0604020202020204" pitchFamily="50" charset="-127"/>
+                <a:ea typeface="inherit"/>
+              </a:rPr>
+              <a:t> </a:t>
+            </a:r>
+            <a:r>
+              <a:rPr lang="ko-KR" altLang="ko-KR" dirty="0" err="1">
+                <a:solidFill>
+                  <a:srgbClr val="212121"/>
+                </a:solidFill>
+                <a:latin typeface="Arial Unicode MS" panose="020B0604020202020204" pitchFamily="50" charset="-127"/>
+                <a:ea typeface="inherit"/>
+              </a:rPr>
+              <a:t>fully</a:t>
+            </a:r>
+            <a:r>
+              <a:rPr lang="ko-KR" altLang="ko-KR" dirty="0">
+                <a:solidFill>
+                  <a:srgbClr val="212121"/>
+                </a:solidFill>
+                <a:latin typeface="Arial Unicode MS" panose="020B0604020202020204" pitchFamily="50" charset="-127"/>
+                <a:ea typeface="inherit"/>
+              </a:rPr>
+              <a:t> </a:t>
+            </a:r>
+            <a:r>
+              <a:rPr lang="ko-KR" altLang="ko-KR" dirty="0" err="1">
+                <a:solidFill>
+                  <a:srgbClr val="212121"/>
+                </a:solidFill>
+                <a:latin typeface="Arial Unicode MS" panose="020B0604020202020204" pitchFamily="50" charset="-127"/>
+                <a:ea typeface="inherit"/>
+              </a:rPr>
+              <a:t>convolution</a:t>
+            </a:r>
+            <a:r>
+              <a:rPr lang="ko-KR" altLang="ko-KR" dirty="0">
+                <a:solidFill>
+                  <a:srgbClr val="212121"/>
+                </a:solidFill>
+                <a:latin typeface="Arial Unicode MS" panose="020B0604020202020204" pitchFamily="50" charset="-127"/>
+                <a:ea typeface="inherit"/>
+              </a:rPr>
+              <a:t> </a:t>
+            </a:r>
+            <a:r>
+              <a:rPr lang="ko-KR" altLang="ko-KR" dirty="0" err="1">
+                <a:solidFill>
+                  <a:srgbClr val="212121"/>
+                </a:solidFill>
+                <a:latin typeface="Arial Unicode MS" panose="020B0604020202020204" pitchFamily="50" charset="-127"/>
+                <a:ea typeface="inherit"/>
+              </a:rPr>
+              <a:t>upsampling</a:t>
+            </a:r>
+            <a:r>
+              <a:rPr lang="ko-KR" altLang="ko-KR" dirty="0">
+                <a:solidFill>
+                  <a:srgbClr val="212121"/>
+                </a:solidFill>
+                <a:latin typeface="Arial Unicode MS" panose="020B0604020202020204" pitchFamily="50" charset="-127"/>
+                <a:ea typeface="inherit"/>
+              </a:rPr>
+              <a:t> </a:t>
+            </a:r>
+            <a:r>
+              <a:rPr lang="ko-KR" altLang="ko-KR" dirty="0" err="1">
+                <a:solidFill>
+                  <a:srgbClr val="212121"/>
+                </a:solidFill>
+                <a:latin typeface="Arial Unicode MS" panose="020B0604020202020204" pitchFamily="50" charset="-127"/>
+                <a:ea typeface="inherit"/>
+              </a:rPr>
+              <a:t>version</a:t>
+            </a:r>
+            <a:r>
+              <a:rPr lang="ko-KR" altLang="ko-KR" dirty="0">
+                <a:solidFill>
+                  <a:srgbClr val="212121"/>
+                </a:solidFill>
+                <a:latin typeface="Arial Unicode MS" panose="020B0604020202020204" pitchFamily="50" charset="-127"/>
+                <a:ea typeface="inherit"/>
+              </a:rPr>
+              <a:t> of DLA </a:t>
+            </a:r>
+            <a:r>
+              <a:rPr lang="ko-KR" altLang="ko-KR" dirty="0" err="1">
+                <a:solidFill>
+                  <a:srgbClr val="212121"/>
+                </a:solidFill>
+                <a:latin typeface="Arial Unicode MS" panose="020B0604020202020204" pitchFamily="50" charset="-127"/>
+                <a:ea typeface="inherit"/>
+              </a:rPr>
+              <a:t>for</a:t>
+            </a:r>
+            <a:r>
+              <a:rPr lang="ko-KR" altLang="ko-KR" dirty="0">
+                <a:solidFill>
+                  <a:srgbClr val="212121"/>
+                </a:solidFill>
+                <a:latin typeface="Arial Unicode MS" panose="020B0604020202020204" pitchFamily="50" charset="-127"/>
+                <a:ea typeface="inherit"/>
+              </a:rPr>
+              <a:t> </a:t>
+            </a:r>
+            <a:r>
+              <a:rPr lang="ko-KR" altLang="ko-KR" dirty="0" err="1">
+                <a:solidFill>
+                  <a:srgbClr val="212121"/>
+                </a:solidFill>
+                <a:latin typeface="Arial Unicode MS" panose="020B0604020202020204" pitchFamily="50" charset="-127"/>
+                <a:ea typeface="inherit"/>
+              </a:rPr>
+              <a:t>density</a:t>
+            </a:r>
+            <a:r>
+              <a:rPr lang="ko-KR" altLang="ko-KR" dirty="0">
+                <a:solidFill>
+                  <a:srgbClr val="212121"/>
+                </a:solidFill>
+                <a:latin typeface="Arial Unicode MS" panose="020B0604020202020204" pitchFamily="50" charset="-127"/>
+                <a:ea typeface="inherit"/>
+              </a:rPr>
+              <a:t> </a:t>
+            </a:r>
+            <a:r>
+              <a:rPr lang="ko-KR" altLang="ko-KR" dirty="0" err="1">
+                <a:solidFill>
+                  <a:srgbClr val="212121"/>
+                </a:solidFill>
+                <a:latin typeface="Arial Unicode MS" panose="020B0604020202020204" pitchFamily="50" charset="-127"/>
+                <a:ea typeface="inherit"/>
+              </a:rPr>
+              <a:t>prediction</a:t>
+            </a:r>
+            <a:r>
+              <a:rPr lang="ko-KR" altLang="ko-KR" dirty="0">
+                <a:solidFill>
+                  <a:srgbClr val="212121"/>
+                </a:solidFill>
+                <a:latin typeface="Arial Unicode MS" panose="020B0604020202020204" pitchFamily="50" charset="-127"/>
+                <a:ea typeface="inherit"/>
+              </a:rPr>
+              <a:t> and </a:t>
+            </a:r>
+            <a:r>
+              <a:rPr lang="ko-KR" altLang="ko-KR" dirty="0" err="1">
+                <a:solidFill>
+                  <a:srgbClr val="212121"/>
+                </a:solidFill>
+                <a:latin typeface="Arial Unicode MS" panose="020B0604020202020204" pitchFamily="50" charset="-127"/>
+                <a:ea typeface="inherit"/>
+              </a:rPr>
+              <a:t>use</a:t>
+            </a:r>
+            <a:r>
+              <a:rPr lang="ko-KR" altLang="ko-KR" dirty="0">
+                <a:solidFill>
+                  <a:srgbClr val="212121"/>
+                </a:solidFill>
+                <a:latin typeface="Arial Unicode MS" panose="020B0604020202020204" pitchFamily="50" charset="-127"/>
+                <a:ea typeface="inherit"/>
+              </a:rPr>
+              <a:t> </a:t>
+            </a:r>
+            <a:r>
+              <a:rPr lang="ko-KR" altLang="ko-KR" dirty="0" err="1">
+                <a:solidFill>
+                  <a:srgbClr val="212121"/>
+                </a:solidFill>
+                <a:latin typeface="Arial Unicode MS" panose="020B0604020202020204" pitchFamily="50" charset="-127"/>
+                <a:ea typeface="inherit"/>
+              </a:rPr>
+              <a:t>deep</a:t>
+            </a:r>
+            <a:r>
+              <a:rPr lang="ko-KR" altLang="ko-KR" dirty="0">
+                <a:solidFill>
+                  <a:srgbClr val="212121"/>
+                </a:solidFill>
+                <a:latin typeface="Arial Unicode MS" panose="020B0604020202020204" pitchFamily="50" charset="-127"/>
+                <a:ea typeface="inherit"/>
+              </a:rPr>
+              <a:t> </a:t>
+            </a:r>
+            <a:r>
+              <a:rPr lang="ko-KR" altLang="ko-KR" dirty="0" err="1">
+                <a:solidFill>
+                  <a:srgbClr val="212121"/>
+                </a:solidFill>
+                <a:latin typeface="Arial Unicode MS" panose="020B0604020202020204" pitchFamily="50" charset="-127"/>
+                <a:ea typeface="inherit"/>
+              </a:rPr>
+              <a:t>aggregation</a:t>
+            </a:r>
+            <a:r>
+              <a:rPr lang="ko-KR" altLang="ko-KR" dirty="0">
+                <a:solidFill>
+                  <a:srgbClr val="212121"/>
+                </a:solidFill>
+                <a:latin typeface="Arial Unicode MS" panose="020B0604020202020204" pitchFamily="50" charset="-127"/>
+                <a:ea typeface="inherit"/>
+              </a:rPr>
+              <a:t> </a:t>
+            </a:r>
+            <a:r>
+              <a:rPr lang="ko-KR" altLang="ko-KR" dirty="0" err="1">
+                <a:solidFill>
+                  <a:srgbClr val="212121"/>
+                </a:solidFill>
+                <a:latin typeface="Arial Unicode MS" panose="020B0604020202020204" pitchFamily="50" charset="-127"/>
+                <a:ea typeface="inherit"/>
+              </a:rPr>
+              <a:t>repeatedly</a:t>
+            </a:r>
+            <a:r>
+              <a:rPr lang="ko-KR" altLang="ko-KR" dirty="0">
+                <a:solidFill>
+                  <a:srgbClr val="212121"/>
+                </a:solidFill>
+                <a:latin typeface="Arial Unicode MS" panose="020B0604020202020204" pitchFamily="50" charset="-127"/>
+                <a:ea typeface="inherit"/>
+              </a:rPr>
+              <a:t> </a:t>
+            </a:r>
+            <a:r>
+              <a:rPr lang="ko-KR" altLang="ko-KR" dirty="0" err="1">
+                <a:solidFill>
+                  <a:srgbClr val="212121"/>
+                </a:solidFill>
+                <a:latin typeface="Arial Unicode MS" panose="020B0604020202020204" pitchFamily="50" charset="-127"/>
+                <a:ea typeface="inherit"/>
+              </a:rPr>
+              <a:t>to</a:t>
+            </a:r>
+            <a:r>
+              <a:rPr lang="ko-KR" altLang="ko-KR" dirty="0">
+                <a:solidFill>
+                  <a:srgbClr val="212121"/>
+                </a:solidFill>
+                <a:latin typeface="Arial Unicode MS" panose="020B0604020202020204" pitchFamily="50" charset="-127"/>
+                <a:ea typeface="inherit"/>
+              </a:rPr>
+              <a:t> </a:t>
+            </a:r>
+            <a:r>
+              <a:rPr lang="ko-KR" altLang="ko-KR" dirty="0" err="1">
+                <a:solidFill>
+                  <a:srgbClr val="212121"/>
+                </a:solidFill>
+                <a:latin typeface="Arial Unicode MS" panose="020B0604020202020204" pitchFamily="50" charset="-127"/>
+                <a:ea typeface="inherit"/>
+              </a:rPr>
+              <a:t>increase</a:t>
+            </a:r>
+            <a:r>
+              <a:rPr lang="ko-KR" altLang="ko-KR" dirty="0">
+                <a:solidFill>
+                  <a:srgbClr val="212121"/>
+                </a:solidFill>
+                <a:latin typeface="Arial Unicode MS" panose="020B0604020202020204" pitchFamily="50" charset="-127"/>
+                <a:ea typeface="inherit"/>
+              </a:rPr>
+              <a:t> </a:t>
+            </a:r>
+            <a:r>
+              <a:rPr lang="ko-KR" altLang="ko-KR" dirty="0" err="1">
+                <a:solidFill>
+                  <a:srgbClr val="212121"/>
+                </a:solidFill>
+                <a:latin typeface="Arial Unicode MS" panose="020B0604020202020204" pitchFamily="50" charset="-127"/>
+                <a:ea typeface="inherit"/>
+              </a:rPr>
+              <a:t>the</a:t>
+            </a:r>
+            <a:r>
+              <a:rPr lang="ko-KR" altLang="ko-KR" dirty="0">
+                <a:solidFill>
+                  <a:srgbClr val="212121"/>
+                </a:solidFill>
+                <a:latin typeface="Arial Unicode MS" panose="020B0604020202020204" pitchFamily="50" charset="-127"/>
+                <a:ea typeface="inherit"/>
+              </a:rPr>
+              <a:t> </a:t>
+            </a:r>
+            <a:r>
+              <a:rPr lang="ko-KR" altLang="ko-KR" dirty="0" err="1">
+                <a:solidFill>
+                  <a:srgbClr val="212121"/>
+                </a:solidFill>
+                <a:latin typeface="Arial Unicode MS" panose="020B0604020202020204" pitchFamily="50" charset="-127"/>
+                <a:ea typeface="inherit"/>
+              </a:rPr>
+              <a:t>resolution</a:t>
+            </a:r>
+            <a:r>
+              <a:rPr lang="ko-KR" altLang="ko-KR" dirty="0">
+                <a:solidFill>
+                  <a:srgbClr val="212121"/>
+                </a:solidFill>
+                <a:latin typeface="Arial Unicode MS" panose="020B0604020202020204" pitchFamily="50" charset="-127"/>
+                <a:ea typeface="inherit"/>
+              </a:rPr>
+              <a:t> of </a:t>
+            </a:r>
+            <a:r>
+              <a:rPr lang="ko-KR" altLang="ko-KR" dirty="0" err="1">
+                <a:solidFill>
+                  <a:srgbClr val="212121"/>
+                </a:solidFill>
+                <a:latin typeface="Arial Unicode MS" panose="020B0604020202020204" pitchFamily="50" charset="-127"/>
+                <a:ea typeface="inherit"/>
+              </a:rPr>
+              <a:t>the</a:t>
+            </a:r>
+            <a:r>
+              <a:rPr lang="ko-KR" altLang="ko-KR" dirty="0">
+                <a:solidFill>
+                  <a:srgbClr val="212121"/>
+                </a:solidFill>
+                <a:latin typeface="Arial Unicode MS" panose="020B0604020202020204" pitchFamily="50" charset="-127"/>
+                <a:ea typeface="inherit"/>
+              </a:rPr>
+              <a:t> </a:t>
+            </a:r>
+            <a:r>
+              <a:rPr lang="ko-KR" altLang="ko-KR" dirty="0" err="1">
+                <a:solidFill>
+                  <a:srgbClr val="212121"/>
+                </a:solidFill>
+                <a:latin typeface="Arial Unicode MS" panose="020B0604020202020204" pitchFamily="50" charset="-127"/>
+                <a:ea typeface="inherit"/>
+              </a:rPr>
+              <a:t>feature</a:t>
+            </a:r>
+            <a:r>
+              <a:rPr lang="ko-KR" altLang="ko-KR" dirty="0">
+                <a:solidFill>
+                  <a:srgbClr val="212121"/>
+                </a:solidFill>
+                <a:latin typeface="Arial Unicode MS" panose="020B0604020202020204" pitchFamily="50" charset="-127"/>
+                <a:ea typeface="inherit"/>
+              </a:rPr>
+              <a:t> </a:t>
+            </a:r>
+            <a:r>
+              <a:rPr lang="ko-KR" altLang="ko-KR" dirty="0" err="1">
+                <a:solidFill>
+                  <a:srgbClr val="212121"/>
+                </a:solidFill>
+                <a:latin typeface="Arial Unicode MS" panose="020B0604020202020204" pitchFamily="50" charset="-127"/>
+                <a:ea typeface="inherit"/>
+              </a:rPr>
+              <a:t>map</a:t>
+            </a:r>
+            <a:endParaRPr lang="en-US" altLang="ko-KR" dirty="0">
+              <a:solidFill>
+                <a:srgbClr val="212121"/>
+              </a:solidFill>
+              <a:latin typeface="Arial Unicode MS" panose="020B0604020202020204" pitchFamily="50" charset="-127"/>
+            </a:endParaRPr>
+          </a:p>
+          <a:p>
+            <a:r>
+              <a:rPr lang="ko-KR" altLang="ko-KR" dirty="0" err="1">
+                <a:solidFill>
+                  <a:srgbClr val="212121"/>
+                </a:solidFill>
+                <a:latin typeface="Arial Unicode MS" panose="020B0604020202020204" pitchFamily="50" charset="-127"/>
+                <a:ea typeface="inherit"/>
+              </a:rPr>
+              <a:t>Use</a:t>
+            </a:r>
+            <a:r>
+              <a:rPr lang="ko-KR" altLang="ko-KR" dirty="0">
+                <a:solidFill>
+                  <a:srgbClr val="212121"/>
+                </a:solidFill>
+                <a:latin typeface="Arial Unicode MS" panose="020B0604020202020204" pitchFamily="50" charset="-127"/>
+                <a:ea typeface="inherit"/>
+              </a:rPr>
+              <a:t> </a:t>
+            </a:r>
+            <a:r>
+              <a:rPr lang="ko-KR" altLang="ko-KR" dirty="0" err="1">
+                <a:solidFill>
+                  <a:srgbClr val="212121"/>
+                </a:solidFill>
+                <a:latin typeface="Arial Unicode MS" panose="020B0604020202020204" pitchFamily="50" charset="-127"/>
+                <a:ea typeface="inherit"/>
+              </a:rPr>
+              <a:t>a</a:t>
+            </a:r>
+            <a:r>
+              <a:rPr lang="ko-KR" altLang="ko-KR" dirty="0">
+                <a:solidFill>
+                  <a:srgbClr val="212121"/>
+                </a:solidFill>
+                <a:latin typeface="Arial Unicode MS" panose="020B0604020202020204" pitchFamily="50" charset="-127"/>
+                <a:ea typeface="inherit"/>
+              </a:rPr>
+              <a:t> </a:t>
+            </a:r>
+            <a:r>
+              <a:rPr lang="ko-KR" altLang="ko-KR" dirty="0" err="1">
+                <a:solidFill>
+                  <a:srgbClr val="212121"/>
+                </a:solidFill>
+                <a:latin typeface="Arial Unicode MS" panose="020B0604020202020204" pitchFamily="50" charset="-127"/>
+                <a:ea typeface="inherit"/>
+              </a:rPr>
+              <a:t>deformable</a:t>
+            </a:r>
+            <a:r>
+              <a:rPr lang="ko-KR" altLang="ko-KR" dirty="0">
+                <a:solidFill>
+                  <a:srgbClr val="212121"/>
+                </a:solidFill>
+                <a:latin typeface="Arial Unicode MS" panose="020B0604020202020204" pitchFamily="50" charset="-127"/>
+                <a:ea typeface="inherit"/>
+              </a:rPr>
+              <a:t> </a:t>
+            </a:r>
+            <a:r>
+              <a:rPr lang="ko-KR" altLang="ko-KR" dirty="0" err="1">
+                <a:solidFill>
+                  <a:srgbClr val="212121"/>
+                </a:solidFill>
+                <a:latin typeface="Arial Unicode MS" panose="020B0604020202020204" pitchFamily="50" charset="-127"/>
+                <a:ea typeface="inherit"/>
+              </a:rPr>
+              <a:t>convolution</a:t>
+            </a:r>
+            <a:r>
+              <a:rPr lang="ko-KR" altLang="ko-KR" dirty="0">
+                <a:solidFill>
+                  <a:srgbClr val="212121"/>
+                </a:solidFill>
+                <a:latin typeface="Arial Unicode MS" panose="020B0604020202020204" pitchFamily="50" charset="-127"/>
+                <a:ea typeface="inherit"/>
+              </a:rPr>
+              <a:t> </a:t>
+            </a:r>
+            <a:r>
+              <a:rPr lang="ko-KR" altLang="ko-KR" dirty="0" err="1">
+                <a:solidFill>
+                  <a:srgbClr val="212121"/>
+                </a:solidFill>
+                <a:latin typeface="Arial Unicode MS" panose="020B0604020202020204" pitchFamily="50" charset="-127"/>
+                <a:ea typeface="inherit"/>
+              </a:rPr>
+              <a:t>layer</a:t>
+            </a:r>
+            <a:r>
+              <a:rPr lang="ko-KR" altLang="ko-KR" dirty="0">
+                <a:solidFill>
+                  <a:srgbClr val="212121"/>
+                </a:solidFill>
+                <a:latin typeface="Arial Unicode MS" panose="020B0604020202020204" pitchFamily="50" charset="-127"/>
+                <a:ea typeface="inherit"/>
+              </a:rPr>
+              <a:t> </a:t>
+            </a:r>
+            <a:r>
+              <a:rPr lang="ko-KR" altLang="ko-KR" dirty="0" err="1">
+                <a:solidFill>
+                  <a:srgbClr val="212121"/>
+                </a:solidFill>
+                <a:latin typeface="Arial Unicode MS" panose="020B0604020202020204" pitchFamily="50" charset="-127"/>
+                <a:ea typeface="inherit"/>
+              </a:rPr>
+              <a:t>from</a:t>
+            </a:r>
+            <a:r>
+              <a:rPr lang="ko-KR" altLang="ko-KR" dirty="0">
+                <a:solidFill>
+                  <a:srgbClr val="212121"/>
+                </a:solidFill>
+                <a:latin typeface="Arial Unicode MS" panose="020B0604020202020204" pitchFamily="50" charset="-127"/>
+                <a:ea typeface="inherit"/>
+              </a:rPr>
+              <a:t> </a:t>
+            </a:r>
+            <a:r>
+              <a:rPr lang="ko-KR" altLang="ko-KR" dirty="0" err="1">
+                <a:solidFill>
+                  <a:srgbClr val="212121"/>
+                </a:solidFill>
+                <a:latin typeface="Arial Unicode MS" panose="020B0604020202020204" pitchFamily="50" charset="-127"/>
+                <a:ea typeface="inherit"/>
+              </a:rPr>
+              <a:t>low</a:t>
+            </a:r>
+            <a:r>
+              <a:rPr lang="ko-KR" altLang="ko-KR" dirty="0">
+                <a:solidFill>
+                  <a:srgbClr val="212121"/>
+                </a:solidFill>
+                <a:latin typeface="Arial Unicode MS" panose="020B0604020202020204" pitchFamily="50" charset="-127"/>
+                <a:ea typeface="inherit"/>
+              </a:rPr>
+              <a:t> </a:t>
+            </a:r>
+            <a:r>
+              <a:rPr lang="ko-KR" altLang="ko-KR" dirty="0" err="1">
+                <a:solidFill>
+                  <a:srgbClr val="212121"/>
+                </a:solidFill>
+                <a:latin typeface="Arial Unicode MS" panose="020B0604020202020204" pitchFamily="50" charset="-127"/>
+                <a:ea typeface="inherit"/>
+              </a:rPr>
+              <a:t>layer</a:t>
+            </a:r>
+            <a:r>
+              <a:rPr lang="ko-KR" altLang="ko-KR" dirty="0">
+                <a:solidFill>
+                  <a:srgbClr val="212121"/>
+                </a:solidFill>
+                <a:latin typeface="Arial Unicode MS" panose="020B0604020202020204" pitchFamily="50" charset="-127"/>
+                <a:ea typeface="inherit"/>
+              </a:rPr>
+              <a:t> </a:t>
+            </a:r>
+            <a:r>
+              <a:rPr lang="ko-KR" altLang="ko-KR" dirty="0" err="1">
+                <a:solidFill>
+                  <a:srgbClr val="212121"/>
+                </a:solidFill>
+                <a:latin typeface="Arial Unicode MS" panose="020B0604020202020204" pitchFamily="50" charset="-127"/>
+                <a:ea typeface="inherit"/>
+              </a:rPr>
+              <a:t>to</a:t>
+            </a:r>
+            <a:r>
+              <a:rPr lang="ko-KR" altLang="ko-KR" dirty="0">
+                <a:solidFill>
+                  <a:srgbClr val="212121"/>
+                </a:solidFill>
+                <a:latin typeface="Arial Unicode MS" panose="020B0604020202020204" pitchFamily="50" charset="-127"/>
+                <a:ea typeface="inherit"/>
+              </a:rPr>
+              <a:t> </a:t>
+            </a:r>
+            <a:r>
+              <a:rPr lang="ko-KR" altLang="ko-KR" dirty="0" err="1">
+                <a:solidFill>
+                  <a:srgbClr val="212121"/>
+                </a:solidFill>
+                <a:latin typeface="Arial Unicode MS" panose="020B0604020202020204" pitchFamily="50" charset="-127"/>
+                <a:ea typeface="inherit"/>
+              </a:rPr>
+              <a:t>output</a:t>
+            </a:r>
+            <a:r>
+              <a:rPr lang="ko-KR" altLang="ko-KR" dirty="0">
+                <a:solidFill>
+                  <a:srgbClr val="212121"/>
+                </a:solidFill>
+                <a:latin typeface="Arial Unicode MS" panose="020B0604020202020204" pitchFamily="50" charset="-127"/>
+                <a:ea typeface="inherit"/>
+              </a:rPr>
+              <a:t> </a:t>
+            </a:r>
+            <a:r>
+              <a:rPr lang="ko-KR" altLang="ko-KR" dirty="0" err="1">
+                <a:solidFill>
+                  <a:srgbClr val="212121"/>
+                </a:solidFill>
+                <a:latin typeface="Arial Unicode MS" panose="020B0604020202020204" pitchFamily="50" charset="-127"/>
+                <a:ea typeface="inherit"/>
+              </a:rPr>
+              <a:t>to</a:t>
+            </a:r>
+            <a:r>
+              <a:rPr lang="ko-KR" altLang="ko-KR" dirty="0">
+                <a:solidFill>
+                  <a:srgbClr val="212121"/>
+                </a:solidFill>
+                <a:latin typeface="Arial Unicode MS" panose="020B0604020202020204" pitchFamily="50" charset="-127"/>
+                <a:ea typeface="inherit"/>
+              </a:rPr>
+              <a:t> </a:t>
+            </a:r>
+            <a:r>
+              <a:rPr lang="ko-KR" altLang="ko-KR" dirty="0" err="1">
+                <a:solidFill>
+                  <a:srgbClr val="212121"/>
+                </a:solidFill>
+                <a:latin typeface="Arial Unicode MS" panose="020B0604020202020204" pitchFamily="50" charset="-127"/>
+                <a:ea typeface="inherit"/>
+              </a:rPr>
+              <a:t>enhance</a:t>
+            </a:r>
+            <a:r>
+              <a:rPr lang="ko-KR" altLang="ko-KR" dirty="0">
+                <a:solidFill>
+                  <a:srgbClr val="212121"/>
+                </a:solidFill>
+                <a:latin typeface="Arial Unicode MS" panose="020B0604020202020204" pitchFamily="50" charset="-127"/>
+                <a:ea typeface="inherit"/>
+              </a:rPr>
+              <a:t> </a:t>
+            </a:r>
+            <a:r>
+              <a:rPr lang="ko-KR" altLang="ko-KR" dirty="0" err="1">
+                <a:solidFill>
+                  <a:srgbClr val="212121"/>
+                </a:solidFill>
+                <a:latin typeface="Arial Unicode MS" panose="020B0604020202020204" pitchFamily="50" charset="-127"/>
+                <a:ea typeface="inherit"/>
+              </a:rPr>
+              <a:t>skip</a:t>
+            </a:r>
+            <a:r>
+              <a:rPr lang="ko-KR" altLang="ko-KR" dirty="0">
+                <a:solidFill>
+                  <a:srgbClr val="212121"/>
+                </a:solidFill>
+                <a:latin typeface="Arial Unicode MS" panose="020B0604020202020204" pitchFamily="50" charset="-127"/>
+                <a:ea typeface="inherit"/>
+              </a:rPr>
+              <a:t> </a:t>
+            </a:r>
+            <a:r>
+              <a:rPr lang="ko-KR" altLang="ko-KR" dirty="0" err="1">
+                <a:solidFill>
+                  <a:srgbClr val="212121"/>
+                </a:solidFill>
+                <a:latin typeface="Arial Unicode MS" panose="020B0604020202020204" pitchFamily="50" charset="-127"/>
+                <a:ea typeface="inherit"/>
+              </a:rPr>
+              <a:t>connection</a:t>
+            </a:r>
+            <a:r>
+              <a:rPr lang="ko-KR" altLang="ko-KR" dirty="0">
+                <a:solidFill>
+                  <a:srgbClr val="212121"/>
+                </a:solidFill>
+                <a:latin typeface="Arial Unicode MS" panose="020B0604020202020204" pitchFamily="50" charset="-127"/>
+                <a:ea typeface="inherit"/>
+              </a:rPr>
+              <a:t>. </a:t>
+            </a:r>
+            <a:r>
+              <a:rPr lang="ko-KR" altLang="ko-KR" dirty="0" err="1">
+                <a:solidFill>
+                  <a:srgbClr val="212121"/>
+                </a:solidFill>
+                <a:latin typeface="Arial Unicode MS" panose="020B0604020202020204" pitchFamily="50" charset="-127"/>
+                <a:ea typeface="inherit"/>
+              </a:rPr>
+              <a:t>Specifically</a:t>
+            </a:r>
+            <a:r>
+              <a:rPr lang="ko-KR" altLang="ko-KR" dirty="0">
+                <a:solidFill>
+                  <a:srgbClr val="212121"/>
+                </a:solidFill>
+                <a:latin typeface="Arial Unicode MS" panose="020B0604020202020204" pitchFamily="50" charset="-127"/>
+                <a:ea typeface="inherit"/>
+              </a:rPr>
+              <a:t>, </a:t>
+            </a:r>
+            <a:r>
+              <a:rPr lang="ko-KR" altLang="ko-KR" dirty="0" err="1">
+                <a:solidFill>
+                  <a:srgbClr val="212121"/>
+                </a:solidFill>
+                <a:latin typeface="Arial Unicode MS" panose="020B0604020202020204" pitchFamily="50" charset="-127"/>
+                <a:ea typeface="inherit"/>
+              </a:rPr>
+              <a:t>we</a:t>
+            </a:r>
+            <a:r>
+              <a:rPr lang="ko-KR" altLang="ko-KR" dirty="0">
+                <a:solidFill>
+                  <a:srgbClr val="212121"/>
+                </a:solidFill>
+                <a:latin typeface="Arial Unicode MS" panose="020B0604020202020204" pitchFamily="50" charset="-127"/>
+                <a:ea typeface="inherit"/>
+              </a:rPr>
+              <a:t> </a:t>
+            </a:r>
+            <a:r>
+              <a:rPr lang="ko-KR" altLang="ko-KR" dirty="0" err="1">
+                <a:solidFill>
+                  <a:srgbClr val="212121"/>
+                </a:solidFill>
+                <a:latin typeface="Arial Unicode MS" panose="020B0604020202020204" pitchFamily="50" charset="-127"/>
+                <a:ea typeface="inherit"/>
+              </a:rPr>
+              <a:t>change</a:t>
+            </a:r>
+            <a:r>
+              <a:rPr lang="ko-KR" altLang="ko-KR" dirty="0">
+                <a:solidFill>
+                  <a:srgbClr val="212121"/>
+                </a:solidFill>
+                <a:latin typeface="Arial Unicode MS" panose="020B0604020202020204" pitchFamily="50" charset="-127"/>
+                <a:ea typeface="inherit"/>
+              </a:rPr>
+              <a:t> </a:t>
+            </a:r>
+            <a:r>
+              <a:rPr lang="ko-KR" altLang="ko-KR" dirty="0" err="1">
+                <a:solidFill>
+                  <a:srgbClr val="212121"/>
+                </a:solidFill>
+                <a:latin typeface="Arial Unicode MS" panose="020B0604020202020204" pitchFamily="50" charset="-127"/>
+                <a:ea typeface="inherit"/>
+              </a:rPr>
+              <a:t>the</a:t>
+            </a:r>
+            <a:r>
+              <a:rPr lang="ko-KR" altLang="ko-KR" dirty="0">
+                <a:solidFill>
+                  <a:srgbClr val="212121"/>
+                </a:solidFill>
+                <a:latin typeface="Arial Unicode MS" panose="020B0604020202020204" pitchFamily="50" charset="-127"/>
+                <a:ea typeface="inherit"/>
+              </a:rPr>
+              <a:t> </a:t>
+            </a:r>
+            <a:r>
+              <a:rPr lang="ko-KR" altLang="ko-KR" dirty="0" err="1">
+                <a:solidFill>
+                  <a:srgbClr val="212121"/>
+                </a:solidFill>
+                <a:latin typeface="Arial Unicode MS" panose="020B0604020202020204" pitchFamily="50" charset="-127"/>
+                <a:ea typeface="inherit"/>
+              </a:rPr>
+              <a:t>original</a:t>
+            </a:r>
+            <a:r>
+              <a:rPr lang="ko-KR" altLang="ko-KR" dirty="0">
+                <a:solidFill>
+                  <a:srgbClr val="212121"/>
+                </a:solidFill>
+                <a:latin typeface="Arial Unicode MS" panose="020B0604020202020204" pitchFamily="50" charset="-127"/>
+                <a:ea typeface="inherit"/>
+              </a:rPr>
+              <a:t> </a:t>
+            </a:r>
+            <a:r>
+              <a:rPr lang="ko-KR" altLang="ko-KR" dirty="0" err="1">
+                <a:solidFill>
+                  <a:srgbClr val="212121"/>
+                </a:solidFill>
+                <a:latin typeface="Arial Unicode MS" panose="020B0604020202020204" pitchFamily="50" charset="-127"/>
+                <a:ea typeface="inherit"/>
+              </a:rPr>
+              <a:t>convolution</a:t>
+            </a:r>
+            <a:r>
+              <a:rPr lang="ko-KR" altLang="ko-KR" dirty="0">
+                <a:solidFill>
+                  <a:srgbClr val="212121"/>
+                </a:solidFill>
+                <a:latin typeface="Arial Unicode MS" panose="020B0604020202020204" pitchFamily="50" charset="-127"/>
+                <a:ea typeface="inherit"/>
+              </a:rPr>
+              <a:t> </a:t>
+            </a:r>
+            <a:r>
+              <a:rPr lang="ko-KR" altLang="ko-KR" dirty="0" err="1">
+                <a:solidFill>
+                  <a:srgbClr val="212121"/>
+                </a:solidFill>
+                <a:latin typeface="Arial Unicode MS" panose="020B0604020202020204" pitchFamily="50" charset="-127"/>
+                <a:ea typeface="inherit"/>
+              </a:rPr>
+              <a:t>from</a:t>
+            </a:r>
+            <a:r>
+              <a:rPr lang="ko-KR" altLang="ko-KR" dirty="0">
+                <a:solidFill>
+                  <a:srgbClr val="212121"/>
+                </a:solidFill>
+                <a:latin typeface="Arial Unicode MS" panose="020B0604020202020204" pitchFamily="50" charset="-127"/>
+                <a:ea typeface="inherit"/>
+              </a:rPr>
+              <a:t> </a:t>
+            </a:r>
+            <a:r>
+              <a:rPr lang="ko-KR" altLang="ko-KR" dirty="0" err="1">
+                <a:solidFill>
+                  <a:srgbClr val="212121"/>
+                </a:solidFill>
+                <a:latin typeface="Arial Unicode MS" panose="020B0604020202020204" pitchFamily="50" charset="-127"/>
+                <a:ea typeface="inherit"/>
+              </a:rPr>
+              <a:t>all</a:t>
+            </a:r>
+            <a:r>
+              <a:rPr lang="ko-KR" altLang="ko-KR" dirty="0">
+                <a:solidFill>
+                  <a:srgbClr val="212121"/>
+                </a:solidFill>
+                <a:latin typeface="Arial Unicode MS" panose="020B0604020202020204" pitchFamily="50" charset="-127"/>
+                <a:ea typeface="inherit"/>
+              </a:rPr>
+              <a:t> </a:t>
+            </a:r>
+            <a:r>
+              <a:rPr lang="ko-KR" altLang="ko-KR" dirty="0" err="1">
+                <a:solidFill>
+                  <a:srgbClr val="212121"/>
+                </a:solidFill>
+                <a:latin typeface="Arial Unicode MS" panose="020B0604020202020204" pitchFamily="50" charset="-127"/>
+                <a:ea typeface="inherit"/>
+              </a:rPr>
+              <a:t>upsampling</a:t>
+            </a:r>
+            <a:r>
+              <a:rPr lang="ko-KR" altLang="ko-KR" dirty="0">
+                <a:solidFill>
+                  <a:srgbClr val="212121"/>
+                </a:solidFill>
+                <a:latin typeface="Arial Unicode MS" panose="020B0604020202020204" pitchFamily="50" charset="-127"/>
+                <a:ea typeface="inherit"/>
+              </a:rPr>
+              <a:t> </a:t>
+            </a:r>
+            <a:r>
+              <a:rPr lang="ko-KR" altLang="ko-KR" dirty="0" err="1">
+                <a:solidFill>
+                  <a:srgbClr val="212121"/>
+                </a:solidFill>
+                <a:latin typeface="Arial Unicode MS" panose="020B0604020202020204" pitchFamily="50" charset="-127"/>
+                <a:ea typeface="inherit"/>
+              </a:rPr>
+              <a:t>layers</a:t>
+            </a:r>
+            <a:r>
+              <a:rPr lang="ko-KR" altLang="ko-KR" dirty="0">
+                <a:solidFill>
+                  <a:srgbClr val="212121"/>
+                </a:solidFill>
+                <a:latin typeface="Arial Unicode MS" panose="020B0604020202020204" pitchFamily="50" charset="-127"/>
+                <a:ea typeface="inherit"/>
+              </a:rPr>
+              <a:t> </a:t>
+            </a:r>
+            <a:r>
+              <a:rPr lang="ko-KR" altLang="ko-KR" dirty="0" err="1">
+                <a:solidFill>
+                  <a:srgbClr val="212121"/>
+                </a:solidFill>
+                <a:latin typeface="Arial Unicode MS" panose="020B0604020202020204" pitchFamily="50" charset="-127"/>
+                <a:ea typeface="inherit"/>
+              </a:rPr>
+              <a:t>to</a:t>
+            </a:r>
+            <a:r>
+              <a:rPr lang="ko-KR" altLang="ko-KR" dirty="0">
+                <a:solidFill>
+                  <a:srgbClr val="212121"/>
+                </a:solidFill>
+                <a:latin typeface="Arial Unicode MS" panose="020B0604020202020204" pitchFamily="50" charset="-127"/>
+                <a:ea typeface="inherit"/>
+              </a:rPr>
+              <a:t> 3x3 </a:t>
+            </a:r>
+            <a:r>
+              <a:rPr lang="ko-KR" altLang="ko-KR" dirty="0" err="1">
+                <a:solidFill>
+                  <a:srgbClr val="212121"/>
+                </a:solidFill>
+                <a:latin typeface="Arial Unicode MS" panose="020B0604020202020204" pitchFamily="50" charset="-127"/>
+                <a:ea typeface="inherit"/>
+              </a:rPr>
+              <a:t>deformable</a:t>
+            </a:r>
+            <a:r>
+              <a:rPr lang="ko-KR" altLang="ko-KR" dirty="0">
+                <a:solidFill>
+                  <a:srgbClr val="212121"/>
+                </a:solidFill>
+                <a:latin typeface="Arial Unicode MS" panose="020B0604020202020204" pitchFamily="50" charset="-127"/>
+                <a:ea typeface="inherit"/>
+              </a:rPr>
+              <a:t> </a:t>
+            </a:r>
+            <a:r>
+              <a:rPr lang="ko-KR" altLang="ko-KR" dirty="0" err="1">
+                <a:solidFill>
+                  <a:srgbClr val="212121"/>
+                </a:solidFill>
+                <a:latin typeface="Arial Unicode MS" panose="020B0604020202020204" pitchFamily="50" charset="-127"/>
+                <a:ea typeface="inherit"/>
+              </a:rPr>
+              <a:t>convolution</a:t>
+            </a:r>
+            <a:r>
+              <a:rPr lang="ko-KR" altLang="ko-KR" dirty="0">
+                <a:solidFill>
+                  <a:srgbClr val="212121"/>
+                </a:solidFill>
+                <a:latin typeface="Arial Unicode MS" panose="020B0604020202020204" pitchFamily="50" charset="-127"/>
+                <a:ea typeface="inherit"/>
+              </a:rPr>
+              <a:t> </a:t>
+            </a:r>
+            <a:r>
+              <a:rPr lang="ko-KR" altLang="ko-KR" dirty="0" err="1">
+                <a:solidFill>
+                  <a:srgbClr val="212121"/>
+                </a:solidFill>
+                <a:latin typeface="Arial Unicode MS" panose="020B0604020202020204" pitchFamily="50" charset="-127"/>
+                <a:ea typeface="inherit"/>
+              </a:rPr>
+              <a:t>layers</a:t>
+            </a:r>
+            <a:r>
+              <a:rPr lang="ko-KR" altLang="ko-KR" dirty="0">
+                <a:solidFill>
+                  <a:srgbClr val="212121"/>
+                </a:solidFill>
+                <a:latin typeface="Arial Unicode MS" panose="020B0604020202020204" pitchFamily="50" charset="-127"/>
+                <a:ea typeface="inherit"/>
+              </a:rPr>
+              <a:t>.</a:t>
+            </a:r>
+            <a:r>
+              <a:rPr lang="ko-KR" altLang="ko-KR" sz="1400" dirty="0"/>
+              <a:t> </a:t>
+            </a:r>
+            <a:endParaRPr lang="ko-KR" altLang="ko-KR" sz="4000" dirty="0">
+              <a:latin typeface="Arial" panose="020B0604020202020204" pitchFamily="34" charset="0"/>
+            </a:endParaRPr>
+          </a:p>
+          <a:p>
+            <a:endParaRPr lang="ko-KR" altLang="en-US" dirty="0"/>
+          </a:p>
+        </p:txBody>
+      </p:sp>
+      <p:sp>
+        <p:nvSpPr>
+          <p:cNvPr id="8" name="Rectangle 4">
+            <a:extLst>
+              <a:ext uri="{FF2B5EF4-FFF2-40B4-BE49-F238E27FC236}">
+                <a16:creationId xmlns:a16="http://schemas.microsoft.com/office/drawing/2014/main" id="{C318B063-D856-4CE9-AF17-F1F1F1D40784}"/>
+              </a:ext>
+            </a:extLst>
+          </p:cNvPr>
+          <p:cNvSpPr>
+            <a:spLocks noChangeArrowheads="1"/>
+          </p:cNvSpPr>
+          <p:nvPr/>
+        </p:nvSpPr>
+        <p:spPr bwMode="auto">
+          <a:xfrm>
+            <a:off x="0" y="90100"/>
+            <a:ext cx="65" cy="276999"/>
+          </a:xfrm>
+          <a:prstGeom prst="rect">
+            <a:avLst/>
+          </a:prstGeom>
+          <a:solidFill>
+            <a:srgbClr val="FFFFFF"/>
+          </a:solidFill>
+          <a:ln>
+            <a:noFill/>
+          </a:ln>
+          <a:effectLst/>
+          <a:extLst>
+            <a:ext uri="{91240B29-F687-4F45-9708-019B960494DF}">
+              <a14:hiddenLine xmlns:a14="http://schemas.microsoft.com/office/drawing/2010/main" w="9525">
+                <a:solidFill>
+                  <a:schemeClr val="tx1"/>
+                </a:solidFill>
+                <a:miter lim="800000"/>
+                <a:headEnd/>
+                <a:tailEnd/>
+              </a14:hiddenLine>
+            </a:ext>
+            <a:ext uri="{AF507438-7753-43E0-B8FC-AC1667EBCBE1}">
+              <a14:hiddenEffects xmlns:a14="http://schemas.microsoft.com/office/drawing/2010/main">
+                <a:effectLst>
+                  <a:outerShdw dist="35921" dir="2700000" algn="ctr" rotWithShape="0">
+                    <a:schemeClr val="bg2"/>
+                  </a:outerShdw>
+                </a:effectLst>
+              </a14:hiddenEffects>
+            </a:ext>
+          </a:extLst>
+        </p:spPr>
+        <p:txBody>
+          <a:bodyPr vert="horz" wrap="none" lIns="0" tIns="0" rIns="0" bIns="0" numCol="1" anchor="ctr" anchorCtr="0" compatLnSpc="1">
+            <a:prstTxWarp prst="textNoShape">
+              <a:avLst/>
+            </a:prstTxWarp>
+            <a:spAutoFit/>
+          </a:bodyPr>
+          <a:lstStyle/>
+          <a:p>
+            <a:pPr marL="0" marR="0" lvl="0" indent="0" algn="l" defTabSz="914400" rtl="0" eaLnBrk="0" fontAlgn="base" latinLnBrk="0" hangingPunct="0">
+              <a:lnSpc>
+                <a:spcPct val="100000"/>
+              </a:lnSpc>
+              <a:spcBef>
+                <a:spcPct val="0"/>
+              </a:spcBef>
+              <a:spcAft>
+                <a:spcPct val="0"/>
+              </a:spcAft>
+              <a:buClrTx/>
+              <a:buSzTx/>
+              <a:buFontTx/>
+              <a:buNone/>
+              <a:tabLst/>
+            </a:pPr>
+            <a:endParaRPr kumimoji="0" lang="ko-KR" altLang="ko-KR" sz="1800" b="0" i="0" u="none" strike="noStrike" cap="none" normalizeH="0" baseline="0" dirty="0">
+              <a:ln>
+                <a:noFill/>
+              </a:ln>
+              <a:solidFill>
+                <a:schemeClr val="tx1"/>
+              </a:solidFill>
+              <a:effectLst/>
+              <a:latin typeface="Arial" panose="020B0604020202020204" pitchFamily="34" charset="0"/>
+            </a:endParaRPr>
+          </a:p>
+        </p:txBody>
+      </p:sp>
+    </p:spTree>
+    <p:extLst>
+      <p:ext uri="{BB962C8B-B14F-4D97-AF65-F5344CB8AC3E}">
+        <p14:creationId xmlns:p14="http://schemas.microsoft.com/office/powerpoint/2010/main" val="2129409736"/>
+      </p:ext>
+    </p:extLst>
+  </p:cSld>
+  <p:clrMapOvr>
+    <a:masterClrMapping/>
+  </p:clrMapOvr>
+</p:sld>
+</file>
+
+<file path=ppt/slides/slide22.xml><?xml version="1.0" encoding="utf-8"?>
+<p:sld xmlns:a="http://schemas.openxmlformats.org/drawingml/2006/main" xmlns:r="http://schemas.openxmlformats.org/officeDocument/2006/relationships" xmlns:p="http://schemas.openxmlformats.org/presentationml/2006/main">
+  <p:cSld>
+    <p:bg>
+      <p:bgPr>
+        <a:solidFill>
+          <a:schemeClr val="bg1"/>
+        </a:solidFill>
+        <a:effectLst/>
+      </p:bgPr>
+    </p:bg>
+    <p:spTree>
+      <p:nvGrpSpPr>
+        <p:cNvPr id="1" name=""/>
+        <p:cNvGrpSpPr/>
+        <p:nvPr/>
+      </p:nvGrpSpPr>
+      <p:grpSpPr>
+        <a:xfrm>
+          <a:off x="0" y="0"/>
+          <a:ext cx="0" cy="0"/>
+          <a:chOff x="0" y="0"/>
+          <a:chExt cx="0" cy="0"/>
+        </a:xfrm>
+      </p:grpSpPr>
+      <p:pic>
+        <p:nvPicPr>
+          <p:cNvPr id="10" name="그림 4" descr="개체이(가) 표시된 사진&#10;&#10;자동 생성된 설명">
+            <a:extLst>
+              <a:ext uri="{FF2B5EF4-FFF2-40B4-BE49-F238E27FC236}">
+                <a16:creationId xmlns:a16="http://schemas.microsoft.com/office/drawing/2014/main" id="{CA27A4CB-6ED7-4BED-9501-60F39AAC95EB}"/>
+              </a:ext>
+            </a:extLst>
+          </p:cNvPr>
+          <p:cNvPicPr>
+            <a:picLocks noGrp="1" noChangeAspect="1"/>
+          </p:cNvPicPr>
+          <p:nvPr>
+            <p:ph idx="1"/>
+          </p:nvPr>
+        </p:nvPicPr>
+        <p:blipFill>
+          <a:blip r:embed="rId2"/>
+          <a:stretch>
+            <a:fillRect/>
+          </a:stretch>
+        </p:blipFill>
+        <p:spPr>
+          <a:xfrm>
+            <a:off x="864950" y="643466"/>
+            <a:ext cx="10462099" cy="5571067"/>
+          </a:xfrm>
+          <a:prstGeom prst="rect">
+            <a:avLst/>
+          </a:prstGeom>
+        </p:spPr>
+      </p:pic>
+    </p:spTree>
+    <p:extLst>
+      <p:ext uri="{BB962C8B-B14F-4D97-AF65-F5344CB8AC3E}">
+        <p14:creationId xmlns:p14="http://schemas.microsoft.com/office/powerpoint/2010/main" val="62191040"/>
+      </p:ext>
+    </p:extLst>
+  </p:cSld>
+  <p:clrMapOvr>
+    <a:masterClrMapping/>
+  </p:clrMapOvr>
+</p:sld>
+</file>
+
+<file path=ppt/slides/slide23.xml><?xml version="1.0" encoding="utf-8"?>
+<p:sld xmlns:a="http://schemas.openxmlformats.org/drawingml/2006/main" xmlns:r="http://schemas.openxmlformats.org/officeDocument/2006/relationships" xmlns:p="http://schemas.openxmlformats.org/presentationml/2006/main">
+  <p:cSld>
+    <p:spTree>
+      <p:nvGrpSpPr>
+        <p:cNvPr id="1" name=""/>
+        <p:cNvGrpSpPr/>
+        <p:nvPr/>
+      </p:nvGrpSpPr>
+      <p:grpSpPr>
+        <a:xfrm>
+          <a:off x="0" y="0"/>
+          <a:ext cx="0" cy="0"/>
+          <a:chOff x="0" y="0"/>
+          <a:chExt cx="0" cy="0"/>
+        </a:xfrm>
+      </p:grpSpPr>
+      <p:sp>
+        <p:nvSpPr>
+          <p:cNvPr id="2" name="제목 1">
+            <a:extLst>
+              <a:ext uri="{FF2B5EF4-FFF2-40B4-BE49-F238E27FC236}">
+                <a16:creationId xmlns:a16="http://schemas.microsoft.com/office/drawing/2014/main" id="{B8E4218A-759B-427A-BC37-AEB9B977C8AF}"/>
+              </a:ext>
+            </a:extLst>
+          </p:cNvPr>
+          <p:cNvSpPr>
+            <a:spLocks noGrp="1"/>
+          </p:cNvSpPr>
+          <p:nvPr>
+            <p:ph type="title"/>
+          </p:nvPr>
+        </p:nvSpPr>
+        <p:spPr/>
+        <p:txBody>
+          <a:bodyPr/>
+          <a:lstStyle/>
+          <a:p>
+            <a:r>
+              <a:rPr lang="en-US" altLang="ko-KR" dirty="0"/>
+              <a:t>Training</a:t>
+            </a:r>
+            <a:endParaRPr lang="ko-KR" altLang="en-US" dirty="0"/>
+          </a:p>
+        </p:txBody>
+      </p:sp>
+      <p:pic>
+        <p:nvPicPr>
+          <p:cNvPr id="4" name="내용 개체 틀 3">
+            <a:extLst>
+              <a:ext uri="{FF2B5EF4-FFF2-40B4-BE49-F238E27FC236}">
+                <a16:creationId xmlns:a16="http://schemas.microsoft.com/office/drawing/2014/main" id="{2D584409-9D9E-4625-8C13-C9B0F7026E74}"/>
+              </a:ext>
+            </a:extLst>
+          </p:cNvPr>
+          <p:cNvPicPr>
+            <a:picLocks noGrp="1" noChangeAspect="1"/>
+          </p:cNvPicPr>
+          <p:nvPr>
+            <p:ph idx="1"/>
+          </p:nvPr>
+        </p:nvPicPr>
+        <p:blipFill>
+          <a:blip r:embed="rId2"/>
+          <a:stretch>
+            <a:fillRect/>
+          </a:stretch>
+        </p:blipFill>
+        <p:spPr>
+          <a:xfrm>
+            <a:off x="2147887" y="3305969"/>
+            <a:ext cx="7896225" cy="1390650"/>
+          </a:xfrm>
+          <a:prstGeom prst="rect">
+            <a:avLst/>
+          </a:prstGeom>
+        </p:spPr>
+      </p:pic>
+    </p:spTree>
+    <p:extLst>
+      <p:ext uri="{BB962C8B-B14F-4D97-AF65-F5344CB8AC3E}">
+        <p14:creationId xmlns:p14="http://schemas.microsoft.com/office/powerpoint/2010/main" val="2591535714"/>
+      </p:ext>
+    </p:extLst>
+  </p:cSld>
+  <p:clrMapOvr>
+    <a:masterClrMapping/>
+  </p:clrMapOvr>
+</p:sld>
+</file>
+
+<file path=ppt/slides/slide24.xml><?xml version="1.0" encoding="utf-8"?>
+<p:sld xmlns:a="http://schemas.openxmlformats.org/drawingml/2006/main" xmlns:r="http://schemas.openxmlformats.org/officeDocument/2006/relationships" xmlns:p="http://schemas.openxmlformats.org/presentationml/2006/main">
+  <p:cSld>
+    <p:bg>
+      <p:bgPr>
+        <a:solidFill>
+          <a:schemeClr val="bg1"/>
+        </a:solidFill>
+        <a:effectLst/>
+      </p:bgPr>
+    </p:bg>
+    <p:spTree>
+      <p:nvGrpSpPr>
+        <p:cNvPr id="1" name=""/>
+        <p:cNvGrpSpPr/>
+        <p:nvPr/>
+      </p:nvGrpSpPr>
+      <p:grpSpPr>
+        <a:xfrm>
+          <a:off x="0" y="0"/>
+          <a:ext cx="0" cy="0"/>
+          <a:chOff x="0" y="0"/>
+          <a:chExt cx="0" cy="0"/>
+        </a:xfrm>
+      </p:grpSpPr>
+      <p:pic>
+        <p:nvPicPr>
+          <p:cNvPr id="4" name="내용 개체 틀 3">
+            <a:extLst>
+              <a:ext uri="{FF2B5EF4-FFF2-40B4-BE49-F238E27FC236}">
+                <a16:creationId xmlns:a16="http://schemas.microsoft.com/office/drawing/2014/main" id="{69427D7A-626E-4679-AA41-8E0B495999C8}"/>
+              </a:ext>
+            </a:extLst>
+          </p:cNvPr>
+          <p:cNvPicPr>
+            <a:picLocks noGrp="1" noChangeAspect="1"/>
+          </p:cNvPicPr>
+          <p:nvPr>
+            <p:ph idx="1"/>
+          </p:nvPr>
+        </p:nvPicPr>
+        <p:blipFill>
+          <a:blip r:embed="rId2"/>
+          <a:stretch>
+            <a:fillRect/>
+          </a:stretch>
+        </p:blipFill>
+        <p:spPr>
+          <a:xfrm>
+            <a:off x="643467" y="675470"/>
+            <a:ext cx="10905066" cy="5507059"/>
+          </a:xfrm>
+          <a:prstGeom prst="rect">
+            <a:avLst/>
+          </a:prstGeom>
+        </p:spPr>
+      </p:pic>
+    </p:spTree>
+    <p:extLst>
+      <p:ext uri="{BB962C8B-B14F-4D97-AF65-F5344CB8AC3E}">
+        <p14:creationId xmlns:p14="http://schemas.microsoft.com/office/powerpoint/2010/main" val="52659899"/>
+      </p:ext>
+    </p:extLst>
+  </p:cSld>
+  <p:clrMapOvr>
+    <a:masterClrMapping/>
+  </p:clrMapOvr>
+</p:sld>
+</file>
+
+<file path=ppt/slides/slide25.xml><?xml version="1.0" encoding="utf-8"?>
+<p:sld xmlns:a="http://schemas.openxmlformats.org/drawingml/2006/main" xmlns:r="http://schemas.openxmlformats.org/officeDocument/2006/relationships" xmlns:p="http://schemas.openxmlformats.org/presentationml/2006/main">
+  <p:cSld>
+    <p:spTree>
+      <p:nvGrpSpPr>
+        <p:cNvPr id="1" name=""/>
+        <p:cNvGrpSpPr/>
+        <p:nvPr/>
+      </p:nvGrpSpPr>
+      <p:grpSpPr>
+        <a:xfrm>
+          <a:off x="0" y="0"/>
+          <a:ext cx="0" cy="0"/>
+          <a:chOff x="0" y="0"/>
+          <a:chExt cx="0" cy="0"/>
+        </a:xfrm>
+      </p:grpSpPr>
+      <p:sp>
+        <p:nvSpPr>
+          <p:cNvPr id="2" name="제목 1">
+            <a:extLst>
+              <a:ext uri="{FF2B5EF4-FFF2-40B4-BE49-F238E27FC236}">
+                <a16:creationId xmlns:a16="http://schemas.microsoft.com/office/drawing/2014/main" id="{565A6494-8FB9-43A1-97D4-3A98BC6BA520}"/>
+              </a:ext>
+            </a:extLst>
+          </p:cNvPr>
+          <p:cNvSpPr>
+            <a:spLocks noGrp="1"/>
+          </p:cNvSpPr>
+          <p:nvPr>
+            <p:ph type="title"/>
+          </p:nvPr>
+        </p:nvSpPr>
+        <p:spPr/>
+        <p:txBody>
+          <a:bodyPr/>
+          <a:lstStyle/>
+          <a:p>
+            <a:r>
+              <a:rPr lang="en-US" altLang="ko-KR" dirty="0"/>
+              <a:t>Conclusion</a:t>
+            </a:r>
+            <a:endParaRPr lang="ko-KR" altLang="en-US" dirty="0"/>
+          </a:p>
+        </p:txBody>
+      </p:sp>
+      <p:sp>
+        <p:nvSpPr>
+          <p:cNvPr id="3" name="내용 개체 틀 2">
+            <a:extLst>
+              <a:ext uri="{FF2B5EF4-FFF2-40B4-BE49-F238E27FC236}">
+                <a16:creationId xmlns:a16="http://schemas.microsoft.com/office/drawing/2014/main" id="{D9C3FC32-336F-4E55-80FB-05E96D584B08}"/>
+              </a:ext>
+            </a:extLst>
+          </p:cNvPr>
+          <p:cNvSpPr>
+            <a:spLocks noGrp="1"/>
+          </p:cNvSpPr>
+          <p:nvPr>
+            <p:ph idx="1"/>
+          </p:nvPr>
+        </p:nvSpPr>
+        <p:spPr/>
+        <p:txBody>
+          <a:bodyPr/>
+          <a:lstStyle/>
+          <a:p>
+            <a:pPr marL="0" indent="0">
+              <a:buNone/>
+            </a:pPr>
+            <a:r>
+              <a:rPr lang="en-US" altLang="ko-KR" dirty="0"/>
+              <a:t>Present a new representation of the object as a point. Find the center of the object and return its size. This algorithm is simple, fast, accurate and end-to-end differentiation without NMS post-processing.</a:t>
+            </a:r>
+            <a:endParaRPr lang="ko-KR" altLang="en-US" dirty="0"/>
+          </a:p>
+        </p:txBody>
+      </p:sp>
+    </p:spTree>
+    <p:extLst>
+      <p:ext uri="{BB962C8B-B14F-4D97-AF65-F5344CB8AC3E}">
+        <p14:creationId xmlns:p14="http://schemas.microsoft.com/office/powerpoint/2010/main" val="3688808132"/>
       </p:ext>
     </p:extLst>
   </p:cSld>

--- a/_posts/ppt/CenterNet.pptx
+++ b/_posts/ppt/CenterNet.pptx
@@ -283,7 +283,7 @@
           <a:p>
             <a:fld id="{24C3C427-153F-4C47-9F92-CD364F382ACE}" type="datetimeFigureOut">
               <a:rPr lang="ko-KR" altLang="en-US" smtClean="0"/>
-              <a:t>2019-05-26</a:t>
+              <a:t>2019-05-27</a:t>
             </a:fld>
             <a:endParaRPr lang="ko-KR" altLang="en-US"/>
           </a:p>
@@ -481,7 +481,7 @@
           <a:p>
             <a:fld id="{24C3C427-153F-4C47-9F92-CD364F382ACE}" type="datetimeFigureOut">
               <a:rPr lang="ko-KR" altLang="en-US" smtClean="0"/>
-              <a:t>2019-05-26</a:t>
+              <a:t>2019-05-27</a:t>
             </a:fld>
             <a:endParaRPr lang="ko-KR" altLang="en-US"/>
           </a:p>
@@ -689,7 +689,7 @@
           <a:p>
             <a:fld id="{24C3C427-153F-4C47-9F92-CD364F382ACE}" type="datetimeFigureOut">
               <a:rPr lang="ko-KR" altLang="en-US" smtClean="0"/>
-              <a:t>2019-05-26</a:t>
+              <a:t>2019-05-27</a:t>
             </a:fld>
             <a:endParaRPr lang="ko-KR" altLang="en-US"/>
           </a:p>
@@ -887,7 +887,7 @@
           <a:p>
             <a:fld id="{24C3C427-153F-4C47-9F92-CD364F382ACE}" type="datetimeFigureOut">
               <a:rPr lang="ko-KR" altLang="en-US" smtClean="0"/>
-              <a:t>2019-05-26</a:t>
+              <a:t>2019-05-27</a:t>
             </a:fld>
             <a:endParaRPr lang="ko-KR" altLang="en-US"/>
           </a:p>
@@ -1162,7 +1162,7 @@
           <a:p>
             <a:fld id="{24C3C427-153F-4C47-9F92-CD364F382ACE}" type="datetimeFigureOut">
               <a:rPr lang="ko-KR" altLang="en-US" smtClean="0"/>
-              <a:t>2019-05-26</a:t>
+              <a:t>2019-05-27</a:t>
             </a:fld>
             <a:endParaRPr lang="ko-KR" altLang="en-US"/>
           </a:p>
@@ -1427,7 +1427,7 @@
           <a:p>
             <a:fld id="{24C3C427-153F-4C47-9F92-CD364F382ACE}" type="datetimeFigureOut">
               <a:rPr lang="ko-KR" altLang="en-US" smtClean="0"/>
-              <a:t>2019-05-26</a:t>
+              <a:t>2019-05-27</a:t>
             </a:fld>
             <a:endParaRPr lang="ko-KR" altLang="en-US"/>
           </a:p>
@@ -1839,7 +1839,7 @@
           <a:p>
             <a:fld id="{24C3C427-153F-4C47-9F92-CD364F382ACE}" type="datetimeFigureOut">
               <a:rPr lang="ko-KR" altLang="en-US" smtClean="0"/>
-              <a:t>2019-05-26</a:t>
+              <a:t>2019-05-27</a:t>
             </a:fld>
             <a:endParaRPr lang="ko-KR" altLang="en-US"/>
           </a:p>
@@ -1980,7 +1980,7 @@
           <a:p>
             <a:fld id="{24C3C427-153F-4C47-9F92-CD364F382ACE}" type="datetimeFigureOut">
               <a:rPr lang="ko-KR" altLang="en-US" smtClean="0"/>
-              <a:t>2019-05-26</a:t>
+              <a:t>2019-05-27</a:t>
             </a:fld>
             <a:endParaRPr lang="ko-KR" altLang="en-US"/>
           </a:p>
@@ -2093,7 +2093,7 @@
           <a:p>
             <a:fld id="{24C3C427-153F-4C47-9F92-CD364F382ACE}" type="datetimeFigureOut">
               <a:rPr lang="ko-KR" altLang="en-US" smtClean="0"/>
-              <a:t>2019-05-26</a:t>
+              <a:t>2019-05-27</a:t>
             </a:fld>
             <a:endParaRPr lang="ko-KR" altLang="en-US"/>
           </a:p>
@@ -2404,7 +2404,7 @@
           <a:p>
             <a:fld id="{24C3C427-153F-4C47-9F92-CD364F382ACE}" type="datetimeFigureOut">
               <a:rPr lang="ko-KR" altLang="en-US" smtClean="0"/>
-              <a:t>2019-05-26</a:t>
+              <a:t>2019-05-27</a:t>
             </a:fld>
             <a:endParaRPr lang="ko-KR" altLang="en-US"/>
           </a:p>
@@ -2692,7 +2692,7 @@
           <a:p>
             <a:fld id="{24C3C427-153F-4C47-9F92-CD364F382ACE}" type="datetimeFigureOut">
               <a:rPr lang="ko-KR" altLang="en-US" smtClean="0"/>
-              <a:t>2019-05-26</a:t>
+              <a:t>2019-05-27</a:t>
             </a:fld>
             <a:endParaRPr lang="ko-KR" altLang="en-US"/>
           </a:p>
@@ -2933,7 +2933,7 @@
           <a:p>
             <a:fld id="{24C3C427-153F-4C47-9F92-CD364F382ACE}" type="datetimeFigureOut">
               <a:rPr lang="ko-KR" altLang="en-US" smtClean="0"/>
-              <a:t>2019-05-26</a:t>
+              <a:t>2019-05-27</a:t>
             </a:fld>
             <a:endParaRPr lang="ko-KR" altLang="en-US"/>
           </a:p>
@@ -4065,6 +4065,73 @@
           </a:p>
         </p:txBody>
       </p:sp>
+      <p:sp>
+        <p:nvSpPr>
+          <p:cNvPr id="7" name="직사각형 6"/>
+          <p:cNvSpPr/>
+          <p:nvPr/>
+        </p:nvSpPr>
+        <p:spPr>
+          <a:xfrm>
+            <a:off x="476811" y="5026284"/>
+            <a:ext cx="6096000" cy="1477328"/>
+          </a:xfrm>
+          <a:prstGeom prst="rect">
+            <a:avLst/>
+          </a:prstGeom>
+        </p:spPr>
+        <p:txBody>
+          <a:bodyPr>
+            <a:spAutoFit/>
+          </a:bodyPr>
+          <a:lstStyle/>
+          <a:p>
+            <a:r>
+              <a:rPr lang="en-US" altLang="ko-KR" dirty="0" smtClean="0"/>
+              <a:t>Focal loss</a:t>
+            </a:r>
+          </a:p>
+          <a:p>
+            <a:r>
+              <a:rPr lang="en-US" altLang="ko-KR" dirty="0"/>
+              <a:t/>
+            </a:r>
+            <a:br>
+              <a:rPr lang="en-US" altLang="ko-KR" dirty="0"/>
+            </a:br>
+            <a:r>
+              <a:rPr lang="en-US" altLang="ko-KR" dirty="0">
+                <a:solidFill>
+                  <a:srgbClr val="212121"/>
+                </a:solidFill>
+                <a:latin typeface="+mj-lt"/>
+              </a:rPr>
+              <a:t>In one-stage object detection, it is designed to solve extreme severe imbalances between foreground and background classes (</a:t>
+            </a:r>
+            <a:r>
+              <a:rPr lang="en-US" altLang="ko-KR" dirty="0" err="1">
+                <a:solidFill>
+                  <a:srgbClr val="212121"/>
+                </a:solidFill>
+                <a:latin typeface="+mj-lt"/>
+              </a:rPr>
+              <a:t>eg</a:t>
+            </a:r>
+            <a:r>
+              <a:rPr lang="en-US" altLang="ko-KR" dirty="0">
+                <a:solidFill>
+                  <a:srgbClr val="212121"/>
+                </a:solidFill>
+                <a:latin typeface="+mj-lt"/>
+              </a:rPr>
+              <a:t> 1: 1000).</a:t>
+            </a:r>
+            <a:endParaRPr lang="ko-KR" altLang="en-US" dirty="0">
+              <a:latin typeface="+mj-lt"/>
+            </a:endParaRPr>
+          </a:p>
+        </p:txBody>
+      </p:sp>
     </p:spTree>
     <p:extLst>
       <p:ext uri="{BB962C8B-B14F-4D97-AF65-F5344CB8AC3E}">
@@ -4176,7 +4243,7 @@
         </p:blipFill>
         <p:spPr>
           <a:xfrm>
-            <a:off x="971552" y="2081349"/>
+            <a:off x="1752599" y="2084843"/>
             <a:ext cx="2066925" cy="390525"/>
           </a:xfrm>
           <a:prstGeom prst="rect">
@@ -4198,7 +4265,7 @@
         </p:nvSpPr>
         <p:spPr>
           <a:xfrm>
-            <a:off x="3675530" y="1693732"/>
+            <a:off x="4924846" y="1764804"/>
             <a:ext cx="3395032" cy="923330"/>
           </a:xfrm>
           <a:prstGeom prst="rect">
@@ -4251,7 +4318,7 @@
         </p:nvSpPr>
         <p:spPr>
           <a:xfrm>
-            <a:off x="4924846" y="3244334"/>
+            <a:off x="971552" y="3598881"/>
             <a:ext cx="896399" cy="369332"/>
           </a:xfrm>
           <a:prstGeom prst="rect">
@@ -4286,7 +4353,7 @@
         </p:nvSpPr>
         <p:spPr>
           <a:xfrm>
-            <a:off x="4924846" y="3951424"/>
+            <a:off x="4867277" y="2995064"/>
             <a:ext cx="6380350" cy="2585323"/>
           </a:xfrm>
           <a:prstGeom prst="rect">
@@ -6149,6 +6216,10 @@
             <a:pPr marL="0" indent="0">
               <a:buNone/>
             </a:pPr>
+            <a:r>
+              <a:rPr lang="en-US" altLang="ko-KR" dirty="0"/>
+              <a:t/>
+            </a:r>
             <a:br>
               <a:rPr lang="en-US" altLang="ko-KR" dirty="0"/>
             </a:br>

--- a/_posts/ppt/CenterNet.pptx
+++ b/_posts/ppt/CenterNet.pptx
@@ -283,7 +283,7 @@
           <a:p>
             <a:fld id="{24C3C427-153F-4C47-9F92-CD364F382ACE}" type="datetimeFigureOut">
               <a:rPr lang="ko-KR" altLang="en-US" smtClean="0"/>
-              <a:t>2019-05-27</a:t>
+              <a:t>2019-05-28</a:t>
             </a:fld>
             <a:endParaRPr lang="ko-KR" altLang="en-US"/>
           </a:p>
@@ -481,7 +481,7 @@
           <a:p>
             <a:fld id="{24C3C427-153F-4C47-9F92-CD364F382ACE}" type="datetimeFigureOut">
               <a:rPr lang="ko-KR" altLang="en-US" smtClean="0"/>
-              <a:t>2019-05-27</a:t>
+              <a:t>2019-05-28</a:t>
             </a:fld>
             <a:endParaRPr lang="ko-KR" altLang="en-US"/>
           </a:p>
@@ -689,7 +689,7 @@
           <a:p>
             <a:fld id="{24C3C427-153F-4C47-9F92-CD364F382ACE}" type="datetimeFigureOut">
               <a:rPr lang="ko-KR" altLang="en-US" smtClean="0"/>
-              <a:t>2019-05-27</a:t>
+              <a:t>2019-05-28</a:t>
             </a:fld>
             <a:endParaRPr lang="ko-KR" altLang="en-US"/>
           </a:p>
@@ -887,7 +887,7 @@
           <a:p>
             <a:fld id="{24C3C427-153F-4C47-9F92-CD364F382ACE}" type="datetimeFigureOut">
               <a:rPr lang="ko-KR" altLang="en-US" smtClean="0"/>
-              <a:t>2019-05-27</a:t>
+              <a:t>2019-05-28</a:t>
             </a:fld>
             <a:endParaRPr lang="ko-KR" altLang="en-US"/>
           </a:p>
@@ -1162,7 +1162,7 @@
           <a:p>
             <a:fld id="{24C3C427-153F-4C47-9F92-CD364F382ACE}" type="datetimeFigureOut">
               <a:rPr lang="ko-KR" altLang="en-US" smtClean="0"/>
-              <a:t>2019-05-27</a:t>
+              <a:t>2019-05-28</a:t>
             </a:fld>
             <a:endParaRPr lang="ko-KR" altLang="en-US"/>
           </a:p>
@@ -1427,7 +1427,7 @@
           <a:p>
             <a:fld id="{24C3C427-153F-4C47-9F92-CD364F382ACE}" type="datetimeFigureOut">
               <a:rPr lang="ko-KR" altLang="en-US" smtClean="0"/>
-              <a:t>2019-05-27</a:t>
+              <a:t>2019-05-28</a:t>
             </a:fld>
             <a:endParaRPr lang="ko-KR" altLang="en-US"/>
           </a:p>
@@ -1839,7 +1839,7 @@
           <a:p>
             <a:fld id="{24C3C427-153F-4C47-9F92-CD364F382ACE}" type="datetimeFigureOut">
               <a:rPr lang="ko-KR" altLang="en-US" smtClean="0"/>
-              <a:t>2019-05-27</a:t>
+              <a:t>2019-05-28</a:t>
             </a:fld>
             <a:endParaRPr lang="ko-KR" altLang="en-US"/>
           </a:p>
@@ -1980,7 +1980,7 @@
           <a:p>
             <a:fld id="{24C3C427-153F-4C47-9F92-CD364F382ACE}" type="datetimeFigureOut">
               <a:rPr lang="ko-KR" altLang="en-US" smtClean="0"/>
-              <a:t>2019-05-27</a:t>
+              <a:t>2019-05-28</a:t>
             </a:fld>
             <a:endParaRPr lang="ko-KR" altLang="en-US"/>
           </a:p>
@@ -2093,7 +2093,7 @@
           <a:p>
             <a:fld id="{24C3C427-153F-4C47-9F92-CD364F382ACE}" type="datetimeFigureOut">
               <a:rPr lang="ko-KR" altLang="en-US" smtClean="0"/>
-              <a:t>2019-05-27</a:t>
+              <a:t>2019-05-28</a:t>
             </a:fld>
             <a:endParaRPr lang="ko-KR" altLang="en-US"/>
           </a:p>
@@ -2404,7 +2404,7 @@
           <a:p>
             <a:fld id="{24C3C427-153F-4C47-9F92-CD364F382ACE}" type="datetimeFigureOut">
               <a:rPr lang="ko-KR" altLang="en-US" smtClean="0"/>
-              <a:t>2019-05-27</a:t>
+              <a:t>2019-05-28</a:t>
             </a:fld>
             <a:endParaRPr lang="ko-KR" altLang="en-US"/>
           </a:p>
@@ -2692,7 +2692,7 @@
           <a:p>
             <a:fld id="{24C3C427-153F-4C47-9F92-CD364F382ACE}" type="datetimeFigureOut">
               <a:rPr lang="ko-KR" altLang="en-US" smtClean="0"/>
-              <a:t>2019-05-27</a:t>
+              <a:t>2019-05-28</a:t>
             </a:fld>
             <a:endParaRPr lang="ko-KR" altLang="en-US"/>
           </a:p>
@@ -2933,7 +2933,7 @@
           <a:p>
             <a:fld id="{24C3C427-153F-4C47-9F92-CD364F382ACE}" type="datetimeFigureOut">
               <a:rPr lang="ko-KR" altLang="en-US" smtClean="0"/>
-              <a:t>2019-05-27</a:t>
+              <a:t>2019-05-28</a:t>
             </a:fld>
             <a:endParaRPr lang="ko-KR" altLang="en-US"/>
           </a:p>
@@ -3818,13 +3818,7 @@
       </p:sp>
       <p:pic>
         <p:nvPicPr>
-          <p:cNvPr id="2" name="그림 1">
-            <a:extLst>
-              <a:ext uri="{FF2B5EF4-FFF2-40B4-BE49-F238E27FC236}">
-                <a16:creationId xmlns:a16="http://schemas.microsoft.com/office/drawing/2014/main" id="{8FEFC96A-4E5B-4171-AFF6-A9B88C6379C6}"/>
-              </a:ext>
-            </a:extLst>
-          </p:cNvPr>
+          <p:cNvPr id="5" name="그림 4"/>
           <p:cNvPicPr>
             <a:picLocks noChangeAspect="1"/>
           </p:cNvPicPr>
@@ -3838,8 +3832,8 @@
         </p:blipFill>
         <p:spPr>
           <a:xfrm>
-            <a:off x="1884338" y="6200817"/>
-            <a:ext cx="2066925" cy="400050"/>
+            <a:off x="7532734" y="1192257"/>
+            <a:ext cx="2445135" cy="428971"/>
           </a:xfrm>
           <a:prstGeom prst="rect">
             <a:avLst/>
@@ -3848,59 +3842,68 @@
       </p:pic>
       <p:sp>
         <p:nvSpPr>
-          <p:cNvPr id="3" name="TextBox 2">
-            <a:extLst>
-              <a:ext uri="{FF2B5EF4-FFF2-40B4-BE49-F238E27FC236}">
-                <a16:creationId xmlns:a16="http://schemas.microsoft.com/office/drawing/2014/main" id="{62926B0F-ACDE-429D-A63B-24194077C654}"/>
-              </a:ext>
-            </a:extLst>
-          </p:cNvPr>
-          <p:cNvSpPr txBox="1"/>
+          <p:cNvPr id="19" name="직사각형 18"/>
+          <p:cNvSpPr/>
           <p:nvPr/>
         </p:nvSpPr>
         <p:spPr>
           <a:xfrm>
-            <a:off x="3951263" y="6064795"/>
-            <a:ext cx="7608942" cy="646331"/>
+            <a:off x="451872" y="5242415"/>
+            <a:ext cx="11227509" cy="1200329"/>
           </a:xfrm>
           <a:prstGeom prst="rect">
             <a:avLst/>
           </a:prstGeom>
-          <a:noFill/>
         </p:spPr>
         <p:txBody>
-          <a:bodyPr wrap="none" rtlCol="0">
+          <a:bodyPr wrap="square">
             <a:spAutoFit/>
           </a:bodyPr>
           <a:lstStyle/>
           <a:p>
             <a:r>
+              <a:rPr lang="en-US" altLang="ko-KR" dirty="0" smtClean="0"/>
+              <a:t>Focal loss</a:t>
+            </a:r>
+          </a:p>
+          <a:p>
+            <a:r>
               <a:rPr lang="en-US" altLang="ko-KR" dirty="0"/>
-              <a:t>To</a:t>
-            </a:r>
-            <a:r>
-              <a:rPr lang="ko-KR" altLang="en-US" dirty="0"/>
-              <a:t> </a:t>
-            </a:r>
-            <a:r>
+              <a:t/>
+            </a:r>
+            <a:br>
               <a:rPr lang="en-US" altLang="ko-KR" dirty="0"/>
-              <a:t>further</a:t>
-            </a:r>
-            <a:r>
-              <a:rPr lang="ko-KR" altLang="en-US" dirty="0"/>
-              <a:t> </a:t>
-            </a:r>
-            <a:r>
-              <a:rPr lang="en-US" altLang="ko-KR" dirty="0"/>
-              <a:t>recover the mathematical error caused by the output stride,</a:t>
-            </a:r>
-          </a:p>
-          <a:p>
-            <a:r>
-              <a:rPr lang="en-US" altLang="ko-KR" dirty="0"/>
-              <a:t>We further estimate the local offset for each center point</a:t>
-            </a:r>
-            <a:endParaRPr lang="ko-KR" altLang="en-US" dirty="0"/>
+            </a:br>
+            <a:r>
+              <a:rPr lang="en-US" altLang="ko-KR" dirty="0">
+                <a:solidFill>
+                  <a:srgbClr val="212121"/>
+                </a:solidFill>
+                <a:latin typeface="+mj-lt"/>
+              </a:rPr>
+              <a:t>In one-stage object detection, it is designed to solve extreme severe imbalances between foreground and background classes (</a:t>
+            </a:r>
+            <a:r>
+              <a:rPr lang="en-US" altLang="ko-KR" dirty="0" err="1">
+                <a:solidFill>
+                  <a:srgbClr val="212121"/>
+                </a:solidFill>
+                <a:latin typeface="+mj-lt"/>
+              </a:rPr>
+              <a:t>eg</a:t>
+            </a:r>
+            <a:r>
+              <a:rPr lang="en-US" altLang="ko-KR" dirty="0">
+                <a:solidFill>
+                  <a:srgbClr val="212121"/>
+                </a:solidFill>
+                <a:latin typeface="+mj-lt"/>
+              </a:rPr>
+              <a:t> 1: 1000).</a:t>
+            </a:r>
+            <a:endParaRPr lang="ko-KR" altLang="en-US" dirty="0">
+              <a:latin typeface="+mj-lt"/>
+            </a:endParaRPr>
           </a:p>
         </p:txBody>
       </p:sp>
@@ -3914,6 +3917,13 @@
   <p:clrMapOvr>
     <a:masterClrMapping/>
   </p:clrMapOvr>
+  <p:timing>
+    <p:tnLst>
+      <p:par>
+        <p:cTn id="1" dur="indefinite" restart="never" nodeType="tmRoot"/>
+      </p:par>
+    </p:tnLst>
+  </p:timing>
 </p:sld>
 </file>
 
@@ -3985,7 +3995,7 @@
         </p:blipFill>
         <p:spPr>
           <a:xfrm>
-            <a:off x="3524811" y="2170018"/>
+            <a:off x="3183989" y="3317174"/>
             <a:ext cx="4803810" cy="1397934"/>
           </a:xfrm>
           <a:prstGeom prst="rect">
@@ -4007,7 +4017,7 @@
         </p:nvSpPr>
         <p:spPr>
           <a:xfrm>
-            <a:off x="3872754" y="3567952"/>
+            <a:off x="3531932" y="4715108"/>
             <a:ext cx="3836894" cy="369332"/>
           </a:xfrm>
           <a:prstGeom prst="rect">
@@ -4023,7 +4033,15 @@
           <a:p>
             <a:r>
               <a:rPr lang="en-US" altLang="ko-KR" dirty="0"/>
-              <a:t>The offset is  trained with L1 loss</a:t>
+              <a:t>The offset </a:t>
+            </a:r>
+            <a:r>
+              <a:rPr lang="en-US" altLang="ko-KR" dirty="0" smtClean="0"/>
+              <a:t>is </a:t>
+            </a:r>
+            <a:r>
+              <a:rPr lang="en-US" altLang="ko-KR" dirty="0"/>
+              <a:t>trained with L1 loss</a:t>
             </a:r>
             <a:endParaRPr lang="ko-KR" altLang="en-US" dirty="0"/>
           </a:p>
@@ -4043,7 +4061,7 @@
         </p:nvSpPr>
         <p:spPr>
           <a:xfrm>
-            <a:off x="3210780" y="4257016"/>
+            <a:off x="2869958" y="5404172"/>
             <a:ext cx="5431872" cy="369332"/>
           </a:xfrm>
           <a:prstGeom prst="rect">
@@ -4065,70 +4083,91 @@
           </a:p>
         </p:txBody>
       </p:sp>
-      <p:sp>
-        <p:nvSpPr>
-          <p:cNvPr id="7" name="직사각형 6"/>
-          <p:cNvSpPr/>
+      <p:pic>
+        <p:nvPicPr>
+          <p:cNvPr id="8" name="그림 7">
+            <a:extLst>
+              <a:ext uri="{FF2B5EF4-FFF2-40B4-BE49-F238E27FC236}">
+                <a16:creationId xmlns:a16="http://schemas.microsoft.com/office/drawing/2014/main" id="{8FEFC96A-4E5B-4171-AFF6-A9B88C6379C6}"/>
+              </a:ext>
+            </a:extLst>
+          </p:cNvPr>
+          <p:cNvPicPr>
+            <a:picLocks noChangeAspect="1"/>
+          </p:cNvPicPr>
           <p:nvPr/>
-        </p:nvSpPr>
+        </p:nvPicPr>
+        <p:blipFill>
+          <a:blip r:embed="rId3"/>
+          <a:stretch>
+            <a:fillRect/>
+          </a:stretch>
+        </p:blipFill>
         <p:spPr>
           <a:xfrm>
-            <a:off x="476811" y="5026284"/>
-            <a:ext cx="6096000" cy="1477328"/>
+            <a:off x="1465007" y="2428085"/>
+            <a:ext cx="2066925" cy="400050"/>
           </a:xfrm>
           <a:prstGeom prst="rect">
             <a:avLst/>
           </a:prstGeom>
         </p:spPr>
-        <p:txBody>
-          <a:bodyPr>
+      </p:pic>
+      <p:sp>
+        <p:nvSpPr>
+          <p:cNvPr id="9" name="TextBox 8">
+            <a:extLst>
+              <a:ext uri="{FF2B5EF4-FFF2-40B4-BE49-F238E27FC236}">
+                <a16:creationId xmlns:a16="http://schemas.microsoft.com/office/drawing/2014/main" id="{62926B0F-ACDE-429D-A63B-24194077C654}"/>
+              </a:ext>
+            </a:extLst>
+          </p:cNvPr>
+          <p:cNvSpPr txBox="1"/>
+          <p:nvPr/>
+        </p:nvSpPr>
+        <p:spPr>
+          <a:xfrm>
+            <a:off x="3531932" y="2292063"/>
+            <a:ext cx="7608942" cy="646331"/>
+          </a:xfrm>
+          <a:prstGeom prst="rect">
+            <a:avLst/>
+          </a:prstGeom>
+          <a:noFill/>
+        </p:spPr>
+        <p:txBody>
+          <a:bodyPr wrap="none" rtlCol="0">
             <a:spAutoFit/>
           </a:bodyPr>
           <a:lstStyle/>
           <a:p>
             <a:r>
-              <a:rPr lang="en-US" altLang="ko-KR" dirty="0" smtClean="0"/>
-              <a:t>Focal loss</a:t>
-            </a:r>
-          </a:p>
-          <a:p>
-            <a:r>
               <a:rPr lang="en-US" altLang="ko-KR" dirty="0"/>
-              <a:t/>
-            </a:r>
-            <a:br>
+              <a:t>To</a:t>
+            </a:r>
+            <a:r>
+              <a:rPr lang="ko-KR" altLang="en-US" dirty="0"/>
+              <a:t> </a:t>
+            </a:r>
+            <a:r>
               <a:rPr lang="en-US" altLang="ko-KR" dirty="0"/>
-            </a:br>
-            <a:r>
-              <a:rPr lang="en-US" altLang="ko-KR" dirty="0">
-                <a:solidFill>
-                  <a:srgbClr val="212121"/>
-                </a:solidFill>
-                <a:latin typeface="+mj-lt"/>
-              </a:rPr>
-              <a:t>In one-stage object detection, it is designed to solve extreme severe imbalances between foreground and background classes (</a:t>
-            </a:r>
-            <a:r>
-              <a:rPr lang="en-US" altLang="ko-KR" dirty="0" err="1">
-                <a:solidFill>
-                  <a:srgbClr val="212121"/>
-                </a:solidFill>
-                <a:latin typeface="+mj-lt"/>
-              </a:rPr>
-              <a:t>eg</a:t>
-            </a:r>
-            <a:r>
-              <a:rPr lang="en-US" altLang="ko-KR" dirty="0">
-                <a:solidFill>
-                  <a:srgbClr val="212121"/>
-                </a:solidFill>
-                <a:latin typeface="+mj-lt"/>
-              </a:rPr>
-              <a:t> 1: 1000).</a:t>
-            </a:r>
-            <a:endParaRPr lang="ko-KR" altLang="en-US" dirty="0">
-              <a:latin typeface="+mj-lt"/>
-            </a:endParaRPr>
+              <a:t>further</a:t>
+            </a:r>
+            <a:r>
+              <a:rPr lang="ko-KR" altLang="en-US" dirty="0"/>
+              <a:t> </a:t>
+            </a:r>
+            <a:r>
+              <a:rPr lang="en-US" altLang="ko-KR" dirty="0"/>
+              <a:t>recover the mathematical error caused by the output stride,</a:t>
+            </a:r>
+          </a:p>
+          <a:p>
+            <a:r>
+              <a:rPr lang="en-US" altLang="ko-KR" dirty="0"/>
+              <a:t>We further estimate the local offset for each center point</a:t>
+            </a:r>
+            <a:endParaRPr lang="ko-KR" altLang="en-US" dirty="0"/>
           </a:p>
         </p:txBody>
       </p:sp>
@@ -4142,6 +4181,13 @@
   <p:clrMapOvr>
     <a:masterClrMapping/>
   </p:clrMapOvr>
+  <p:timing>
+    <p:tnLst>
+      <p:par>
+        <p:cTn id="1" dur="indefinite" restart="never" nodeType="tmRoot"/>
+      </p:par>
+    </p:tnLst>
+  </p:timing>
 </p:sld>
 </file>
 
@@ -4525,7 +4571,26 @@
                 <a:latin typeface="Arial Unicode MS" panose="020B0604020202020204" pitchFamily="50" charset="-127"/>
                 <a:ea typeface="inherit"/>
               </a:rPr>
-              <a:t> '. The </a:t>
+              <a:t> '. </a:t>
+            </a:r>
+            <a:endParaRPr lang="en-US" altLang="ko-KR" dirty="0" smtClean="0">
+              <a:solidFill>
+                <a:srgbClr val="212121"/>
+              </a:solidFill>
+              <a:latin typeface="Arial Unicode MS" panose="020B0604020202020204" pitchFamily="50" charset="-127"/>
+              <a:ea typeface="inherit"/>
+            </a:endParaRPr>
+          </a:p>
+          <a:p>
+            <a:r>
+              <a:rPr lang="ko-KR" altLang="ko-KR" dirty="0" smtClean="0">
+                <a:solidFill>
+                  <a:srgbClr val="212121"/>
+                </a:solidFill>
+                <a:latin typeface="Arial Unicode MS" panose="020B0604020202020204" pitchFamily="50" charset="-127"/>
+                <a:ea typeface="inherit"/>
+              </a:rPr>
+              <a:t>The </a:t>
             </a:r>
             <a:r>
               <a:rPr lang="ko-KR" altLang="ko-KR" dirty="0" err="1">
@@ -4721,6 +4786,13 @@
   <p:clrMapOvr>
     <a:masterClrMapping/>
   </p:clrMapOvr>
+  <p:timing>
+    <p:tnLst>
+      <p:par>
+        <p:cTn id="1" dur="indefinite" restart="never" nodeType="tmRoot"/>
+      </p:par>
+    </p:tnLst>
+  </p:timing>
 </p:sld>
 </file>
 
@@ -4791,6 +4863,13 @@
   <p:clrMapOvr>
     <a:masterClrMapping/>
   </p:clrMapOvr>
+  <p:timing>
+    <p:tnLst>
+      <p:par>
+        <p:cTn id="1" dur="indefinite" restart="never" nodeType="tmRoot"/>
+      </p:par>
+    </p:tnLst>
+  </p:timing>
 </p:sld>
 </file>
 
@@ -9920,6 +9999,13 @@
   <p:clrMapOvr>
     <a:masterClrMapping/>
   </p:clrMapOvr>
+  <p:timing>
+    <p:tnLst>
+      <p:par>
+        <p:cTn id="1" dur="indefinite" restart="never" nodeType="tmRoot"/>
+      </p:par>
+    </p:tnLst>
+  </p:timing>
 </p:sld>
 </file>
 
@@ -10181,15 +10267,31 @@
             </a:r>
             <a:r>
               <a:rPr lang="en-US" altLang="ko-KR" dirty="0"/>
-              <a:t> assigns an anchor based on the position of the box, not the overlap. There are no thresholds for foreground and background.</a:t>
-            </a:r>
+              <a:t> assigns an anchor based on the position of the box, not the overlap. There are no thresholds for foreground and background</a:t>
+            </a:r>
+            <a:r>
+              <a:rPr lang="en-US" altLang="ko-KR" dirty="0" smtClean="0"/>
+              <a:t>.</a:t>
+            </a:r>
+            <a:endParaRPr lang="en-US" altLang="ko-KR" dirty="0"/>
           </a:p>
           <a:p>
             <a:pPr marL="514350" indent="-514350">
               <a:buFont typeface="+mj-lt"/>
               <a:buAutoNum type="arabicPeriod"/>
             </a:pPr>
-            <a:endParaRPr lang="en-US" altLang="ko-KR" dirty="0"/>
+            <a:r>
+              <a:rPr lang="en-US" altLang="ko-KR" dirty="0"/>
+              <a:t>NMS is not required because there is only one anchor per object. Simply extract the peak from the </a:t>
+            </a:r>
+            <a:r>
+              <a:rPr lang="en-US" altLang="ko-KR" dirty="0" err="1"/>
+              <a:t>keypoint</a:t>
+            </a:r>
+            <a:r>
+              <a:rPr lang="en-US" altLang="ko-KR" dirty="0"/>
+              <a:t> hit map.</a:t>
+            </a:r>
           </a:p>
           <a:p>
             <a:pPr marL="514350" indent="-514350">
@@ -10197,24 +10299,6 @@
               <a:buAutoNum type="arabicPeriod"/>
             </a:pPr>
             <a:r>
-              <a:rPr lang="en-US" altLang="ko-KR" dirty="0"/>
-              <a:t>NMS is not required because there is only one anchor per object. Simply extract the peak from the </a:t>
-            </a:r>
-            <a:r>
-              <a:rPr lang="en-US" altLang="ko-KR" dirty="0" err="1"/>
-              <a:t>keypoint</a:t>
-            </a:r>
-            <a:r>
-              <a:rPr lang="en-US" altLang="ko-KR" dirty="0"/>
-              <a:t> hit map.</a:t>
-            </a:r>
-          </a:p>
-          <a:p>
-            <a:pPr marL="514350" indent="-514350">
-              <a:buFont typeface="+mj-lt"/>
-              <a:buAutoNum type="arabicPeriod"/>
-            </a:pPr>
-            <a:r>
               <a:rPr lang="en-US" altLang="ko-KR" dirty="0" err="1"/>
               <a:t>CenterNet</a:t>
             </a:r>
@@ -10223,18 +10307,17 @@
               <a:t> uses a </a:t>
             </a:r>
             <a:r>
-              <a:rPr lang="en-US" altLang="ko-KR" dirty="0" err="1"/>
-              <a:t>larget</a:t>
+              <a:rPr lang="en-US" altLang="ko-KR" dirty="0" smtClean="0"/>
+              <a:t>large </a:t>
             </a:r>
             <a:r>
               <a:rPr lang="en-US" altLang="ko-KR" dirty="0"/>
-              <a:t> output resolution compared to existing object detector. This eliminates the need for multiple anchors</a:t>
-            </a:r>
-          </a:p>
-          <a:p>
-            <a:pPr marL="0" indent="0">
-              <a:buNone/>
-            </a:pPr>
+              <a:t>output resolution compared to existing object detector. This eliminates the need for multiple </a:t>
+            </a:r>
+            <a:r>
+              <a:rPr lang="en-US" altLang="ko-KR" dirty="0" smtClean="0"/>
+              <a:t>anchors</a:t>
+            </a:r>
             <a:endParaRPr lang="en-US" altLang="ko-KR" dirty="0"/>
           </a:p>
         </p:txBody>
@@ -10249,6 +10332,13 @@
   <p:clrMapOvr>
     <a:masterClrMapping/>
   </p:clrMapOvr>
+  <p:timing>
+    <p:tnLst>
+      <p:par>
+        <p:cTn id="1" dur="indefinite" restart="never" nodeType="tmRoot"/>
+      </p:par>
+    </p:tnLst>
+  </p:timing>
 </p:sld>
 </file>
 
@@ -10325,6 +10415,13 @@
   <p:clrMapOvr>
     <a:masterClrMapping/>
   </p:clrMapOvr>
+  <p:timing>
+    <p:tnLst>
+      <p:par>
+        <p:cTn id="1" dur="indefinite" restart="never" nodeType="tmRoot"/>
+      </p:par>
+    </p:tnLst>
+  </p:timing>
 </p:sld>
 </file>
 
@@ -10832,6 +10929,13 @@
   <p:clrMapOvr>
     <a:masterClrMapping/>
   </p:clrMapOvr>
+  <p:timing>
+    <p:tnLst>
+      <p:par>
+        <p:cTn id="1" dur="indefinite" restart="never" nodeType="tmRoot"/>
+      </p:par>
+    </p:tnLst>
+  </p:timing>
 </p:sld>
 </file>
 
